--- a/E-sport_portal.pptx
+++ b/E-sport_portal.pptx
@@ -31538,8 +31538,8 @@
         </p:nvSpPr>
         <p:spPr>
           <a:xfrm>
-            <a:off x="5394325" y="2564765"/>
-            <a:ext cx="6311265" cy="3960495"/>
+            <a:off x="5197475" y="2564765"/>
+            <a:ext cx="6801485" cy="3960495"/>
           </a:xfrm>
           <a:prstGeom prst="rect">
             <a:avLst/>
@@ -31795,7 +31795,7 @@
                 <a:latin typeface="Bahnschrift SemiLight" panose="020B0502040204020203" pitchFamily="34" charset="0"/>
                 <a:sym typeface="+mn-ea"/>
               </a:rPr>
-              <a:t>Adatbázisrendszertől függetlenség (többnyire) pl.: SqLite, MySQL, PostgreSQL</a:t>
+              <a:t>Adatbázisrendszertől függetlenség (többnyire) pl.: MongoDB, MySQL, PostgreSQL</a:t>
             </a:r>
             <a:endParaRPr lang="hu-HU" altLang="en-GB" sz="2400">
               <a:solidFill>

--- a/E-sport_portal.pptx
+++ b/E-sport_portal.pptx
@@ -6749,7 +6749,7 @@
                 </a:solidFill>
                 <a:latin typeface="Bahnschrift SemiLight" panose="020B0502040204020203" pitchFamily="34" charset="0"/>
               </a:rPr>
-              <a:t>E-sport portál</a:t>
+              <a:t>E-Sport portál</a:t>
             </a:r>
             <a:endParaRPr lang="en-GB" sz="7200">
               <a:solidFill>
@@ -6883,7 +6883,7 @@
                                   <p:childTnLst>
                                     <p:set>
                                       <p:cBhvr>
-                                        <p:cTn id="6" dur="1" fill="hold">
+                                        <p:cTn id="6" dur="250" fill="hold">
                                           <p:stCondLst>
                                             <p:cond delay="0"/>
                                           </p:stCondLst>
@@ -6901,9 +6901,52 @@
                                     </p:set>
                                     <p:animEffect transition="in" filter="fade">
                                       <p:cBhvr>
-                                        <p:cTn id="7" dur="400"/>
+                                        <p:cTn id="7" dur="250"/>
                                         <p:tgtEl>
                                           <p:spTgt spid="2"/>
+                                        </p:tgtEl>
+                                      </p:cBhvr>
+                                    </p:animEffect>
+                                  </p:childTnLst>
+                                </p:cTn>
+                              </p:par>
+                              <p:par>
+                                <p:cTn id="8" presetID="5" presetClass="entr" presetSubtype="10" fill="hold" grpId="0" nodeType="withEffect">
+                                  <p:stCondLst>
+                                    <p:cond delay="500"/>
+                                  </p:stCondLst>
+                                  <p:childTnLst>
+                                    <p:set>
+                                      <p:cBhvr>
+                                        <p:cTn id="9" dur="500" fill="hold">
+                                          <p:stCondLst>
+                                            <p:cond delay="0"/>
+                                          </p:stCondLst>
+                                        </p:cTn>
+                                        <p:tgtEl>
+                                          <p:spTgt spid="3">
+                                            <p:txEl>
+                                              <p:pRg st="0" end="0"/>
+                                            </p:txEl>
+                                          </p:spTgt>
+                                        </p:tgtEl>
+                                        <p:attrNameLst>
+                                          <p:attrName>style.visibility</p:attrName>
+                                        </p:attrNameLst>
+                                      </p:cBhvr>
+                                      <p:to>
+                                        <p:strVal val="visible"/>
+                                      </p:to>
+                                    </p:set>
+                                    <p:animEffect transition="in" filter="checkerboard(across)">
+                                      <p:cBhvr>
+                                        <p:cTn id="10" dur="500"/>
+                                        <p:tgtEl>
+                                          <p:spTgt spid="3">
+                                            <p:txEl>
+                                              <p:pRg st="0" end="0"/>
+                                            </p:txEl>
+                                          </p:spTgt>
                                         </p:tgtEl>
                                       </p:cBhvr>
                                     </p:animEffect>
@@ -6939,6 +6982,8 @@
     </p:tnLst>
     <p:bldLst>
       <p:bldP spid="2" grpId="0"/>
+      <p:bldP spid="3" grpId="0" bldLvl="0" build="allAtOnce"/>
+      <p:bldP spid="3" grpId="1" build="p"/>
     </p:bldLst>
   </p:timing>
 </p:sld>
@@ -7712,9 +7757,952 @@
   <p:clrMapOvr>
     <a:masterClrMapping/>
   </p:clrMapOvr>
-  <p:transition spd="slow">
-    <p:push dir="u"/>
-  </p:transition>
+  <mc:AlternateContent xmlns:mc="http://schemas.openxmlformats.org/markup-compatibility/2006">
+    <mc:Choice xmlns:p14="http://schemas.microsoft.com/office/powerpoint/2010/main" Requires="p14">
+      <p:transition spd="med" p14:dur="649">
+        <p14:prism dir="u"/>
+      </p:transition>
+    </mc:Choice>
+    <mc:Fallback>
+      <p:transition spd="med">
+        <p:fade/>
+      </p:transition>
+    </mc:Fallback>
+  </mc:AlternateContent>
+  <p:timing>
+    <p:tnLst>
+      <p:par>
+        <p:cTn id="1" dur="indefinite" restart="never" nodeType="tmRoot">
+          <p:childTnLst>
+            <p:seq concurrent="1" nextAc="seek">
+              <p:cTn id="2" dur="indefinite" nodeType="mainSeq">
+                <p:childTnLst>
+                  <p:par>
+                    <p:cTn id="3" fill="hold">
+                      <p:stCondLst>
+                        <p:cond delay="indefinite"/>
+                        <p:cond evt="onBegin" delay="0">
+                          <p:tn val="2"/>
+                        </p:cond>
+                      </p:stCondLst>
+                      <p:childTnLst>
+                        <p:par>
+                          <p:cTn id="4" fill="hold">
+                            <p:stCondLst>
+                              <p:cond delay="0"/>
+                            </p:stCondLst>
+                            <p:childTnLst>
+                              <p:par>
+                                <p:cTn id="5" presetID="2" presetClass="entr" presetSubtype="2" fill="hold" grpId="0" nodeType="afterEffect">
+                                  <p:stCondLst>
+                                    <p:cond delay="0"/>
+                                  </p:stCondLst>
+                                  <p:childTnLst>
+                                    <p:set>
+                                      <p:cBhvr>
+                                        <p:cTn id="6" dur="250" fill="hold">
+                                          <p:stCondLst>
+                                            <p:cond delay="0"/>
+                                          </p:stCondLst>
+                                        </p:cTn>
+                                        <p:tgtEl>
+                                          <p:spTgt spid="6">
+                                            <p:txEl>
+                                              <p:pRg st="0" end="0"/>
+                                            </p:txEl>
+                                          </p:spTgt>
+                                        </p:tgtEl>
+                                        <p:attrNameLst>
+                                          <p:attrName>style.visibility</p:attrName>
+                                        </p:attrNameLst>
+                                      </p:cBhvr>
+                                      <p:to>
+                                        <p:strVal val="visible"/>
+                                      </p:to>
+                                    </p:set>
+                                    <p:anim calcmode="lin" valueType="num">
+                                      <p:cBhvr additive="base">
+                                        <p:cTn id="7" dur="250" fill="hold"/>
+                                        <p:tgtEl>
+                                          <p:spTgt spid="6">
+                                            <p:txEl>
+                                              <p:pRg st="0" end="0"/>
+                                            </p:txEl>
+                                          </p:spTgt>
+                                        </p:tgtEl>
+                                        <p:attrNameLst>
+                                          <p:attrName>ppt_x</p:attrName>
+                                        </p:attrNameLst>
+                                      </p:cBhvr>
+                                      <p:tavLst>
+                                        <p:tav tm="0">
+                                          <p:val>
+                                            <p:strVal val="1+#ppt_w/2"/>
+                                          </p:val>
+                                        </p:tav>
+                                        <p:tav tm="100000">
+                                          <p:val>
+                                            <p:strVal val="#ppt_x"/>
+                                          </p:val>
+                                        </p:tav>
+                                      </p:tavLst>
+                                    </p:anim>
+                                    <p:anim calcmode="lin" valueType="num">
+                                      <p:cBhvr additive="base">
+                                        <p:cTn id="8" dur="250" fill="hold"/>
+                                        <p:tgtEl>
+                                          <p:spTgt spid="6">
+                                            <p:txEl>
+                                              <p:pRg st="0" end="0"/>
+                                            </p:txEl>
+                                          </p:spTgt>
+                                        </p:tgtEl>
+                                        <p:attrNameLst>
+                                          <p:attrName>ppt_y</p:attrName>
+                                        </p:attrNameLst>
+                                      </p:cBhvr>
+                                      <p:tavLst>
+                                        <p:tav tm="0">
+                                          <p:val>
+                                            <p:strVal val="#ppt_y"/>
+                                          </p:val>
+                                        </p:tav>
+                                        <p:tav tm="100000">
+                                          <p:val>
+                                            <p:strVal val="#ppt_y"/>
+                                          </p:val>
+                                        </p:tav>
+                                      </p:tavLst>
+                                    </p:anim>
+                                  </p:childTnLst>
+                                </p:cTn>
+                              </p:par>
+                            </p:childTnLst>
+                          </p:cTn>
+                        </p:par>
+                        <p:par>
+                          <p:cTn id="9" fill="hold">
+                            <p:stCondLst>
+                              <p:cond delay="500"/>
+                            </p:stCondLst>
+                            <p:childTnLst>
+                              <p:par>
+                                <p:cTn id="10" presetID="2" presetClass="entr" presetSubtype="2" fill="hold" grpId="0" nodeType="afterEffect">
+                                  <p:stCondLst>
+                                    <p:cond delay="0"/>
+                                  </p:stCondLst>
+                                  <p:childTnLst>
+                                    <p:set>
+                                      <p:cBhvr>
+                                        <p:cTn id="11" dur="250" fill="hold">
+                                          <p:stCondLst>
+                                            <p:cond delay="0"/>
+                                          </p:stCondLst>
+                                        </p:cTn>
+                                        <p:tgtEl>
+                                          <p:spTgt spid="6">
+                                            <p:txEl>
+                                              <p:pRg st="1" end="1"/>
+                                            </p:txEl>
+                                          </p:spTgt>
+                                        </p:tgtEl>
+                                        <p:attrNameLst>
+                                          <p:attrName>style.visibility</p:attrName>
+                                        </p:attrNameLst>
+                                      </p:cBhvr>
+                                      <p:to>
+                                        <p:strVal val="visible"/>
+                                      </p:to>
+                                    </p:set>
+                                    <p:anim calcmode="lin" valueType="num">
+                                      <p:cBhvr additive="base">
+                                        <p:cTn id="12" dur="250" fill="hold"/>
+                                        <p:tgtEl>
+                                          <p:spTgt spid="6">
+                                            <p:txEl>
+                                              <p:pRg st="1" end="1"/>
+                                            </p:txEl>
+                                          </p:spTgt>
+                                        </p:tgtEl>
+                                        <p:attrNameLst>
+                                          <p:attrName>ppt_x</p:attrName>
+                                        </p:attrNameLst>
+                                      </p:cBhvr>
+                                      <p:tavLst>
+                                        <p:tav tm="0">
+                                          <p:val>
+                                            <p:strVal val="1+#ppt_w/2"/>
+                                          </p:val>
+                                        </p:tav>
+                                        <p:tav tm="100000">
+                                          <p:val>
+                                            <p:strVal val="#ppt_x"/>
+                                          </p:val>
+                                        </p:tav>
+                                      </p:tavLst>
+                                    </p:anim>
+                                    <p:anim calcmode="lin" valueType="num">
+                                      <p:cBhvr additive="base">
+                                        <p:cTn id="13" dur="250" fill="hold"/>
+                                        <p:tgtEl>
+                                          <p:spTgt spid="6">
+                                            <p:txEl>
+                                              <p:pRg st="1" end="1"/>
+                                            </p:txEl>
+                                          </p:spTgt>
+                                        </p:tgtEl>
+                                        <p:attrNameLst>
+                                          <p:attrName>ppt_y</p:attrName>
+                                        </p:attrNameLst>
+                                      </p:cBhvr>
+                                      <p:tavLst>
+                                        <p:tav tm="0">
+                                          <p:val>
+                                            <p:strVal val="#ppt_y"/>
+                                          </p:val>
+                                        </p:tav>
+                                        <p:tav tm="100000">
+                                          <p:val>
+                                            <p:strVal val="#ppt_y"/>
+                                          </p:val>
+                                        </p:tav>
+                                      </p:tavLst>
+                                    </p:anim>
+                                  </p:childTnLst>
+                                </p:cTn>
+                              </p:par>
+                            </p:childTnLst>
+                          </p:cTn>
+                        </p:par>
+                        <p:par>
+                          <p:cTn id="14" fill="hold">
+                            <p:stCondLst>
+                              <p:cond delay="1000"/>
+                            </p:stCondLst>
+                            <p:childTnLst>
+                              <p:par>
+                                <p:cTn id="15" presetID="2" presetClass="entr" presetSubtype="2" fill="hold" grpId="0" nodeType="afterEffect">
+                                  <p:stCondLst>
+                                    <p:cond delay="0"/>
+                                  </p:stCondLst>
+                                  <p:childTnLst>
+                                    <p:set>
+                                      <p:cBhvr>
+                                        <p:cTn id="16" dur="250" fill="hold">
+                                          <p:stCondLst>
+                                            <p:cond delay="0"/>
+                                          </p:stCondLst>
+                                        </p:cTn>
+                                        <p:tgtEl>
+                                          <p:spTgt spid="6">
+                                            <p:txEl>
+                                              <p:pRg st="2" end="2"/>
+                                            </p:txEl>
+                                          </p:spTgt>
+                                        </p:tgtEl>
+                                        <p:attrNameLst>
+                                          <p:attrName>style.visibility</p:attrName>
+                                        </p:attrNameLst>
+                                      </p:cBhvr>
+                                      <p:to>
+                                        <p:strVal val="visible"/>
+                                      </p:to>
+                                    </p:set>
+                                    <p:anim calcmode="lin" valueType="num">
+                                      <p:cBhvr additive="base">
+                                        <p:cTn id="17" dur="250" fill="hold"/>
+                                        <p:tgtEl>
+                                          <p:spTgt spid="6">
+                                            <p:txEl>
+                                              <p:pRg st="2" end="2"/>
+                                            </p:txEl>
+                                          </p:spTgt>
+                                        </p:tgtEl>
+                                        <p:attrNameLst>
+                                          <p:attrName>ppt_x</p:attrName>
+                                        </p:attrNameLst>
+                                      </p:cBhvr>
+                                      <p:tavLst>
+                                        <p:tav tm="0">
+                                          <p:val>
+                                            <p:strVal val="1+#ppt_w/2"/>
+                                          </p:val>
+                                        </p:tav>
+                                        <p:tav tm="100000">
+                                          <p:val>
+                                            <p:strVal val="#ppt_x"/>
+                                          </p:val>
+                                        </p:tav>
+                                      </p:tavLst>
+                                    </p:anim>
+                                    <p:anim calcmode="lin" valueType="num">
+                                      <p:cBhvr additive="base">
+                                        <p:cTn id="18" dur="250" fill="hold"/>
+                                        <p:tgtEl>
+                                          <p:spTgt spid="6">
+                                            <p:txEl>
+                                              <p:pRg st="2" end="2"/>
+                                            </p:txEl>
+                                          </p:spTgt>
+                                        </p:tgtEl>
+                                        <p:attrNameLst>
+                                          <p:attrName>ppt_y</p:attrName>
+                                        </p:attrNameLst>
+                                      </p:cBhvr>
+                                      <p:tavLst>
+                                        <p:tav tm="0">
+                                          <p:val>
+                                            <p:strVal val="#ppt_y"/>
+                                          </p:val>
+                                        </p:tav>
+                                        <p:tav tm="100000">
+                                          <p:val>
+                                            <p:strVal val="#ppt_y"/>
+                                          </p:val>
+                                        </p:tav>
+                                      </p:tavLst>
+                                    </p:anim>
+                                  </p:childTnLst>
+                                </p:cTn>
+                              </p:par>
+                            </p:childTnLst>
+                          </p:cTn>
+                        </p:par>
+                        <p:par>
+                          <p:cTn id="19" fill="hold">
+                            <p:stCondLst>
+                              <p:cond delay="1500"/>
+                            </p:stCondLst>
+                            <p:childTnLst>
+                              <p:par>
+                                <p:cTn id="20" presetID="2" presetClass="entr" presetSubtype="2" fill="hold" grpId="0" nodeType="afterEffect">
+                                  <p:stCondLst>
+                                    <p:cond delay="0"/>
+                                  </p:stCondLst>
+                                  <p:childTnLst>
+                                    <p:set>
+                                      <p:cBhvr>
+                                        <p:cTn id="21" dur="250" fill="hold">
+                                          <p:stCondLst>
+                                            <p:cond delay="0"/>
+                                          </p:stCondLst>
+                                        </p:cTn>
+                                        <p:tgtEl>
+                                          <p:spTgt spid="6">
+                                            <p:txEl>
+                                              <p:pRg st="3" end="3"/>
+                                            </p:txEl>
+                                          </p:spTgt>
+                                        </p:tgtEl>
+                                        <p:attrNameLst>
+                                          <p:attrName>style.visibility</p:attrName>
+                                        </p:attrNameLst>
+                                      </p:cBhvr>
+                                      <p:to>
+                                        <p:strVal val="visible"/>
+                                      </p:to>
+                                    </p:set>
+                                    <p:anim calcmode="lin" valueType="num">
+                                      <p:cBhvr additive="base">
+                                        <p:cTn id="22" dur="250" fill="hold"/>
+                                        <p:tgtEl>
+                                          <p:spTgt spid="6">
+                                            <p:txEl>
+                                              <p:pRg st="3" end="3"/>
+                                            </p:txEl>
+                                          </p:spTgt>
+                                        </p:tgtEl>
+                                        <p:attrNameLst>
+                                          <p:attrName>ppt_x</p:attrName>
+                                        </p:attrNameLst>
+                                      </p:cBhvr>
+                                      <p:tavLst>
+                                        <p:tav tm="0">
+                                          <p:val>
+                                            <p:strVal val="1+#ppt_w/2"/>
+                                          </p:val>
+                                        </p:tav>
+                                        <p:tav tm="100000">
+                                          <p:val>
+                                            <p:strVal val="#ppt_x"/>
+                                          </p:val>
+                                        </p:tav>
+                                      </p:tavLst>
+                                    </p:anim>
+                                    <p:anim calcmode="lin" valueType="num">
+                                      <p:cBhvr additive="base">
+                                        <p:cTn id="23" dur="250" fill="hold"/>
+                                        <p:tgtEl>
+                                          <p:spTgt spid="6">
+                                            <p:txEl>
+                                              <p:pRg st="3" end="3"/>
+                                            </p:txEl>
+                                          </p:spTgt>
+                                        </p:tgtEl>
+                                        <p:attrNameLst>
+                                          <p:attrName>ppt_y</p:attrName>
+                                        </p:attrNameLst>
+                                      </p:cBhvr>
+                                      <p:tavLst>
+                                        <p:tav tm="0">
+                                          <p:val>
+                                            <p:strVal val="#ppt_y"/>
+                                          </p:val>
+                                        </p:tav>
+                                        <p:tav tm="100000">
+                                          <p:val>
+                                            <p:strVal val="#ppt_y"/>
+                                          </p:val>
+                                        </p:tav>
+                                      </p:tavLst>
+                                    </p:anim>
+                                  </p:childTnLst>
+                                </p:cTn>
+                              </p:par>
+                            </p:childTnLst>
+                          </p:cTn>
+                        </p:par>
+                        <p:par>
+                          <p:cTn id="24" fill="hold">
+                            <p:stCondLst>
+                              <p:cond delay="2000"/>
+                            </p:stCondLst>
+                            <p:childTnLst>
+                              <p:par>
+                                <p:cTn id="25" presetID="2" presetClass="entr" presetSubtype="2" fill="hold" grpId="0" nodeType="afterEffect">
+                                  <p:stCondLst>
+                                    <p:cond delay="0"/>
+                                  </p:stCondLst>
+                                  <p:childTnLst>
+                                    <p:set>
+                                      <p:cBhvr>
+                                        <p:cTn id="26" dur="250" fill="hold">
+                                          <p:stCondLst>
+                                            <p:cond delay="0"/>
+                                          </p:stCondLst>
+                                        </p:cTn>
+                                        <p:tgtEl>
+                                          <p:spTgt spid="6">
+                                            <p:txEl>
+                                              <p:pRg st="4" end="4"/>
+                                            </p:txEl>
+                                          </p:spTgt>
+                                        </p:tgtEl>
+                                        <p:attrNameLst>
+                                          <p:attrName>style.visibility</p:attrName>
+                                        </p:attrNameLst>
+                                      </p:cBhvr>
+                                      <p:to>
+                                        <p:strVal val="visible"/>
+                                      </p:to>
+                                    </p:set>
+                                    <p:anim calcmode="lin" valueType="num">
+                                      <p:cBhvr additive="base">
+                                        <p:cTn id="27" dur="250" fill="hold"/>
+                                        <p:tgtEl>
+                                          <p:spTgt spid="6">
+                                            <p:txEl>
+                                              <p:pRg st="4" end="4"/>
+                                            </p:txEl>
+                                          </p:spTgt>
+                                        </p:tgtEl>
+                                        <p:attrNameLst>
+                                          <p:attrName>ppt_x</p:attrName>
+                                        </p:attrNameLst>
+                                      </p:cBhvr>
+                                      <p:tavLst>
+                                        <p:tav tm="0">
+                                          <p:val>
+                                            <p:strVal val="1+#ppt_w/2"/>
+                                          </p:val>
+                                        </p:tav>
+                                        <p:tav tm="100000">
+                                          <p:val>
+                                            <p:strVal val="#ppt_x"/>
+                                          </p:val>
+                                        </p:tav>
+                                      </p:tavLst>
+                                    </p:anim>
+                                    <p:anim calcmode="lin" valueType="num">
+                                      <p:cBhvr additive="base">
+                                        <p:cTn id="28" dur="250" fill="hold"/>
+                                        <p:tgtEl>
+                                          <p:spTgt spid="6">
+                                            <p:txEl>
+                                              <p:pRg st="4" end="4"/>
+                                            </p:txEl>
+                                          </p:spTgt>
+                                        </p:tgtEl>
+                                        <p:attrNameLst>
+                                          <p:attrName>ppt_y</p:attrName>
+                                        </p:attrNameLst>
+                                      </p:cBhvr>
+                                      <p:tavLst>
+                                        <p:tav tm="0">
+                                          <p:val>
+                                            <p:strVal val="#ppt_y"/>
+                                          </p:val>
+                                        </p:tav>
+                                        <p:tav tm="100000">
+                                          <p:val>
+                                            <p:strVal val="#ppt_y"/>
+                                          </p:val>
+                                        </p:tav>
+                                      </p:tavLst>
+                                    </p:anim>
+                                  </p:childTnLst>
+                                </p:cTn>
+                              </p:par>
+                            </p:childTnLst>
+                          </p:cTn>
+                        </p:par>
+                        <p:par>
+                          <p:cTn id="29" fill="hold">
+                            <p:stCondLst>
+                              <p:cond delay="2500"/>
+                            </p:stCondLst>
+                            <p:childTnLst>
+                              <p:par>
+                                <p:cTn id="30" presetID="2" presetClass="entr" presetSubtype="2" fill="hold" grpId="0" nodeType="afterEffect">
+                                  <p:stCondLst>
+                                    <p:cond delay="0"/>
+                                  </p:stCondLst>
+                                  <p:childTnLst>
+                                    <p:set>
+                                      <p:cBhvr>
+                                        <p:cTn id="31" dur="250" fill="hold">
+                                          <p:stCondLst>
+                                            <p:cond delay="0"/>
+                                          </p:stCondLst>
+                                        </p:cTn>
+                                        <p:tgtEl>
+                                          <p:spTgt spid="6">
+                                            <p:txEl>
+                                              <p:pRg st="5" end="5"/>
+                                            </p:txEl>
+                                          </p:spTgt>
+                                        </p:tgtEl>
+                                        <p:attrNameLst>
+                                          <p:attrName>style.visibility</p:attrName>
+                                        </p:attrNameLst>
+                                      </p:cBhvr>
+                                      <p:to>
+                                        <p:strVal val="visible"/>
+                                      </p:to>
+                                    </p:set>
+                                    <p:anim calcmode="lin" valueType="num">
+                                      <p:cBhvr additive="base">
+                                        <p:cTn id="32" dur="250" fill="hold"/>
+                                        <p:tgtEl>
+                                          <p:spTgt spid="6">
+                                            <p:txEl>
+                                              <p:pRg st="5" end="5"/>
+                                            </p:txEl>
+                                          </p:spTgt>
+                                        </p:tgtEl>
+                                        <p:attrNameLst>
+                                          <p:attrName>ppt_x</p:attrName>
+                                        </p:attrNameLst>
+                                      </p:cBhvr>
+                                      <p:tavLst>
+                                        <p:tav tm="0">
+                                          <p:val>
+                                            <p:strVal val="1+#ppt_w/2"/>
+                                          </p:val>
+                                        </p:tav>
+                                        <p:tav tm="100000">
+                                          <p:val>
+                                            <p:strVal val="#ppt_x"/>
+                                          </p:val>
+                                        </p:tav>
+                                      </p:tavLst>
+                                    </p:anim>
+                                    <p:anim calcmode="lin" valueType="num">
+                                      <p:cBhvr additive="base">
+                                        <p:cTn id="33" dur="250" fill="hold"/>
+                                        <p:tgtEl>
+                                          <p:spTgt spid="6">
+                                            <p:txEl>
+                                              <p:pRg st="5" end="5"/>
+                                            </p:txEl>
+                                          </p:spTgt>
+                                        </p:tgtEl>
+                                        <p:attrNameLst>
+                                          <p:attrName>ppt_y</p:attrName>
+                                        </p:attrNameLst>
+                                      </p:cBhvr>
+                                      <p:tavLst>
+                                        <p:tav tm="0">
+                                          <p:val>
+                                            <p:strVal val="#ppt_y"/>
+                                          </p:val>
+                                        </p:tav>
+                                        <p:tav tm="100000">
+                                          <p:val>
+                                            <p:strVal val="#ppt_y"/>
+                                          </p:val>
+                                        </p:tav>
+                                      </p:tavLst>
+                                    </p:anim>
+                                  </p:childTnLst>
+                                </p:cTn>
+                              </p:par>
+                            </p:childTnLst>
+                          </p:cTn>
+                        </p:par>
+                        <p:par>
+                          <p:cTn id="34" fill="hold">
+                            <p:stCondLst>
+                              <p:cond delay="3000"/>
+                            </p:stCondLst>
+                            <p:childTnLst>
+                              <p:par>
+                                <p:cTn id="35" presetID="2" presetClass="entr" presetSubtype="2" fill="hold" grpId="0" nodeType="afterEffect">
+                                  <p:stCondLst>
+                                    <p:cond delay="0"/>
+                                  </p:stCondLst>
+                                  <p:childTnLst>
+                                    <p:set>
+                                      <p:cBhvr>
+                                        <p:cTn id="36" dur="250" fill="hold">
+                                          <p:stCondLst>
+                                            <p:cond delay="0"/>
+                                          </p:stCondLst>
+                                        </p:cTn>
+                                        <p:tgtEl>
+                                          <p:spTgt spid="6">
+                                            <p:txEl>
+                                              <p:pRg st="6" end="6"/>
+                                            </p:txEl>
+                                          </p:spTgt>
+                                        </p:tgtEl>
+                                        <p:attrNameLst>
+                                          <p:attrName>style.visibility</p:attrName>
+                                        </p:attrNameLst>
+                                      </p:cBhvr>
+                                      <p:to>
+                                        <p:strVal val="visible"/>
+                                      </p:to>
+                                    </p:set>
+                                    <p:anim calcmode="lin" valueType="num">
+                                      <p:cBhvr additive="base">
+                                        <p:cTn id="37" dur="250" fill="hold"/>
+                                        <p:tgtEl>
+                                          <p:spTgt spid="6">
+                                            <p:txEl>
+                                              <p:pRg st="6" end="6"/>
+                                            </p:txEl>
+                                          </p:spTgt>
+                                        </p:tgtEl>
+                                        <p:attrNameLst>
+                                          <p:attrName>ppt_x</p:attrName>
+                                        </p:attrNameLst>
+                                      </p:cBhvr>
+                                      <p:tavLst>
+                                        <p:tav tm="0">
+                                          <p:val>
+                                            <p:strVal val="1+#ppt_w/2"/>
+                                          </p:val>
+                                        </p:tav>
+                                        <p:tav tm="100000">
+                                          <p:val>
+                                            <p:strVal val="#ppt_x"/>
+                                          </p:val>
+                                        </p:tav>
+                                      </p:tavLst>
+                                    </p:anim>
+                                    <p:anim calcmode="lin" valueType="num">
+                                      <p:cBhvr additive="base">
+                                        <p:cTn id="38" dur="250" fill="hold"/>
+                                        <p:tgtEl>
+                                          <p:spTgt spid="6">
+                                            <p:txEl>
+                                              <p:pRg st="6" end="6"/>
+                                            </p:txEl>
+                                          </p:spTgt>
+                                        </p:tgtEl>
+                                        <p:attrNameLst>
+                                          <p:attrName>ppt_y</p:attrName>
+                                        </p:attrNameLst>
+                                      </p:cBhvr>
+                                      <p:tavLst>
+                                        <p:tav tm="0">
+                                          <p:val>
+                                            <p:strVal val="#ppt_y"/>
+                                          </p:val>
+                                        </p:tav>
+                                        <p:tav tm="100000">
+                                          <p:val>
+                                            <p:strVal val="#ppt_y"/>
+                                          </p:val>
+                                        </p:tav>
+                                      </p:tavLst>
+                                    </p:anim>
+                                  </p:childTnLst>
+                                </p:cTn>
+                              </p:par>
+                            </p:childTnLst>
+                          </p:cTn>
+                        </p:par>
+                        <p:par>
+                          <p:cTn id="39" fill="hold">
+                            <p:stCondLst>
+                              <p:cond delay="3500"/>
+                            </p:stCondLst>
+                            <p:childTnLst>
+                              <p:par>
+                                <p:cTn id="40" presetID="2" presetClass="entr" presetSubtype="4" fill="hold" grpId="0" nodeType="afterEffect">
+                                  <p:stCondLst>
+                                    <p:cond delay="0"/>
+                                  </p:stCondLst>
+                                  <p:childTnLst>
+                                    <p:set>
+                                      <p:cBhvr>
+                                        <p:cTn id="41" dur="1" fill="hold">
+                                          <p:stCondLst>
+                                            <p:cond delay="0"/>
+                                          </p:stCondLst>
+                                        </p:cTn>
+                                        <p:tgtEl>
+                                          <p:spTgt spid="12"/>
+                                        </p:tgtEl>
+                                        <p:attrNameLst>
+                                          <p:attrName>style.visibility</p:attrName>
+                                        </p:attrNameLst>
+                                      </p:cBhvr>
+                                      <p:to>
+                                        <p:strVal val="visible"/>
+                                      </p:to>
+                                    </p:set>
+                                    <p:anim calcmode="lin" valueType="num">
+                                      <p:cBhvr additive="base">
+                                        <p:cTn id="42" dur="500" fill="hold"/>
+                                        <p:tgtEl>
+                                          <p:spTgt spid="12"/>
+                                        </p:tgtEl>
+                                        <p:attrNameLst>
+                                          <p:attrName>ppt_x</p:attrName>
+                                        </p:attrNameLst>
+                                      </p:cBhvr>
+                                      <p:tavLst>
+                                        <p:tav tm="0">
+                                          <p:val>
+                                            <p:strVal val="#ppt_x"/>
+                                          </p:val>
+                                        </p:tav>
+                                        <p:tav tm="100000">
+                                          <p:val>
+                                            <p:strVal val="#ppt_x"/>
+                                          </p:val>
+                                        </p:tav>
+                                      </p:tavLst>
+                                    </p:anim>
+                                    <p:anim calcmode="lin" valueType="num">
+                                      <p:cBhvr additive="base">
+                                        <p:cTn id="43" dur="500" fill="hold"/>
+                                        <p:tgtEl>
+                                          <p:spTgt spid="12"/>
+                                        </p:tgtEl>
+                                        <p:attrNameLst>
+                                          <p:attrName>ppt_y</p:attrName>
+                                        </p:attrNameLst>
+                                      </p:cBhvr>
+                                      <p:tavLst>
+                                        <p:tav tm="0">
+                                          <p:val>
+                                            <p:strVal val="1+#ppt_h/2"/>
+                                          </p:val>
+                                        </p:tav>
+                                        <p:tav tm="100000">
+                                          <p:val>
+                                            <p:strVal val="#ppt_y"/>
+                                          </p:val>
+                                        </p:tav>
+                                      </p:tavLst>
+                                    </p:anim>
+                                  </p:childTnLst>
+                                </p:cTn>
+                              </p:par>
+                              <p:par>
+                                <p:cTn id="44" presetID="2" presetClass="entr" presetSubtype="1" fill="hold" grpId="0" nodeType="withEffect">
+                                  <p:stCondLst>
+                                    <p:cond delay="0"/>
+                                  </p:stCondLst>
+                                  <p:childTnLst>
+                                    <p:set>
+                                      <p:cBhvr>
+                                        <p:cTn id="45" dur="1" fill="hold">
+                                          <p:stCondLst>
+                                            <p:cond delay="0"/>
+                                          </p:stCondLst>
+                                        </p:cTn>
+                                        <p:tgtEl>
+                                          <p:spTgt spid="4"/>
+                                        </p:tgtEl>
+                                        <p:attrNameLst>
+                                          <p:attrName>style.visibility</p:attrName>
+                                        </p:attrNameLst>
+                                      </p:cBhvr>
+                                      <p:to>
+                                        <p:strVal val="visible"/>
+                                      </p:to>
+                                    </p:set>
+                                    <p:anim calcmode="lin" valueType="num">
+                                      <p:cBhvr additive="base">
+                                        <p:cTn id="46" dur="500" fill="hold"/>
+                                        <p:tgtEl>
+                                          <p:spTgt spid="4"/>
+                                        </p:tgtEl>
+                                        <p:attrNameLst>
+                                          <p:attrName>ppt_x</p:attrName>
+                                        </p:attrNameLst>
+                                      </p:cBhvr>
+                                      <p:tavLst>
+                                        <p:tav tm="0">
+                                          <p:val>
+                                            <p:strVal val="#ppt_x"/>
+                                          </p:val>
+                                        </p:tav>
+                                        <p:tav tm="100000">
+                                          <p:val>
+                                            <p:strVal val="#ppt_x"/>
+                                          </p:val>
+                                        </p:tav>
+                                      </p:tavLst>
+                                    </p:anim>
+                                    <p:anim calcmode="lin" valueType="num">
+                                      <p:cBhvr additive="base">
+                                        <p:cTn id="47" dur="500" fill="hold"/>
+                                        <p:tgtEl>
+                                          <p:spTgt spid="4"/>
+                                        </p:tgtEl>
+                                        <p:attrNameLst>
+                                          <p:attrName>ppt_y</p:attrName>
+                                        </p:attrNameLst>
+                                      </p:cBhvr>
+                                      <p:tavLst>
+                                        <p:tav tm="0">
+                                          <p:val>
+                                            <p:strVal val="0-#ppt_h/2"/>
+                                          </p:val>
+                                        </p:tav>
+                                        <p:tav tm="100000">
+                                          <p:val>
+                                            <p:strVal val="#ppt_y"/>
+                                          </p:val>
+                                        </p:tav>
+                                      </p:tavLst>
+                                    </p:anim>
+                                  </p:childTnLst>
+                                </p:cTn>
+                              </p:par>
+                              <p:par>
+                                <p:cTn id="48" presetID="2" presetClass="entr" presetSubtype="2" fill="hold" nodeType="withEffect">
+                                  <p:stCondLst>
+                                    <p:cond delay="0"/>
+                                  </p:stCondLst>
+                                  <p:childTnLst>
+                                    <p:set>
+                                      <p:cBhvr>
+                                        <p:cTn id="49" dur="1" fill="hold">
+                                          <p:stCondLst>
+                                            <p:cond delay="0"/>
+                                          </p:stCondLst>
+                                        </p:cTn>
+                                        <p:tgtEl>
+                                          <p:spTgt spid="110"/>
+                                        </p:tgtEl>
+                                        <p:attrNameLst>
+                                          <p:attrName>style.visibility</p:attrName>
+                                        </p:attrNameLst>
+                                      </p:cBhvr>
+                                      <p:to>
+                                        <p:strVal val="visible"/>
+                                      </p:to>
+                                    </p:set>
+                                    <p:anim calcmode="lin" valueType="num">
+                                      <p:cBhvr additive="base">
+                                        <p:cTn id="50" dur="500" fill="hold"/>
+                                        <p:tgtEl>
+                                          <p:spTgt spid="110"/>
+                                        </p:tgtEl>
+                                        <p:attrNameLst>
+                                          <p:attrName>ppt_x</p:attrName>
+                                        </p:attrNameLst>
+                                      </p:cBhvr>
+                                      <p:tavLst>
+                                        <p:tav tm="0">
+                                          <p:val>
+                                            <p:strVal val="1+#ppt_w/2"/>
+                                          </p:val>
+                                        </p:tav>
+                                        <p:tav tm="100000">
+                                          <p:val>
+                                            <p:strVal val="#ppt_x"/>
+                                          </p:val>
+                                        </p:tav>
+                                      </p:tavLst>
+                                    </p:anim>
+                                    <p:anim calcmode="lin" valueType="num">
+                                      <p:cBhvr additive="base">
+                                        <p:cTn id="51" dur="500" fill="hold"/>
+                                        <p:tgtEl>
+                                          <p:spTgt spid="110"/>
+                                        </p:tgtEl>
+                                        <p:attrNameLst>
+                                          <p:attrName>ppt_y</p:attrName>
+                                        </p:attrNameLst>
+                                      </p:cBhvr>
+                                      <p:tavLst>
+                                        <p:tav tm="0">
+                                          <p:val>
+                                            <p:strVal val="#ppt_y"/>
+                                          </p:val>
+                                        </p:tav>
+                                        <p:tav tm="100000">
+                                          <p:val>
+                                            <p:strVal val="#ppt_y"/>
+                                          </p:val>
+                                        </p:tav>
+                                      </p:tavLst>
+                                    </p:anim>
+                                  </p:childTnLst>
+                                </p:cTn>
+                              </p:par>
+                            </p:childTnLst>
+                          </p:cTn>
+                        </p:par>
+                      </p:childTnLst>
+                    </p:cTn>
+                  </p:par>
+                </p:childTnLst>
+              </p:cTn>
+              <p:prevCondLst>
+                <p:cond evt="onPrev" delay="0">
+                  <p:tgtEl>
+                    <p:sldTgt/>
+                  </p:tgtEl>
+                </p:cond>
+              </p:prevCondLst>
+              <p:nextCondLst>
+                <p:cond evt="onNext" delay="0">
+                  <p:tgtEl>
+                    <p:sldTgt/>
+                  </p:tgtEl>
+                </p:cond>
+              </p:nextCondLst>
+            </p:seq>
+          </p:childTnLst>
+        </p:cTn>
+      </p:par>
+    </p:tnLst>
+    <p:bldLst>
+      <p:bldP spid="6" grpId="0" uiExpand="1" build="p"/>
+      <p:bldP spid="6" grpId="1"/>
+      <p:bldP spid="12" grpId="0" animBg="1"/>
+      <p:bldP spid="4" grpId="0" animBg="1"/>
+    </p:bldLst>
+  </p:timing>
 </p:sld>
 </file>
 
@@ -8549,9 +9537,1047 @@
   <p:clrMapOvr>
     <a:masterClrMapping/>
   </p:clrMapOvr>
-  <p:transition spd="slow">
-    <p:push dir="u"/>
-  </p:transition>
+  <mc:AlternateContent xmlns:mc="http://schemas.openxmlformats.org/markup-compatibility/2006">
+    <mc:Choice xmlns:p14="http://schemas.microsoft.com/office/powerpoint/2010/main" Requires="p14">
+      <p:transition spd="med" p14:dur="649">
+        <p14:prism dir="u"/>
+      </p:transition>
+    </mc:Choice>
+    <mc:Fallback>
+      <p:transition spd="med">
+        <p:fade/>
+      </p:transition>
+    </mc:Fallback>
+  </mc:AlternateContent>
+  <p:timing>
+    <p:tnLst>
+      <p:par>
+        <p:cTn id="1" dur="indefinite" restart="never" nodeType="tmRoot">
+          <p:childTnLst>
+            <p:seq concurrent="1" nextAc="seek">
+              <p:cTn id="2" dur="indefinite" nodeType="mainSeq">
+                <p:childTnLst>
+                  <p:par>
+                    <p:cTn id="3" fill="hold">
+                      <p:stCondLst>
+                        <p:cond delay="indefinite"/>
+                        <p:cond evt="onBegin" delay="0">
+                          <p:tn val="2"/>
+                        </p:cond>
+                      </p:stCondLst>
+                      <p:childTnLst>
+                        <p:par>
+                          <p:cTn id="4" fill="hold">
+                            <p:stCondLst>
+                              <p:cond delay="0"/>
+                            </p:stCondLst>
+                            <p:childTnLst>
+                              <p:par>
+                                <p:cTn id="5" presetID="2" presetClass="entr" presetSubtype="2" fill="hold" grpId="0" nodeType="afterEffect">
+                                  <p:stCondLst>
+                                    <p:cond delay="0"/>
+                                  </p:stCondLst>
+                                  <p:childTnLst>
+                                    <p:set>
+                                      <p:cBhvr>
+                                        <p:cTn id="6" dur="250" fill="hold">
+                                          <p:stCondLst>
+                                            <p:cond delay="0"/>
+                                          </p:stCondLst>
+                                        </p:cTn>
+                                        <p:tgtEl>
+                                          <p:spTgt spid="6">
+                                            <p:txEl>
+                                              <p:pRg st="0" end="0"/>
+                                            </p:txEl>
+                                          </p:spTgt>
+                                        </p:tgtEl>
+                                        <p:attrNameLst>
+                                          <p:attrName>style.visibility</p:attrName>
+                                        </p:attrNameLst>
+                                      </p:cBhvr>
+                                      <p:to>
+                                        <p:strVal val="visible"/>
+                                      </p:to>
+                                    </p:set>
+                                    <p:anim calcmode="lin" valueType="num">
+                                      <p:cBhvr additive="base">
+                                        <p:cTn id="7" dur="250" fill="hold"/>
+                                        <p:tgtEl>
+                                          <p:spTgt spid="6">
+                                            <p:txEl>
+                                              <p:pRg st="0" end="0"/>
+                                            </p:txEl>
+                                          </p:spTgt>
+                                        </p:tgtEl>
+                                        <p:attrNameLst>
+                                          <p:attrName>ppt_x</p:attrName>
+                                        </p:attrNameLst>
+                                      </p:cBhvr>
+                                      <p:tavLst>
+                                        <p:tav tm="0">
+                                          <p:val>
+                                            <p:strVal val="1+#ppt_w/2"/>
+                                          </p:val>
+                                        </p:tav>
+                                        <p:tav tm="100000">
+                                          <p:val>
+                                            <p:strVal val="#ppt_x"/>
+                                          </p:val>
+                                        </p:tav>
+                                      </p:tavLst>
+                                    </p:anim>
+                                    <p:anim calcmode="lin" valueType="num">
+                                      <p:cBhvr additive="base">
+                                        <p:cTn id="8" dur="250" fill="hold"/>
+                                        <p:tgtEl>
+                                          <p:spTgt spid="6">
+                                            <p:txEl>
+                                              <p:pRg st="0" end="0"/>
+                                            </p:txEl>
+                                          </p:spTgt>
+                                        </p:tgtEl>
+                                        <p:attrNameLst>
+                                          <p:attrName>ppt_y</p:attrName>
+                                        </p:attrNameLst>
+                                      </p:cBhvr>
+                                      <p:tavLst>
+                                        <p:tav tm="0">
+                                          <p:val>
+                                            <p:strVal val="#ppt_y"/>
+                                          </p:val>
+                                        </p:tav>
+                                        <p:tav tm="100000">
+                                          <p:val>
+                                            <p:strVal val="#ppt_y"/>
+                                          </p:val>
+                                        </p:tav>
+                                      </p:tavLst>
+                                    </p:anim>
+                                  </p:childTnLst>
+                                </p:cTn>
+                              </p:par>
+                            </p:childTnLst>
+                          </p:cTn>
+                        </p:par>
+                        <p:par>
+                          <p:cTn id="9" fill="hold">
+                            <p:stCondLst>
+                              <p:cond delay="500"/>
+                            </p:stCondLst>
+                            <p:childTnLst>
+                              <p:par>
+                                <p:cTn id="10" presetID="2" presetClass="entr" presetSubtype="2" fill="hold" grpId="0" nodeType="afterEffect">
+                                  <p:stCondLst>
+                                    <p:cond delay="0"/>
+                                  </p:stCondLst>
+                                  <p:childTnLst>
+                                    <p:set>
+                                      <p:cBhvr>
+                                        <p:cTn id="11" dur="250" fill="hold">
+                                          <p:stCondLst>
+                                            <p:cond delay="0"/>
+                                          </p:stCondLst>
+                                        </p:cTn>
+                                        <p:tgtEl>
+                                          <p:spTgt spid="6">
+                                            <p:txEl>
+                                              <p:pRg st="1" end="1"/>
+                                            </p:txEl>
+                                          </p:spTgt>
+                                        </p:tgtEl>
+                                        <p:attrNameLst>
+                                          <p:attrName>style.visibility</p:attrName>
+                                        </p:attrNameLst>
+                                      </p:cBhvr>
+                                      <p:to>
+                                        <p:strVal val="visible"/>
+                                      </p:to>
+                                    </p:set>
+                                    <p:anim calcmode="lin" valueType="num">
+                                      <p:cBhvr additive="base">
+                                        <p:cTn id="12" dur="250" fill="hold"/>
+                                        <p:tgtEl>
+                                          <p:spTgt spid="6">
+                                            <p:txEl>
+                                              <p:pRg st="1" end="1"/>
+                                            </p:txEl>
+                                          </p:spTgt>
+                                        </p:tgtEl>
+                                        <p:attrNameLst>
+                                          <p:attrName>ppt_x</p:attrName>
+                                        </p:attrNameLst>
+                                      </p:cBhvr>
+                                      <p:tavLst>
+                                        <p:tav tm="0">
+                                          <p:val>
+                                            <p:strVal val="1+#ppt_w/2"/>
+                                          </p:val>
+                                        </p:tav>
+                                        <p:tav tm="100000">
+                                          <p:val>
+                                            <p:strVal val="#ppt_x"/>
+                                          </p:val>
+                                        </p:tav>
+                                      </p:tavLst>
+                                    </p:anim>
+                                    <p:anim calcmode="lin" valueType="num">
+                                      <p:cBhvr additive="base">
+                                        <p:cTn id="13" dur="250" fill="hold"/>
+                                        <p:tgtEl>
+                                          <p:spTgt spid="6">
+                                            <p:txEl>
+                                              <p:pRg st="1" end="1"/>
+                                            </p:txEl>
+                                          </p:spTgt>
+                                        </p:tgtEl>
+                                        <p:attrNameLst>
+                                          <p:attrName>ppt_y</p:attrName>
+                                        </p:attrNameLst>
+                                      </p:cBhvr>
+                                      <p:tavLst>
+                                        <p:tav tm="0">
+                                          <p:val>
+                                            <p:strVal val="#ppt_y"/>
+                                          </p:val>
+                                        </p:tav>
+                                        <p:tav tm="100000">
+                                          <p:val>
+                                            <p:strVal val="#ppt_y"/>
+                                          </p:val>
+                                        </p:tav>
+                                      </p:tavLst>
+                                    </p:anim>
+                                  </p:childTnLst>
+                                </p:cTn>
+                              </p:par>
+                            </p:childTnLst>
+                          </p:cTn>
+                        </p:par>
+                        <p:par>
+                          <p:cTn id="14" fill="hold">
+                            <p:stCondLst>
+                              <p:cond delay="1000"/>
+                            </p:stCondLst>
+                            <p:childTnLst>
+                              <p:par>
+                                <p:cTn id="15" presetID="2" presetClass="entr" presetSubtype="2" fill="hold" grpId="0" nodeType="afterEffect">
+                                  <p:stCondLst>
+                                    <p:cond delay="0"/>
+                                  </p:stCondLst>
+                                  <p:childTnLst>
+                                    <p:set>
+                                      <p:cBhvr>
+                                        <p:cTn id="16" dur="250" fill="hold">
+                                          <p:stCondLst>
+                                            <p:cond delay="0"/>
+                                          </p:stCondLst>
+                                        </p:cTn>
+                                        <p:tgtEl>
+                                          <p:spTgt spid="6">
+                                            <p:txEl>
+                                              <p:pRg st="2" end="2"/>
+                                            </p:txEl>
+                                          </p:spTgt>
+                                        </p:tgtEl>
+                                        <p:attrNameLst>
+                                          <p:attrName>style.visibility</p:attrName>
+                                        </p:attrNameLst>
+                                      </p:cBhvr>
+                                      <p:to>
+                                        <p:strVal val="visible"/>
+                                      </p:to>
+                                    </p:set>
+                                    <p:anim calcmode="lin" valueType="num">
+                                      <p:cBhvr additive="base">
+                                        <p:cTn id="17" dur="250" fill="hold"/>
+                                        <p:tgtEl>
+                                          <p:spTgt spid="6">
+                                            <p:txEl>
+                                              <p:pRg st="2" end="2"/>
+                                            </p:txEl>
+                                          </p:spTgt>
+                                        </p:tgtEl>
+                                        <p:attrNameLst>
+                                          <p:attrName>ppt_x</p:attrName>
+                                        </p:attrNameLst>
+                                      </p:cBhvr>
+                                      <p:tavLst>
+                                        <p:tav tm="0">
+                                          <p:val>
+                                            <p:strVal val="1+#ppt_w/2"/>
+                                          </p:val>
+                                        </p:tav>
+                                        <p:tav tm="100000">
+                                          <p:val>
+                                            <p:strVal val="#ppt_x"/>
+                                          </p:val>
+                                        </p:tav>
+                                      </p:tavLst>
+                                    </p:anim>
+                                    <p:anim calcmode="lin" valueType="num">
+                                      <p:cBhvr additive="base">
+                                        <p:cTn id="18" dur="250" fill="hold"/>
+                                        <p:tgtEl>
+                                          <p:spTgt spid="6">
+                                            <p:txEl>
+                                              <p:pRg st="2" end="2"/>
+                                            </p:txEl>
+                                          </p:spTgt>
+                                        </p:tgtEl>
+                                        <p:attrNameLst>
+                                          <p:attrName>ppt_y</p:attrName>
+                                        </p:attrNameLst>
+                                      </p:cBhvr>
+                                      <p:tavLst>
+                                        <p:tav tm="0">
+                                          <p:val>
+                                            <p:strVal val="#ppt_y"/>
+                                          </p:val>
+                                        </p:tav>
+                                        <p:tav tm="100000">
+                                          <p:val>
+                                            <p:strVal val="#ppt_y"/>
+                                          </p:val>
+                                        </p:tav>
+                                      </p:tavLst>
+                                    </p:anim>
+                                  </p:childTnLst>
+                                </p:cTn>
+                              </p:par>
+                            </p:childTnLst>
+                          </p:cTn>
+                        </p:par>
+                        <p:par>
+                          <p:cTn id="19" fill="hold">
+                            <p:stCondLst>
+                              <p:cond delay="1500"/>
+                            </p:stCondLst>
+                            <p:childTnLst>
+                              <p:par>
+                                <p:cTn id="20" presetID="2" presetClass="entr" presetSubtype="2" fill="hold" grpId="0" nodeType="afterEffect">
+                                  <p:stCondLst>
+                                    <p:cond delay="0"/>
+                                  </p:stCondLst>
+                                  <p:childTnLst>
+                                    <p:set>
+                                      <p:cBhvr>
+                                        <p:cTn id="21" dur="250" fill="hold">
+                                          <p:stCondLst>
+                                            <p:cond delay="0"/>
+                                          </p:stCondLst>
+                                        </p:cTn>
+                                        <p:tgtEl>
+                                          <p:spTgt spid="6">
+                                            <p:txEl>
+                                              <p:pRg st="3" end="3"/>
+                                            </p:txEl>
+                                          </p:spTgt>
+                                        </p:tgtEl>
+                                        <p:attrNameLst>
+                                          <p:attrName>style.visibility</p:attrName>
+                                        </p:attrNameLst>
+                                      </p:cBhvr>
+                                      <p:to>
+                                        <p:strVal val="visible"/>
+                                      </p:to>
+                                    </p:set>
+                                    <p:anim calcmode="lin" valueType="num">
+                                      <p:cBhvr additive="base">
+                                        <p:cTn id="22" dur="250" fill="hold"/>
+                                        <p:tgtEl>
+                                          <p:spTgt spid="6">
+                                            <p:txEl>
+                                              <p:pRg st="3" end="3"/>
+                                            </p:txEl>
+                                          </p:spTgt>
+                                        </p:tgtEl>
+                                        <p:attrNameLst>
+                                          <p:attrName>ppt_x</p:attrName>
+                                        </p:attrNameLst>
+                                      </p:cBhvr>
+                                      <p:tavLst>
+                                        <p:tav tm="0">
+                                          <p:val>
+                                            <p:strVal val="1+#ppt_w/2"/>
+                                          </p:val>
+                                        </p:tav>
+                                        <p:tav tm="100000">
+                                          <p:val>
+                                            <p:strVal val="#ppt_x"/>
+                                          </p:val>
+                                        </p:tav>
+                                      </p:tavLst>
+                                    </p:anim>
+                                    <p:anim calcmode="lin" valueType="num">
+                                      <p:cBhvr additive="base">
+                                        <p:cTn id="23" dur="250" fill="hold"/>
+                                        <p:tgtEl>
+                                          <p:spTgt spid="6">
+                                            <p:txEl>
+                                              <p:pRg st="3" end="3"/>
+                                            </p:txEl>
+                                          </p:spTgt>
+                                        </p:tgtEl>
+                                        <p:attrNameLst>
+                                          <p:attrName>ppt_y</p:attrName>
+                                        </p:attrNameLst>
+                                      </p:cBhvr>
+                                      <p:tavLst>
+                                        <p:tav tm="0">
+                                          <p:val>
+                                            <p:strVal val="#ppt_y"/>
+                                          </p:val>
+                                        </p:tav>
+                                        <p:tav tm="100000">
+                                          <p:val>
+                                            <p:strVal val="#ppt_y"/>
+                                          </p:val>
+                                        </p:tav>
+                                      </p:tavLst>
+                                    </p:anim>
+                                  </p:childTnLst>
+                                </p:cTn>
+                              </p:par>
+                            </p:childTnLst>
+                          </p:cTn>
+                        </p:par>
+                        <p:par>
+                          <p:cTn id="24" fill="hold">
+                            <p:stCondLst>
+                              <p:cond delay="2000"/>
+                            </p:stCondLst>
+                            <p:childTnLst>
+                              <p:par>
+                                <p:cTn id="25" presetID="2" presetClass="entr" presetSubtype="2" fill="hold" grpId="0" nodeType="afterEffect">
+                                  <p:stCondLst>
+                                    <p:cond delay="0"/>
+                                  </p:stCondLst>
+                                  <p:childTnLst>
+                                    <p:set>
+                                      <p:cBhvr>
+                                        <p:cTn id="26" dur="250" fill="hold">
+                                          <p:stCondLst>
+                                            <p:cond delay="0"/>
+                                          </p:stCondLst>
+                                        </p:cTn>
+                                        <p:tgtEl>
+                                          <p:spTgt spid="6">
+                                            <p:txEl>
+                                              <p:pRg st="4" end="4"/>
+                                            </p:txEl>
+                                          </p:spTgt>
+                                        </p:tgtEl>
+                                        <p:attrNameLst>
+                                          <p:attrName>style.visibility</p:attrName>
+                                        </p:attrNameLst>
+                                      </p:cBhvr>
+                                      <p:to>
+                                        <p:strVal val="visible"/>
+                                      </p:to>
+                                    </p:set>
+                                    <p:anim calcmode="lin" valueType="num">
+                                      <p:cBhvr additive="base">
+                                        <p:cTn id="27" dur="250" fill="hold"/>
+                                        <p:tgtEl>
+                                          <p:spTgt spid="6">
+                                            <p:txEl>
+                                              <p:pRg st="4" end="4"/>
+                                            </p:txEl>
+                                          </p:spTgt>
+                                        </p:tgtEl>
+                                        <p:attrNameLst>
+                                          <p:attrName>ppt_x</p:attrName>
+                                        </p:attrNameLst>
+                                      </p:cBhvr>
+                                      <p:tavLst>
+                                        <p:tav tm="0">
+                                          <p:val>
+                                            <p:strVal val="1+#ppt_w/2"/>
+                                          </p:val>
+                                        </p:tav>
+                                        <p:tav tm="100000">
+                                          <p:val>
+                                            <p:strVal val="#ppt_x"/>
+                                          </p:val>
+                                        </p:tav>
+                                      </p:tavLst>
+                                    </p:anim>
+                                    <p:anim calcmode="lin" valueType="num">
+                                      <p:cBhvr additive="base">
+                                        <p:cTn id="28" dur="250" fill="hold"/>
+                                        <p:tgtEl>
+                                          <p:spTgt spid="6">
+                                            <p:txEl>
+                                              <p:pRg st="4" end="4"/>
+                                            </p:txEl>
+                                          </p:spTgt>
+                                        </p:tgtEl>
+                                        <p:attrNameLst>
+                                          <p:attrName>ppt_y</p:attrName>
+                                        </p:attrNameLst>
+                                      </p:cBhvr>
+                                      <p:tavLst>
+                                        <p:tav tm="0">
+                                          <p:val>
+                                            <p:strVal val="#ppt_y"/>
+                                          </p:val>
+                                        </p:tav>
+                                        <p:tav tm="100000">
+                                          <p:val>
+                                            <p:strVal val="#ppt_y"/>
+                                          </p:val>
+                                        </p:tav>
+                                      </p:tavLst>
+                                    </p:anim>
+                                  </p:childTnLst>
+                                </p:cTn>
+                              </p:par>
+                            </p:childTnLst>
+                          </p:cTn>
+                        </p:par>
+                        <p:par>
+                          <p:cTn id="29" fill="hold">
+                            <p:stCondLst>
+                              <p:cond delay="2500"/>
+                            </p:stCondLst>
+                            <p:childTnLst>
+                              <p:par>
+                                <p:cTn id="30" presetID="2" presetClass="entr" presetSubtype="2" fill="hold" grpId="0" nodeType="afterEffect">
+                                  <p:stCondLst>
+                                    <p:cond delay="0"/>
+                                  </p:stCondLst>
+                                  <p:childTnLst>
+                                    <p:set>
+                                      <p:cBhvr>
+                                        <p:cTn id="31" dur="250" fill="hold">
+                                          <p:stCondLst>
+                                            <p:cond delay="0"/>
+                                          </p:stCondLst>
+                                        </p:cTn>
+                                        <p:tgtEl>
+                                          <p:spTgt spid="6">
+                                            <p:txEl>
+                                              <p:pRg st="5" end="5"/>
+                                            </p:txEl>
+                                          </p:spTgt>
+                                        </p:tgtEl>
+                                        <p:attrNameLst>
+                                          <p:attrName>style.visibility</p:attrName>
+                                        </p:attrNameLst>
+                                      </p:cBhvr>
+                                      <p:to>
+                                        <p:strVal val="visible"/>
+                                      </p:to>
+                                    </p:set>
+                                    <p:anim calcmode="lin" valueType="num">
+                                      <p:cBhvr additive="base">
+                                        <p:cTn id="32" dur="250" fill="hold"/>
+                                        <p:tgtEl>
+                                          <p:spTgt spid="6">
+                                            <p:txEl>
+                                              <p:pRg st="5" end="5"/>
+                                            </p:txEl>
+                                          </p:spTgt>
+                                        </p:tgtEl>
+                                        <p:attrNameLst>
+                                          <p:attrName>ppt_x</p:attrName>
+                                        </p:attrNameLst>
+                                      </p:cBhvr>
+                                      <p:tavLst>
+                                        <p:tav tm="0">
+                                          <p:val>
+                                            <p:strVal val="1+#ppt_w/2"/>
+                                          </p:val>
+                                        </p:tav>
+                                        <p:tav tm="100000">
+                                          <p:val>
+                                            <p:strVal val="#ppt_x"/>
+                                          </p:val>
+                                        </p:tav>
+                                      </p:tavLst>
+                                    </p:anim>
+                                    <p:anim calcmode="lin" valueType="num">
+                                      <p:cBhvr additive="base">
+                                        <p:cTn id="33" dur="250" fill="hold"/>
+                                        <p:tgtEl>
+                                          <p:spTgt spid="6">
+                                            <p:txEl>
+                                              <p:pRg st="5" end="5"/>
+                                            </p:txEl>
+                                          </p:spTgt>
+                                        </p:tgtEl>
+                                        <p:attrNameLst>
+                                          <p:attrName>ppt_y</p:attrName>
+                                        </p:attrNameLst>
+                                      </p:cBhvr>
+                                      <p:tavLst>
+                                        <p:tav tm="0">
+                                          <p:val>
+                                            <p:strVal val="#ppt_y"/>
+                                          </p:val>
+                                        </p:tav>
+                                        <p:tav tm="100000">
+                                          <p:val>
+                                            <p:strVal val="#ppt_y"/>
+                                          </p:val>
+                                        </p:tav>
+                                      </p:tavLst>
+                                    </p:anim>
+                                  </p:childTnLst>
+                                </p:cTn>
+                              </p:par>
+                            </p:childTnLst>
+                          </p:cTn>
+                        </p:par>
+                        <p:par>
+                          <p:cTn id="34" fill="hold">
+                            <p:stCondLst>
+                              <p:cond delay="3000"/>
+                            </p:stCondLst>
+                            <p:childTnLst>
+                              <p:par>
+                                <p:cTn id="35" presetID="2" presetClass="entr" presetSubtype="2" fill="hold" grpId="0" nodeType="afterEffect">
+                                  <p:stCondLst>
+                                    <p:cond delay="0"/>
+                                  </p:stCondLst>
+                                  <p:childTnLst>
+                                    <p:set>
+                                      <p:cBhvr>
+                                        <p:cTn id="36" dur="250" fill="hold">
+                                          <p:stCondLst>
+                                            <p:cond delay="0"/>
+                                          </p:stCondLst>
+                                        </p:cTn>
+                                        <p:tgtEl>
+                                          <p:spTgt spid="6">
+                                            <p:txEl>
+                                              <p:pRg st="6" end="6"/>
+                                            </p:txEl>
+                                          </p:spTgt>
+                                        </p:tgtEl>
+                                        <p:attrNameLst>
+                                          <p:attrName>style.visibility</p:attrName>
+                                        </p:attrNameLst>
+                                      </p:cBhvr>
+                                      <p:to>
+                                        <p:strVal val="visible"/>
+                                      </p:to>
+                                    </p:set>
+                                    <p:anim calcmode="lin" valueType="num">
+                                      <p:cBhvr additive="base">
+                                        <p:cTn id="37" dur="250" fill="hold"/>
+                                        <p:tgtEl>
+                                          <p:spTgt spid="6">
+                                            <p:txEl>
+                                              <p:pRg st="6" end="6"/>
+                                            </p:txEl>
+                                          </p:spTgt>
+                                        </p:tgtEl>
+                                        <p:attrNameLst>
+                                          <p:attrName>ppt_x</p:attrName>
+                                        </p:attrNameLst>
+                                      </p:cBhvr>
+                                      <p:tavLst>
+                                        <p:tav tm="0">
+                                          <p:val>
+                                            <p:strVal val="1+#ppt_w/2"/>
+                                          </p:val>
+                                        </p:tav>
+                                        <p:tav tm="100000">
+                                          <p:val>
+                                            <p:strVal val="#ppt_x"/>
+                                          </p:val>
+                                        </p:tav>
+                                      </p:tavLst>
+                                    </p:anim>
+                                    <p:anim calcmode="lin" valueType="num">
+                                      <p:cBhvr additive="base">
+                                        <p:cTn id="38" dur="250" fill="hold"/>
+                                        <p:tgtEl>
+                                          <p:spTgt spid="6">
+                                            <p:txEl>
+                                              <p:pRg st="6" end="6"/>
+                                            </p:txEl>
+                                          </p:spTgt>
+                                        </p:tgtEl>
+                                        <p:attrNameLst>
+                                          <p:attrName>ppt_y</p:attrName>
+                                        </p:attrNameLst>
+                                      </p:cBhvr>
+                                      <p:tavLst>
+                                        <p:tav tm="0">
+                                          <p:val>
+                                            <p:strVal val="#ppt_y"/>
+                                          </p:val>
+                                        </p:tav>
+                                        <p:tav tm="100000">
+                                          <p:val>
+                                            <p:strVal val="#ppt_y"/>
+                                          </p:val>
+                                        </p:tav>
+                                      </p:tavLst>
+                                    </p:anim>
+                                  </p:childTnLst>
+                                </p:cTn>
+                              </p:par>
+                            </p:childTnLst>
+                          </p:cTn>
+                        </p:par>
+                        <p:par>
+                          <p:cTn id="39" fill="hold">
+                            <p:stCondLst>
+                              <p:cond delay="3500"/>
+                            </p:stCondLst>
+                            <p:childTnLst>
+                              <p:par>
+                                <p:cTn id="40" presetID="2" presetClass="entr" presetSubtype="2" fill="hold" grpId="0" nodeType="afterEffect">
+                                  <p:stCondLst>
+                                    <p:cond delay="0"/>
+                                  </p:stCondLst>
+                                  <p:childTnLst>
+                                    <p:set>
+                                      <p:cBhvr>
+                                        <p:cTn id="41" dur="250" fill="hold">
+                                          <p:stCondLst>
+                                            <p:cond delay="0"/>
+                                          </p:stCondLst>
+                                        </p:cTn>
+                                        <p:tgtEl>
+                                          <p:spTgt spid="6">
+                                            <p:txEl>
+                                              <p:pRg st="7" end="7"/>
+                                            </p:txEl>
+                                          </p:spTgt>
+                                        </p:tgtEl>
+                                        <p:attrNameLst>
+                                          <p:attrName>style.visibility</p:attrName>
+                                        </p:attrNameLst>
+                                      </p:cBhvr>
+                                      <p:to>
+                                        <p:strVal val="visible"/>
+                                      </p:to>
+                                    </p:set>
+                                    <p:anim calcmode="lin" valueType="num">
+                                      <p:cBhvr additive="base">
+                                        <p:cTn id="42" dur="250" fill="hold"/>
+                                        <p:tgtEl>
+                                          <p:spTgt spid="6">
+                                            <p:txEl>
+                                              <p:pRg st="7" end="7"/>
+                                            </p:txEl>
+                                          </p:spTgt>
+                                        </p:tgtEl>
+                                        <p:attrNameLst>
+                                          <p:attrName>ppt_x</p:attrName>
+                                        </p:attrNameLst>
+                                      </p:cBhvr>
+                                      <p:tavLst>
+                                        <p:tav tm="0">
+                                          <p:val>
+                                            <p:strVal val="1+#ppt_w/2"/>
+                                          </p:val>
+                                        </p:tav>
+                                        <p:tav tm="100000">
+                                          <p:val>
+                                            <p:strVal val="#ppt_x"/>
+                                          </p:val>
+                                        </p:tav>
+                                      </p:tavLst>
+                                    </p:anim>
+                                    <p:anim calcmode="lin" valueType="num">
+                                      <p:cBhvr additive="base">
+                                        <p:cTn id="43" dur="250" fill="hold"/>
+                                        <p:tgtEl>
+                                          <p:spTgt spid="6">
+                                            <p:txEl>
+                                              <p:pRg st="7" end="7"/>
+                                            </p:txEl>
+                                          </p:spTgt>
+                                        </p:tgtEl>
+                                        <p:attrNameLst>
+                                          <p:attrName>ppt_y</p:attrName>
+                                        </p:attrNameLst>
+                                      </p:cBhvr>
+                                      <p:tavLst>
+                                        <p:tav tm="0">
+                                          <p:val>
+                                            <p:strVal val="#ppt_y"/>
+                                          </p:val>
+                                        </p:tav>
+                                        <p:tav tm="100000">
+                                          <p:val>
+                                            <p:strVal val="#ppt_y"/>
+                                          </p:val>
+                                        </p:tav>
+                                      </p:tavLst>
+                                    </p:anim>
+                                  </p:childTnLst>
+                                </p:cTn>
+                              </p:par>
+                            </p:childTnLst>
+                          </p:cTn>
+                        </p:par>
+                        <p:par>
+                          <p:cTn id="44" fill="hold">
+                            <p:stCondLst>
+                              <p:cond delay="4000"/>
+                            </p:stCondLst>
+                            <p:childTnLst>
+                              <p:par>
+                                <p:cTn id="45" presetID="2" presetClass="entr" presetSubtype="1" fill="hold" grpId="0" nodeType="afterEffect">
+                                  <p:stCondLst>
+                                    <p:cond delay="0"/>
+                                  </p:stCondLst>
+                                  <p:childTnLst>
+                                    <p:set>
+                                      <p:cBhvr>
+                                        <p:cTn id="46" dur="1" fill="hold">
+                                          <p:stCondLst>
+                                            <p:cond delay="0"/>
+                                          </p:stCondLst>
+                                        </p:cTn>
+                                        <p:tgtEl>
+                                          <p:spTgt spid="4"/>
+                                        </p:tgtEl>
+                                        <p:attrNameLst>
+                                          <p:attrName>style.visibility</p:attrName>
+                                        </p:attrNameLst>
+                                      </p:cBhvr>
+                                      <p:to>
+                                        <p:strVal val="visible"/>
+                                      </p:to>
+                                    </p:set>
+                                    <p:anim calcmode="lin" valueType="num">
+                                      <p:cBhvr additive="base">
+                                        <p:cTn id="47" dur="500" fill="hold"/>
+                                        <p:tgtEl>
+                                          <p:spTgt spid="4"/>
+                                        </p:tgtEl>
+                                        <p:attrNameLst>
+                                          <p:attrName>ppt_x</p:attrName>
+                                        </p:attrNameLst>
+                                      </p:cBhvr>
+                                      <p:tavLst>
+                                        <p:tav tm="0">
+                                          <p:val>
+                                            <p:strVal val="#ppt_x"/>
+                                          </p:val>
+                                        </p:tav>
+                                        <p:tav tm="100000">
+                                          <p:val>
+                                            <p:strVal val="#ppt_x"/>
+                                          </p:val>
+                                        </p:tav>
+                                      </p:tavLst>
+                                    </p:anim>
+                                    <p:anim calcmode="lin" valueType="num">
+                                      <p:cBhvr additive="base">
+                                        <p:cTn id="48" dur="500" fill="hold"/>
+                                        <p:tgtEl>
+                                          <p:spTgt spid="4"/>
+                                        </p:tgtEl>
+                                        <p:attrNameLst>
+                                          <p:attrName>ppt_y</p:attrName>
+                                        </p:attrNameLst>
+                                      </p:cBhvr>
+                                      <p:tavLst>
+                                        <p:tav tm="0">
+                                          <p:val>
+                                            <p:strVal val="0-#ppt_h/2"/>
+                                          </p:val>
+                                        </p:tav>
+                                        <p:tav tm="100000">
+                                          <p:val>
+                                            <p:strVal val="#ppt_y"/>
+                                          </p:val>
+                                        </p:tav>
+                                      </p:tavLst>
+                                    </p:anim>
+                                  </p:childTnLst>
+                                </p:cTn>
+                              </p:par>
+                              <p:par>
+                                <p:cTn id="49" presetID="2" presetClass="entr" presetSubtype="4" fill="hold" grpId="0" nodeType="withEffect">
+                                  <p:stCondLst>
+                                    <p:cond delay="0"/>
+                                  </p:stCondLst>
+                                  <p:childTnLst>
+                                    <p:set>
+                                      <p:cBhvr>
+                                        <p:cTn id="50" dur="1" fill="hold">
+                                          <p:stCondLst>
+                                            <p:cond delay="0"/>
+                                          </p:stCondLst>
+                                        </p:cTn>
+                                        <p:tgtEl>
+                                          <p:spTgt spid="12"/>
+                                        </p:tgtEl>
+                                        <p:attrNameLst>
+                                          <p:attrName>style.visibility</p:attrName>
+                                        </p:attrNameLst>
+                                      </p:cBhvr>
+                                      <p:to>
+                                        <p:strVal val="visible"/>
+                                      </p:to>
+                                    </p:set>
+                                    <p:anim calcmode="lin" valueType="num">
+                                      <p:cBhvr additive="base">
+                                        <p:cTn id="51" dur="500" fill="hold"/>
+                                        <p:tgtEl>
+                                          <p:spTgt spid="12"/>
+                                        </p:tgtEl>
+                                        <p:attrNameLst>
+                                          <p:attrName>ppt_x</p:attrName>
+                                        </p:attrNameLst>
+                                      </p:cBhvr>
+                                      <p:tavLst>
+                                        <p:tav tm="0">
+                                          <p:val>
+                                            <p:strVal val="#ppt_x"/>
+                                          </p:val>
+                                        </p:tav>
+                                        <p:tav tm="100000">
+                                          <p:val>
+                                            <p:strVal val="#ppt_x"/>
+                                          </p:val>
+                                        </p:tav>
+                                      </p:tavLst>
+                                    </p:anim>
+                                    <p:anim calcmode="lin" valueType="num">
+                                      <p:cBhvr additive="base">
+                                        <p:cTn id="52" dur="500" fill="hold"/>
+                                        <p:tgtEl>
+                                          <p:spTgt spid="12"/>
+                                        </p:tgtEl>
+                                        <p:attrNameLst>
+                                          <p:attrName>ppt_y</p:attrName>
+                                        </p:attrNameLst>
+                                      </p:cBhvr>
+                                      <p:tavLst>
+                                        <p:tav tm="0">
+                                          <p:val>
+                                            <p:strVal val="1+#ppt_h/2"/>
+                                          </p:val>
+                                        </p:tav>
+                                        <p:tav tm="100000">
+                                          <p:val>
+                                            <p:strVal val="#ppt_y"/>
+                                          </p:val>
+                                        </p:tav>
+                                      </p:tavLst>
+                                    </p:anim>
+                                  </p:childTnLst>
+                                </p:cTn>
+                              </p:par>
+                              <p:par>
+                                <p:cTn id="53" presetID="2" presetClass="entr" presetSubtype="2" fill="hold" nodeType="withEffect">
+                                  <p:stCondLst>
+                                    <p:cond delay="0"/>
+                                  </p:stCondLst>
+                                  <p:childTnLst>
+                                    <p:set>
+                                      <p:cBhvr>
+                                        <p:cTn id="54" dur="1" fill="hold">
+                                          <p:stCondLst>
+                                            <p:cond delay="0"/>
+                                          </p:stCondLst>
+                                        </p:cTn>
+                                        <p:tgtEl>
+                                          <p:spTgt spid="112"/>
+                                        </p:tgtEl>
+                                        <p:attrNameLst>
+                                          <p:attrName>style.visibility</p:attrName>
+                                        </p:attrNameLst>
+                                      </p:cBhvr>
+                                      <p:to>
+                                        <p:strVal val="visible"/>
+                                      </p:to>
+                                    </p:set>
+                                    <p:anim calcmode="lin" valueType="num">
+                                      <p:cBhvr additive="base">
+                                        <p:cTn id="55" dur="500" fill="hold"/>
+                                        <p:tgtEl>
+                                          <p:spTgt spid="112"/>
+                                        </p:tgtEl>
+                                        <p:attrNameLst>
+                                          <p:attrName>ppt_x</p:attrName>
+                                        </p:attrNameLst>
+                                      </p:cBhvr>
+                                      <p:tavLst>
+                                        <p:tav tm="0">
+                                          <p:val>
+                                            <p:strVal val="1+#ppt_w/2"/>
+                                          </p:val>
+                                        </p:tav>
+                                        <p:tav tm="100000">
+                                          <p:val>
+                                            <p:strVal val="#ppt_x"/>
+                                          </p:val>
+                                        </p:tav>
+                                      </p:tavLst>
+                                    </p:anim>
+                                    <p:anim calcmode="lin" valueType="num">
+                                      <p:cBhvr additive="base">
+                                        <p:cTn id="56" dur="500" fill="hold"/>
+                                        <p:tgtEl>
+                                          <p:spTgt spid="112"/>
+                                        </p:tgtEl>
+                                        <p:attrNameLst>
+                                          <p:attrName>ppt_y</p:attrName>
+                                        </p:attrNameLst>
+                                      </p:cBhvr>
+                                      <p:tavLst>
+                                        <p:tav tm="0">
+                                          <p:val>
+                                            <p:strVal val="#ppt_y"/>
+                                          </p:val>
+                                        </p:tav>
+                                        <p:tav tm="100000">
+                                          <p:val>
+                                            <p:strVal val="#ppt_y"/>
+                                          </p:val>
+                                        </p:tav>
+                                      </p:tavLst>
+                                    </p:anim>
+                                  </p:childTnLst>
+                                </p:cTn>
+                              </p:par>
+                            </p:childTnLst>
+                          </p:cTn>
+                        </p:par>
+                      </p:childTnLst>
+                    </p:cTn>
+                  </p:par>
+                </p:childTnLst>
+              </p:cTn>
+              <p:prevCondLst>
+                <p:cond evt="onPrev" delay="0">
+                  <p:tgtEl>
+                    <p:sldTgt/>
+                  </p:tgtEl>
+                </p:cond>
+              </p:prevCondLst>
+              <p:nextCondLst>
+                <p:cond evt="onNext" delay="0">
+                  <p:tgtEl>
+                    <p:sldTgt/>
+                  </p:tgtEl>
+                </p:cond>
+              </p:nextCondLst>
+            </p:seq>
+          </p:childTnLst>
+        </p:cTn>
+      </p:par>
+    </p:tnLst>
+    <p:bldLst>
+      <p:bldP spid="6" grpId="0" uiExpand="1" build="p"/>
+      <p:bldP spid="4" grpId="0" animBg="1"/>
+      <p:bldP spid="12" grpId="0" animBg="1"/>
+      <p:bldP spid="4" grpId="1" animBg="1"/>
+      <p:bldP spid="12" grpId="1" animBg="1"/>
+    </p:bldLst>
+  </p:timing>
 </p:sld>
 </file>
 
@@ -9217,9 +11243,296 @@
   <p:clrMapOvr>
     <a:masterClrMapping/>
   </p:clrMapOvr>
-  <p:transition spd="slow">
-    <p:push dir="u"/>
-  </p:transition>
+  <mc:AlternateContent xmlns:mc="http://schemas.openxmlformats.org/markup-compatibility/2006">
+    <mc:Choice xmlns:p14="http://schemas.microsoft.com/office/powerpoint/2010/main" Requires="p14">
+      <p:transition p14:dur="500">
+        <p:pull/>
+      </p:transition>
+    </mc:Choice>
+    <mc:Fallback>
+      <p:transition>
+        <p:pull/>
+      </p:transition>
+    </mc:Fallback>
+  </mc:AlternateContent>
+  <p:timing>
+    <p:tnLst>
+      <p:par>
+        <p:cTn id="1" dur="indefinite" restart="never" nodeType="tmRoot">
+          <p:childTnLst>
+            <p:seq concurrent="1" nextAc="seek">
+              <p:cTn id="2" dur="indefinite" nodeType="mainSeq">
+                <p:childTnLst>
+                  <p:par>
+                    <p:cTn id="3" fill="hold">
+                      <p:stCondLst>
+                        <p:cond delay="indefinite"/>
+                        <p:cond evt="onBegin" delay="0">
+                          <p:tn val="2"/>
+                        </p:cond>
+                      </p:stCondLst>
+                      <p:childTnLst>
+                        <p:par>
+                          <p:cTn id="4" fill="hold">
+                            <p:stCondLst>
+                              <p:cond delay="0"/>
+                            </p:stCondLst>
+                            <p:childTnLst>
+                              <p:par>
+                                <p:cTn id="5" presetID="2" presetClass="entr" presetSubtype="4" fill="hold" grpId="0" nodeType="afterEffect">
+                                  <p:stCondLst>
+                                    <p:cond delay="0"/>
+                                  </p:stCondLst>
+                                  <p:childTnLst>
+                                    <p:set>
+                                      <p:cBhvr>
+                                        <p:cTn id="6" dur="1" fill="hold">
+                                          <p:stCondLst>
+                                            <p:cond delay="0"/>
+                                          </p:stCondLst>
+                                        </p:cTn>
+                                        <p:tgtEl>
+                                          <p:spTgt spid="16"/>
+                                        </p:tgtEl>
+                                        <p:attrNameLst>
+                                          <p:attrName>style.visibility</p:attrName>
+                                        </p:attrNameLst>
+                                      </p:cBhvr>
+                                      <p:to>
+                                        <p:strVal val="visible"/>
+                                      </p:to>
+                                    </p:set>
+                                    <p:anim calcmode="lin" valueType="num">
+                                      <p:cBhvr additive="base">
+                                        <p:cTn id="7" dur="500" fill="hold"/>
+                                        <p:tgtEl>
+                                          <p:spTgt spid="16"/>
+                                        </p:tgtEl>
+                                        <p:attrNameLst>
+                                          <p:attrName>ppt_x</p:attrName>
+                                        </p:attrNameLst>
+                                      </p:cBhvr>
+                                      <p:tavLst>
+                                        <p:tav tm="0">
+                                          <p:val>
+                                            <p:strVal val="#ppt_x"/>
+                                          </p:val>
+                                        </p:tav>
+                                        <p:tav tm="100000">
+                                          <p:val>
+                                            <p:strVal val="#ppt_x"/>
+                                          </p:val>
+                                        </p:tav>
+                                      </p:tavLst>
+                                    </p:anim>
+                                    <p:anim calcmode="lin" valueType="num">
+                                      <p:cBhvr additive="base">
+                                        <p:cTn id="8" dur="500" fill="hold"/>
+                                        <p:tgtEl>
+                                          <p:spTgt spid="16"/>
+                                        </p:tgtEl>
+                                        <p:attrNameLst>
+                                          <p:attrName>ppt_y</p:attrName>
+                                        </p:attrNameLst>
+                                      </p:cBhvr>
+                                      <p:tavLst>
+                                        <p:tav tm="0">
+                                          <p:val>
+                                            <p:strVal val="1+#ppt_h/2"/>
+                                          </p:val>
+                                        </p:tav>
+                                        <p:tav tm="100000">
+                                          <p:val>
+                                            <p:strVal val="#ppt_y"/>
+                                          </p:val>
+                                        </p:tav>
+                                      </p:tavLst>
+                                    </p:anim>
+                                  </p:childTnLst>
+                                </p:cTn>
+                              </p:par>
+                              <p:par>
+                                <p:cTn id="9" presetID="2" presetClass="entr" presetSubtype="4" fill="hold" grpId="0" nodeType="withEffect">
+                                  <p:stCondLst>
+                                    <p:cond delay="0"/>
+                                  </p:stCondLst>
+                                  <p:childTnLst>
+                                    <p:set>
+                                      <p:cBhvr>
+                                        <p:cTn id="10" dur="1" fill="hold">
+                                          <p:stCondLst>
+                                            <p:cond delay="0"/>
+                                          </p:stCondLst>
+                                        </p:cTn>
+                                        <p:tgtEl>
+                                          <p:spTgt spid="5"/>
+                                        </p:tgtEl>
+                                        <p:attrNameLst>
+                                          <p:attrName>style.visibility</p:attrName>
+                                        </p:attrNameLst>
+                                      </p:cBhvr>
+                                      <p:to>
+                                        <p:strVal val="visible"/>
+                                      </p:to>
+                                    </p:set>
+                                    <p:anim calcmode="lin" valueType="num">
+                                      <p:cBhvr additive="base">
+                                        <p:cTn id="11" dur="500" fill="hold"/>
+                                        <p:tgtEl>
+                                          <p:spTgt spid="5"/>
+                                        </p:tgtEl>
+                                        <p:attrNameLst>
+                                          <p:attrName>ppt_x</p:attrName>
+                                        </p:attrNameLst>
+                                      </p:cBhvr>
+                                      <p:tavLst>
+                                        <p:tav tm="0">
+                                          <p:val>
+                                            <p:strVal val="#ppt_x"/>
+                                          </p:val>
+                                        </p:tav>
+                                        <p:tav tm="100000">
+                                          <p:val>
+                                            <p:strVal val="#ppt_x"/>
+                                          </p:val>
+                                        </p:tav>
+                                      </p:tavLst>
+                                    </p:anim>
+                                    <p:anim calcmode="lin" valueType="num">
+                                      <p:cBhvr additive="base">
+                                        <p:cTn id="12" dur="500" fill="hold"/>
+                                        <p:tgtEl>
+                                          <p:spTgt spid="5"/>
+                                        </p:tgtEl>
+                                        <p:attrNameLst>
+                                          <p:attrName>ppt_y</p:attrName>
+                                        </p:attrNameLst>
+                                      </p:cBhvr>
+                                      <p:tavLst>
+                                        <p:tav tm="0">
+                                          <p:val>
+                                            <p:strVal val="1+#ppt_h/2"/>
+                                          </p:val>
+                                        </p:tav>
+                                        <p:tav tm="100000">
+                                          <p:val>
+                                            <p:strVal val="#ppt_y"/>
+                                          </p:val>
+                                        </p:tav>
+                                      </p:tavLst>
+                                    </p:anim>
+                                  </p:childTnLst>
+                                </p:cTn>
+                              </p:par>
+                              <p:par>
+                                <p:cTn id="13" presetID="2" presetClass="entr" presetSubtype="4" fill="hold" grpId="0" nodeType="withEffect">
+                                  <p:stCondLst>
+                                    <p:cond delay="0"/>
+                                  </p:stCondLst>
+                                  <p:childTnLst>
+                                    <p:set>
+                                      <p:cBhvr>
+                                        <p:cTn id="14" dur="1" fill="hold">
+                                          <p:stCondLst>
+                                            <p:cond delay="0"/>
+                                          </p:stCondLst>
+                                        </p:cTn>
+                                        <p:tgtEl>
+                                          <p:spTgt spid="6"/>
+                                        </p:tgtEl>
+                                        <p:attrNameLst>
+                                          <p:attrName>style.visibility</p:attrName>
+                                        </p:attrNameLst>
+                                      </p:cBhvr>
+                                      <p:to>
+                                        <p:strVal val="visible"/>
+                                      </p:to>
+                                    </p:set>
+                                    <p:anim calcmode="lin" valueType="num">
+                                      <p:cBhvr additive="base">
+                                        <p:cTn id="15" dur="500" fill="hold"/>
+                                        <p:tgtEl>
+                                          <p:spTgt spid="6"/>
+                                        </p:tgtEl>
+                                        <p:attrNameLst>
+                                          <p:attrName>ppt_x</p:attrName>
+                                        </p:attrNameLst>
+                                      </p:cBhvr>
+                                      <p:tavLst>
+                                        <p:tav tm="0">
+                                          <p:val>
+                                            <p:strVal val="#ppt_x"/>
+                                          </p:val>
+                                        </p:tav>
+                                        <p:tav tm="100000">
+                                          <p:val>
+                                            <p:strVal val="#ppt_x"/>
+                                          </p:val>
+                                        </p:tav>
+                                      </p:tavLst>
+                                    </p:anim>
+                                    <p:anim calcmode="lin" valueType="num">
+                                      <p:cBhvr additive="base">
+                                        <p:cTn id="16" dur="500" fill="hold"/>
+                                        <p:tgtEl>
+                                          <p:spTgt spid="6"/>
+                                        </p:tgtEl>
+                                        <p:attrNameLst>
+                                          <p:attrName>ppt_y</p:attrName>
+                                        </p:attrNameLst>
+                                      </p:cBhvr>
+                                      <p:tavLst>
+                                        <p:tav tm="0">
+                                          <p:val>
+                                            <p:strVal val="1+#ppt_h/2"/>
+                                          </p:val>
+                                        </p:tav>
+                                        <p:tav tm="100000">
+                                          <p:val>
+                                            <p:strVal val="#ppt_y"/>
+                                          </p:val>
+                                        </p:tav>
+                                      </p:tavLst>
+                                    </p:anim>
+                                  </p:childTnLst>
+                                </p:cTn>
+                              </p:par>
+                            </p:childTnLst>
+                          </p:cTn>
+                        </p:par>
+                      </p:childTnLst>
+                    </p:cTn>
+                  </p:par>
+                </p:childTnLst>
+              </p:cTn>
+              <p:prevCondLst>
+                <p:cond evt="onPrev" delay="0">
+                  <p:tgtEl>
+                    <p:sldTgt/>
+                  </p:tgtEl>
+                </p:cond>
+              </p:prevCondLst>
+              <p:nextCondLst>
+                <p:cond evt="onNext" delay="0">
+                  <p:tgtEl>
+                    <p:sldTgt/>
+                  </p:tgtEl>
+                </p:cond>
+              </p:nextCondLst>
+            </p:seq>
+          </p:childTnLst>
+        </p:cTn>
+      </p:par>
+    </p:tnLst>
+    <p:bldLst>
+      <p:bldP spid="16" grpId="0" animBg="1"/>
+      <p:bldP spid="5" grpId="0"/>
+      <p:bldP spid="6" grpId="0"/>
+      <p:bldP spid="16" grpId="1" animBg="1"/>
+      <p:bldP spid="5" grpId="1"/>
+      <p:bldP spid="6" grpId="1"/>
+    </p:bldLst>
+  </p:timing>
 </p:sld>
 </file>
 
@@ -9467,9 +11780,18 @@
   <p:clrMapOvr>
     <a:masterClrMapping/>
   </p:clrMapOvr>
-  <p:transition spd="slow">
-    <p:push dir="u"/>
-  </p:transition>
+  <mc:AlternateContent xmlns:mc="http://schemas.openxmlformats.org/markup-compatibility/2006">
+    <mc:Choice xmlns:p14="http://schemas.microsoft.com/office/powerpoint/2010/main" Requires="p14">
+      <p:transition spd="med" p14:dur="750">
+        <p:pull/>
+      </p:transition>
+    </mc:Choice>
+    <mc:Fallback>
+      <p:transition spd="med">
+        <p:pull/>
+      </p:transition>
+    </mc:Fallback>
+  </mc:AlternateContent>
 </p:sld>
 </file>
 
@@ -9661,9 +11983,18 @@
   <p:clrMapOvr>
     <a:masterClrMapping/>
   </p:clrMapOvr>
-  <p:transition spd="slow">
-    <p:push dir="u"/>
-  </p:transition>
+  <mc:AlternateContent xmlns:mc="http://schemas.openxmlformats.org/markup-compatibility/2006" xmlns:p159="http://schemas.microsoft.com/office/powerpoint/2015/09/main">
+    <mc:Choice Requires="p159">
+      <p:transition xmlns:p14="http://schemas.microsoft.com/office/powerpoint/2010/main" spd="med" p14:dur="750">
+        <p159:morph option="byObject"/>
+      </p:transition>
+    </mc:Choice>
+    <mc:Fallback>
+      <p:transition spd="med">
+        <p:fade/>
+      </p:transition>
+    </mc:Fallback>
+  </mc:AlternateContent>
 </p:sld>
 </file>
 
@@ -9870,9 +12201,18 @@
   <p:clrMapOvr>
     <a:masterClrMapping/>
   </p:clrMapOvr>
-  <p:transition spd="slow">
-    <p:push dir="u"/>
-  </p:transition>
+  <mc:AlternateContent xmlns:mc="http://schemas.openxmlformats.org/markup-compatibility/2006" xmlns:p159="http://schemas.microsoft.com/office/powerpoint/2015/09/main">
+    <mc:Choice Requires="p159">
+      <p:transition xmlns:p14="http://schemas.microsoft.com/office/powerpoint/2010/main" spd="med" p14:dur="750">
+        <p159:morph option="byObject"/>
+      </p:transition>
+    </mc:Choice>
+    <mc:Fallback>
+      <p:transition spd="med">
+        <p:fade/>
+      </p:transition>
+    </mc:Fallback>
+  </mc:AlternateContent>
 </p:sld>
 </file>
 
@@ -10064,9 +12404,18 @@
   <p:clrMapOvr>
     <a:masterClrMapping/>
   </p:clrMapOvr>
-  <p:transition spd="slow">
-    <p:push dir="u"/>
-  </p:transition>
+  <mc:AlternateContent xmlns:mc="http://schemas.openxmlformats.org/markup-compatibility/2006">
+    <mc:Choice xmlns:p14="http://schemas.microsoft.com/office/powerpoint/2010/main" Requires="p14">
+      <p:transition spd="med" p14:dur="750">
+        <p14:prism/>
+      </p:transition>
+    </mc:Choice>
+    <mc:Fallback>
+      <p:transition spd="med">
+        <p:fade/>
+      </p:transition>
+    </mc:Fallback>
+  </mc:AlternateContent>
 </p:sld>
 </file>
 
@@ -10258,9 +12607,18 @@
   <p:clrMapOvr>
     <a:masterClrMapping/>
   </p:clrMapOvr>
-  <p:transition spd="slow">
-    <p:push dir="u"/>
-  </p:transition>
+  <mc:AlternateContent xmlns:mc="http://schemas.openxmlformats.org/markup-compatibility/2006" xmlns:p159="http://schemas.microsoft.com/office/powerpoint/2015/09/main">
+    <mc:Choice Requires="p159">
+      <p:transition xmlns:p14="http://schemas.microsoft.com/office/powerpoint/2010/main" spd="med" p14:dur="750">
+        <p159:morph option="byObject"/>
+      </p:transition>
+    </mc:Choice>
+    <mc:Fallback>
+      <p:transition spd="med">
+        <p:fade/>
+      </p:transition>
+    </mc:Fallback>
+  </mc:AlternateContent>
 </p:sld>
 </file>
 
@@ -10453,9 +12811,18 @@
   <p:clrMapOvr>
     <a:masterClrMapping/>
   </p:clrMapOvr>
-  <p:transition spd="slow">
-    <p:push dir="u"/>
-  </p:transition>
+  <mc:AlternateContent xmlns:mc="http://schemas.openxmlformats.org/markup-compatibility/2006" xmlns:p159="http://schemas.microsoft.com/office/powerpoint/2015/09/main">
+    <mc:Choice Requires="p159">
+      <p:transition xmlns:p14="http://schemas.microsoft.com/office/powerpoint/2010/main" spd="med" p14:dur="750">
+        <p159:morph option="byObject"/>
+      </p:transition>
+    </mc:Choice>
+    <mc:Fallback>
+      <p:transition spd="med">
+        <p:fade/>
+      </p:transition>
+    </mc:Fallback>
+  </mc:AlternateContent>
 </p:sld>
 </file>
 
@@ -11561,9 +13928,18 @@
   <p:clrMapOvr>
     <a:masterClrMapping/>
   </p:clrMapOvr>
-  <p:transition spd="slow">
-    <p:push dir="u"/>
-  </p:transition>
+  <mc:AlternateContent xmlns:mc="http://schemas.openxmlformats.org/markup-compatibility/2006">
+    <mc:Choice xmlns:p14="http://schemas.microsoft.com/office/powerpoint/2010/main" Requires="p14">
+      <p:transition spd="med" p14:dur="750">
+        <p:strips dir="rd"/>
+      </p:transition>
+    </mc:Choice>
+    <mc:Fallback>
+      <p:transition spd="med">
+        <p:strips dir="rd"/>
+      </p:transition>
+    </mc:Fallback>
+  </mc:AlternateContent>
 </p:sld>
 </file>
 
@@ -11792,7 +14168,7 @@
                 </a:solidFill>
                 <a:latin typeface="Bahnschrift SemiLight" panose="020B0502040204020203" pitchFamily="34" charset="0"/>
               </a:rPr>
-              <a:t>Az E-sportolók és az eziránt érdeklődők országos szintű bevonzása</a:t>
+              <a:t>Az E-Sportolók és az eziránt érdeklődők országos szintű bevonzása</a:t>
             </a:r>
             <a:endParaRPr lang="hu-HU" altLang="en-GB" sz="2800">
               <a:solidFill>
@@ -11846,9 +14222,484 @@
   <p:clrMapOvr>
     <a:masterClrMapping/>
   </p:clrMapOvr>
-  <p:transition spd="slow">
-    <p:push dir="u"/>
-  </p:transition>
+  <mc:AlternateContent xmlns:mc="http://schemas.openxmlformats.org/markup-compatibility/2006">
+    <mc:Choice xmlns:p14="http://schemas.microsoft.com/office/powerpoint/2010/main" Requires="p14">
+      <p:transition p14:dur="500">
+        <p:comb/>
+      </p:transition>
+    </mc:Choice>
+    <mc:Fallback>
+      <p:transition>
+        <p:comb/>
+      </p:transition>
+    </mc:Fallback>
+  </mc:AlternateContent>
+  <p:timing>
+    <p:tnLst>
+      <p:par>
+        <p:cTn id="1" dur="indefinite" restart="never" nodeType="tmRoot">
+          <p:childTnLst>
+            <p:seq concurrent="1" nextAc="seek">
+              <p:cTn id="2" dur="indefinite" nodeType="mainSeq">
+                <p:childTnLst>
+                  <p:par>
+                    <p:cTn id="3" fill="hold">
+                      <p:stCondLst>
+                        <p:cond delay="indefinite"/>
+                        <p:cond evt="onBegin" delay="0">
+                          <p:tn val="2"/>
+                        </p:cond>
+                      </p:stCondLst>
+                      <p:childTnLst>
+                        <p:par>
+                          <p:cTn id="4" fill="hold">
+                            <p:stCondLst>
+                              <p:cond delay="0"/>
+                            </p:stCondLst>
+                            <p:childTnLst>
+                              <p:par>
+                                <p:cTn id="5" presetID="42" presetClass="entr" presetSubtype="0" fill="hold" nodeType="withEffect">
+                                  <p:stCondLst>
+                                    <p:cond delay="100"/>
+                                  </p:stCondLst>
+                                  <p:childTnLst>
+                                    <p:set>
+                                      <p:cBhvr>
+                                        <p:cTn id="6" dur="400" fill="hold">
+                                          <p:stCondLst>
+                                            <p:cond delay="0"/>
+                                          </p:stCondLst>
+                                        </p:cTn>
+                                        <p:tgtEl>
+                                          <p:spTgt spid="4">
+                                            <p:txEl>
+                                              <p:pRg st="0" end="0"/>
+                                            </p:txEl>
+                                          </p:spTgt>
+                                        </p:tgtEl>
+                                        <p:attrNameLst>
+                                          <p:attrName>style.visibility</p:attrName>
+                                        </p:attrNameLst>
+                                      </p:cBhvr>
+                                      <p:to>
+                                        <p:strVal val="visible"/>
+                                      </p:to>
+                                    </p:set>
+                                    <p:animEffect transition="in" filter="fade">
+                                      <p:cBhvr>
+                                        <p:cTn id="7" dur="400"/>
+                                        <p:tgtEl>
+                                          <p:spTgt spid="4">
+                                            <p:txEl>
+                                              <p:pRg st="0" end="0"/>
+                                            </p:txEl>
+                                          </p:spTgt>
+                                        </p:tgtEl>
+                                      </p:cBhvr>
+                                    </p:animEffect>
+                                    <p:anim calcmode="lin" valueType="num">
+                                      <p:cBhvr>
+                                        <p:cTn id="8" dur="400" fill="hold"/>
+                                        <p:tgtEl>
+                                          <p:spTgt spid="4">
+                                            <p:txEl>
+                                              <p:pRg st="0" end="0"/>
+                                            </p:txEl>
+                                          </p:spTgt>
+                                        </p:tgtEl>
+                                        <p:attrNameLst>
+                                          <p:attrName>ppt_x</p:attrName>
+                                        </p:attrNameLst>
+                                      </p:cBhvr>
+                                      <p:tavLst>
+                                        <p:tav tm="0">
+                                          <p:val>
+                                            <p:strVal val="#ppt_x"/>
+                                          </p:val>
+                                        </p:tav>
+                                        <p:tav tm="100000">
+                                          <p:val>
+                                            <p:strVal val="#ppt_x"/>
+                                          </p:val>
+                                        </p:tav>
+                                      </p:tavLst>
+                                    </p:anim>
+                                    <p:anim calcmode="lin" valueType="num">
+                                      <p:cBhvr>
+                                        <p:cTn id="9" dur="400" fill="hold"/>
+                                        <p:tgtEl>
+                                          <p:spTgt spid="4">
+                                            <p:txEl>
+                                              <p:pRg st="0" end="0"/>
+                                            </p:txEl>
+                                          </p:spTgt>
+                                        </p:tgtEl>
+                                        <p:attrNameLst>
+                                          <p:attrName>ppt_y</p:attrName>
+                                        </p:attrNameLst>
+                                      </p:cBhvr>
+                                      <p:tavLst>
+                                        <p:tav tm="0">
+                                          <p:val>
+                                            <p:strVal val="#ppt_y+.1"/>
+                                          </p:val>
+                                        </p:tav>
+                                        <p:tav tm="100000">
+                                          <p:val>
+                                            <p:strVal val="#ppt_y"/>
+                                          </p:val>
+                                        </p:tav>
+                                      </p:tavLst>
+                                    </p:anim>
+                                  </p:childTnLst>
+                                </p:cTn>
+                              </p:par>
+                            </p:childTnLst>
+                          </p:cTn>
+                        </p:par>
+                        <p:par>
+                          <p:cTn id="10" fill="hold">
+                            <p:stCondLst>
+                              <p:cond delay="600"/>
+                            </p:stCondLst>
+                            <p:childTnLst>
+                              <p:par>
+                                <p:cTn id="11" presetID="42" presetClass="entr" presetSubtype="0" fill="hold" nodeType="afterEffect">
+                                  <p:stCondLst>
+                                    <p:cond delay="100"/>
+                                  </p:stCondLst>
+                                  <p:childTnLst>
+                                    <p:set>
+                                      <p:cBhvr>
+                                        <p:cTn id="12" dur="400" fill="hold">
+                                          <p:stCondLst>
+                                            <p:cond delay="0"/>
+                                          </p:stCondLst>
+                                        </p:cTn>
+                                        <p:tgtEl>
+                                          <p:spTgt spid="4">
+                                            <p:txEl>
+                                              <p:pRg st="1" end="1"/>
+                                            </p:txEl>
+                                          </p:spTgt>
+                                        </p:tgtEl>
+                                        <p:attrNameLst>
+                                          <p:attrName>style.visibility</p:attrName>
+                                        </p:attrNameLst>
+                                      </p:cBhvr>
+                                      <p:to>
+                                        <p:strVal val="visible"/>
+                                      </p:to>
+                                    </p:set>
+                                    <p:animEffect transition="in" filter="fade">
+                                      <p:cBhvr>
+                                        <p:cTn id="13" dur="400"/>
+                                        <p:tgtEl>
+                                          <p:spTgt spid="4">
+                                            <p:txEl>
+                                              <p:pRg st="1" end="1"/>
+                                            </p:txEl>
+                                          </p:spTgt>
+                                        </p:tgtEl>
+                                      </p:cBhvr>
+                                    </p:animEffect>
+                                    <p:anim calcmode="lin" valueType="num">
+                                      <p:cBhvr>
+                                        <p:cTn id="14" dur="400" fill="hold"/>
+                                        <p:tgtEl>
+                                          <p:spTgt spid="4">
+                                            <p:txEl>
+                                              <p:pRg st="1" end="1"/>
+                                            </p:txEl>
+                                          </p:spTgt>
+                                        </p:tgtEl>
+                                        <p:attrNameLst>
+                                          <p:attrName>ppt_x</p:attrName>
+                                        </p:attrNameLst>
+                                      </p:cBhvr>
+                                      <p:tavLst>
+                                        <p:tav tm="0">
+                                          <p:val>
+                                            <p:strVal val="#ppt_x"/>
+                                          </p:val>
+                                        </p:tav>
+                                        <p:tav tm="100000">
+                                          <p:val>
+                                            <p:strVal val="#ppt_x"/>
+                                          </p:val>
+                                        </p:tav>
+                                      </p:tavLst>
+                                    </p:anim>
+                                    <p:anim calcmode="lin" valueType="num">
+                                      <p:cBhvr>
+                                        <p:cTn id="15" dur="400" fill="hold"/>
+                                        <p:tgtEl>
+                                          <p:spTgt spid="4">
+                                            <p:txEl>
+                                              <p:pRg st="1" end="1"/>
+                                            </p:txEl>
+                                          </p:spTgt>
+                                        </p:tgtEl>
+                                        <p:attrNameLst>
+                                          <p:attrName>ppt_y</p:attrName>
+                                        </p:attrNameLst>
+                                      </p:cBhvr>
+                                      <p:tavLst>
+                                        <p:tav tm="0">
+                                          <p:val>
+                                            <p:strVal val="#ppt_y+.1"/>
+                                          </p:val>
+                                        </p:tav>
+                                        <p:tav tm="100000">
+                                          <p:val>
+                                            <p:strVal val="#ppt_y"/>
+                                          </p:val>
+                                        </p:tav>
+                                      </p:tavLst>
+                                    </p:anim>
+                                  </p:childTnLst>
+                                </p:cTn>
+                              </p:par>
+                            </p:childTnLst>
+                          </p:cTn>
+                        </p:par>
+                        <p:par>
+                          <p:cTn id="16" fill="hold">
+                            <p:stCondLst>
+                              <p:cond delay="1200"/>
+                            </p:stCondLst>
+                            <p:childTnLst>
+                              <p:par>
+                                <p:cTn id="17" presetID="42" presetClass="entr" presetSubtype="0" fill="hold" nodeType="afterEffect">
+                                  <p:stCondLst>
+                                    <p:cond delay="100"/>
+                                  </p:stCondLst>
+                                  <p:childTnLst>
+                                    <p:set>
+                                      <p:cBhvr>
+                                        <p:cTn id="18" dur="400" fill="hold">
+                                          <p:stCondLst>
+                                            <p:cond delay="0"/>
+                                          </p:stCondLst>
+                                        </p:cTn>
+                                        <p:tgtEl>
+                                          <p:spTgt spid="4">
+                                            <p:txEl>
+                                              <p:pRg st="2" end="2"/>
+                                            </p:txEl>
+                                          </p:spTgt>
+                                        </p:tgtEl>
+                                        <p:attrNameLst>
+                                          <p:attrName>style.visibility</p:attrName>
+                                        </p:attrNameLst>
+                                      </p:cBhvr>
+                                      <p:to>
+                                        <p:strVal val="visible"/>
+                                      </p:to>
+                                    </p:set>
+                                    <p:animEffect transition="in" filter="fade">
+                                      <p:cBhvr>
+                                        <p:cTn id="19" dur="400"/>
+                                        <p:tgtEl>
+                                          <p:spTgt spid="4">
+                                            <p:txEl>
+                                              <p:pRg st="2" end="2"/>
+                                            </p:txEl>
+                                          </p:spTgt>
+                                        </p:tgtEl>
+                                      </p:cBhvr>
+                                    </p:animEffect>
+                                    <p:anim calcmode="lin" valueType="num">
+                                      <p:cBhvr>
+                                        <p:cTn id="20" dur="400" fill="hold"/>
+                                        <p:tgtEl>
+                                          <p:spTgt spid="4">
+                                            <p:txEl>
+                                              <p:pRg st="2" end="2"/>
+                                            </p:txEl>
+                                          </p:spTgt>
+                                        </p:tgtEl>
+                                        <p:attrNameLst>
+                                          <p:attrName>ppt_x</p:attrName>
+                                        </p:attrNameLst>
+                                      </p:cBhvr>
+                                      <p:tavLst>
+                                        <p:tav tm="0">
+                                          <p:val>
+                                            <p:strVal val="#ppt_x"/>
+                                          </p:val>
+                                        </p:tav>
+                                        <p:tav tm="100000">
+                                          <p:val>
+                                            <p:strVal val="#ppt_x"/>
+                                          </p:val>
+                                        </p:tav>
+                                      </p:tavLst>
+                                    </p:anim>
+                                    <p:anim calcmode="lin" valueType="num">
+                                      <p:cBhvr>
+                                        <p:cTn id="21" dur="400" fill="hold"/>
+                                        <p:tgtEl>
+                                          <p:spTgt spid="4">
+                                            <p:txEl>
+                                              <p:pRg st="2" end="2"/>
+                                            </p:txEl>
+                                          </p:spTgt>
+                                        </p:tgtEl>
+                                        <p:attrNameLst>
+                                          <p:attrName>ppt_y</p:attrName>
+                                        </p:attrNameLst>
+                                      </p:cBhvr>
+                                      <p:tavLst>
+                                        <p:tav tm="0">
+                                          <p:val>
+                                            <p:strVal val="#ppt_y+.1"/>
+                                          </p:val>
+                                        </p:tav>
+                                        <p:tav tm="100000">
+                                          <p:val>
+                                            <p:strVal val="#ppt_y"/>
+                                          </p:val>
+                                        </p:tav>
+                                      </p:tavLst>
+                                    </p:anim>
+                                  </p:childTnLst>
+                                </p:cTn>
+                              </p:par>
+                            </p:childTnLst>
+                          </p:cTn>
+                        </p:par>
+                        <p:par>
+                          <p:cTn id="22" fill="hold">
+                            <p:stCondLst>
+                              <p:cond delay="1800"/>
+                            </p:stCondLst>
+                            <p:childTnLst>
+                              <p:par>
+                                <p:cTn id="23" presetID="42" presetClass="entr" presetSubtype="0" fill="hold" nodeType="afterEffect">
+                                  <p:stCondLst>
+                                    <p:cond delay="100"/>
+                                  </p:stCondLst>
+                                  <p:childTnLst>
+                                    <p:set>
+                                      <p:cBhvr>
+                                        <p:cTn id="24" dur="400" fill="hold">
+                                          <p:stCondLst>
+                                            <p:cond delay="0"/>
+                                          </p:stCondLst>
+                                        </p:cTn>
+                                        <p:tgtEl>
+                                          <p:spTgt spid="4">
+                                            <p:txEl>
+                                              <p:pRg st="3" end="3"/>
+                                            </p:txEl>
+                                          </p:spTgt>
+                                        </p:tgtEl>
+                                        <p:attrNameLst>
+                                          <p:attrName>style.visibility</p:attrName>
+                                        </p:attrNameLst>
+                                      </p:cBhvr>
+                                      <p:to>
+                                        <p:strVal val="visible"/>
+                                      </p:to>
+                                    </p:set>
+                                    <p:animEffect transition="in" filter="fade">
+                                      <p:cBhvr>
+                                        <p:cTn id="25" dur="400"/>
+                                        <p:tgtEl>
+                                          <p:spTgt spid="4">
+                                            <p:txEl>
+                                              <p:pRg st="3" end="3"/>
+                                            </p:txEl>
+                                          </p:spTgt>
+                                        </p:tgtEl>
+                                      </p:cBhvr>
+                                    </p:animEffect>
+                                    <p:anim calcmode="lin" valueType="num">
+                                      <p:cBhvr>
+                                        <p:cTn id="26" dur="400" fill="hold"/>
+                                        <p:tgtEl>
+                                          <p:spTgt spid="4">
+                                            <p:txEl>
+                                              <p:pRg st="3" end="3"/>
+                                            </p:txEl>
+                                          </p:spTgt>
+                                        </p:tgtEl>
+                                        <p:attrNameLst>
+                                          <p:attrName>ppt_x</p:attrName>
+                                        </p:attrNameLst>
+                                      </p:cBhvr>
+                                      <p:tavLst>
+                                        <p:tav tm="0">
+                                          <p:val>
+                                            <p:strVal val="#ppt_x"/>
+                                          </p:val>
+                                        </p:tav>
+                                        <p:tav tm="100000">
+                                          <p:val>
+                                            <p:strVal val="#ppt_x"/>
+                                          </p:val>
+                                        </p:tav>
+                                      </p:tavLst>
+                                    </p:anim>
+                                    <p:anim calcmode="lin" valueType="num">
+                                      <p:cBhvr>
+                                        <p:cTn id="27" dur="400" fill="hold"/>
+                                        <p:tgtEl>
+                                          <p:spTgt spid="4">
+                                            <p:txEl>
+                                              <p:pRg st="3" end="3"/>
+                                            </p:txEl>
+                                          </p:spTgt>
+                                        </p:tgtEl>
+                                        <p:attrNameLst>
+                                          <p:attrName>ppt_y</p:attrName>
+                                        </p:attrNameLst>
+                                      </p:cBhvr>
+                                      <p:tavLst>
+                                        <p:tav tm="0">
+                                          <p:val>
+                                            <p:strVal val="#ppt_y+.1"/>
+                                          </p:val>
+                                        </p:tav>
+                                        <p:tav tm="100000">
+                                          <p:val>
+                                            <p:strVal val="#ppt_y"/>
+                                          </p:val>
+                                        </p:tav>
+                                      </p:tavLst>
+                                    </p:anim>
+                                  </p:childTnLst>
+                                </p:cTn>
+                              </p:par>
+                            </p:childTnLst>
+                          </p:cTn>
+                        </p:par>
+                      </p:childTnLst>
+                    </p:cTn>
+                  </p:par>
+                </p:childTnLst>
+              </p:cTn>
+              <p:prevCondLst>
+                <p:cond evt="onPrev" delay="0">
+                  <p:tgtEl>
+                    <p:sldTgt/>
+                  </p:tgtEl>
+                </p:cond>
+              </p:prevCondLst>
+              <p:nextCondLst>
+                <p:cond evt="onNext" delay="0">
+                  <p:tgtEl>
+                    <p:sldTgt/>
+                  </p:tgtEl>
+                </p:cond>
+              </p:nextCondLst>
+            </p:seq>
+          </p:childTnLst>
+        </p:cTn>
+      </p:par>
+    </p:tnLst>
+  </p:timing>
 </p:sld>
 </file>
 
@@ -12087,9 +14938,18 @@
   <p:clrMapOvr>
     <a:masterClrMapping/>
   </p:clrMapOvr>
-  <p:transition spd="slow">
-    <p:push dir="u"/>
-  </p:transition>
+  <mc:AlternateContent xmlns:mc="http://schemas.openxmlformats.org/markup-compatibility/2006">
+    <mc:Choice xmlns:p14="http://schemas.microsoft.com/office/powerpoint/2010/main" Requires="p14">
+      <p:transition p14:dur="500">
+        <p:split/>
+      </p:transition>
+    </mc:Choice>
+    <mc:Fallback>
+      <p:transition>
+        <p:split/>
+      </p:transition>
+    </mc:Fallback>
+  </mc:AlternateContent>
 </p:sld>
 </file>
 
@@ -12118,51 +14978,6 @@
           <a:chExt cx="0" cy="0"/>
         </a:xfrm>
       </p:grpSpPr>
-      <p:sp useBgFill="1">
-        <p:nvSpPr>
-          <p:cNvPr id="21" name="Rectangle 20"/>
-          <p:cNvSpPr>
-            <a:spLocks noGrp="1" noRot="1" noChangeAspect="1" noMove="1" noResize="1" noEditPoints="1" noAdjustHandles="1" noChangeArrowheads="1" noChangeShapeType="1" noTextEdit="1"/>
-          </p:cNvSpPr>
-          <p:nvPr/>
-        </p:nvSpPr>
-        <p:spPr>
-          <a:xfrm>
-            <a:off x="0" y="0"/>
-            <a:ext cx="12191999" cy="6857365"/>
-          </a:xfrm>
-          <a:prstGeom prst="rect">
-            <a:avLst/>
-          </a:prstGeom>
-          <a:ln>
-            <a:noFill/>
-          </a:ln>
-        </p:spPr>
-        <p:style>
-          <a:lnRef idx="2">
-            <a:schemeClr val="accent1">
-              <a:shade val="50000"/>
-            </a:schemeClr>
-          </a:lnRef>
-          <a:fillRef idx="1">
-            <a:schemeClr val="accent1"/>
-          </a:fillRef>
-          <a:effectRef idx="0">
-            <a:schemeClr val="accent1"/>
-          </a:effectRef>
-          <a:fontRef idx="minor">
-            <a:schemeClr val="lt1"/>
-          </a:fontRef>
-        </p:style>
-        <p:txBody>
-          <a:bodyPr rtlCol="0" anchor="ctr"/>
-          <a:lstStyle/>
-          <a:p>
-            <a:pPr algn="ctr"/>
-            <a:endParaRPr lang="en-US"/>
-          </a:p>
-        </p:txBody>
-      </p:sp>
       <p:grpSp>
         <p:nvGrpSpPr>
           <p:cNvPr id="23" name="Group 22"/>
@@ -12666,9 +15481,25 @@
   <p:clrMapOvr>
     <a:masterClrMapping/>
   </p:clrMapOvr>
-  <p:transition spd="slow">
-    <p:push dir="u"/>
-  </p:transition>
+  <mc:AlternateContent xmlns:mc="http://schemas.openxmlformats.org/markup-compatibility/2006">
+    <mc:Choice xmlns:p14="http://schemas.microsoft.com/office/powerpoint/2010/main" Requires="p14">
+      <p:transition spd="med" p14:dur="750">
+        <p14:prism dir="u" isInverted="1"/>
+      </p:transition>
+    </mc:Choice>
+    <mc:Fallback>
+      <p:transition spd="med">
+        <p:fade/>
+      </p:transition>
+    </mc:Fallback>
+  </mc:AlternateContent>
+  <p:timing>
+    <p:tnLst>
+      <p:par>
+        <p:cTn id="1" dur="indefinite" restart="never" nodeType="tmRoot"/>
+      </p:par>
+    </p:tnLst>
+  </p:timing>
 </p:sld>
 </file>
 
@@ -12697,51 +15528,6 @@
           <a:chExt cx="0" cy="0"/>
         </a:xfrm>
       </p:grpSpPr>
-      <p:sp useBgFill="1">
-        <p:nvSpPr>
-          <p:cNvPr id="8" name="Rectangle 7"/>
-          <p:cNvSpPr>
-            <a:spLocks noGrp="1" noRot="1" noChangeAspect="1" noMove="1" noResize="1" noEditPoints="1" noAdjustHandles="1" noChangeArrowheads="1" noChangeShapeType="1" noTextEdit="1"/>
-          </p:cNvSpPr>
-          <p:nvPr/>
-        </p:nvSpPr>
-        <p:spPr>
-          <a:xfrm>
-            <a:off x="3048" y="0"/>
-            <a:ext cx="12188952" cy="6858000"/>
-          </a:xfrm>
-          <a:prstGeom prst="rect">
-            <a:avLst/>
-          </a:prstGeom>
-          <a:ln>
-            <a:noFill/>
-          </a:ln>
-        </p:spPr>
-        <p:style>
-          <a:lnRef idx="2">
-            <a:schemeClr val="accent1">
-              <a:shade val="50000"/>
-            </a:schemeClr>
-          </a:lnRef>
-          <a:fillRef idx="1">
-            <a:schemeClr val="accent1"/>
-          </a:fillRef>
-          <a:effectRef idx="0">
-            <a:schemeClr val="accent1"/>
-          </a:effectRef>
-          <a:fontRef idx="minor">
-            <a:schemeClr val="lt1"/>
-          </a:fontRef>
-        </p:style>
-        <p:txBody>
-          <a:bodyPr rtlCol="0" anchor="ctr"/>
-          <a:lstStyle/>
-          <a:p>
-            <a:pPr algn="ctr"/>
-            <a:endParaRPr lang="en-US"/>
-          </a:p>
-        </p:txBody>
-      </p:sp>
       <p:sp>
         <p:nvSpPr>
           <p:cNvPr id="10" name="Freeform: Shape 9"/>
@@ -13054,7 +15840,7 @@
             </a:endParaRPr>
           </a:p>
           <a:p>
-            <a:pPr marL="742950" lvl="1" indent="-285750" rtl="0" eaLnBrk="1" latinLnBrk="0" hangingPunct="1">
+            <a:pPr lvl="1" rtl="0" eaLnBrk="1" latinLnBrk="0" hangingPunct="1">
               <a:lnSpc>
                 <a:spcPct val="150000"/>
               </a:lnSpc>
@@ -13064,8 +15850,8 @@
               <a:spcAft>
                 <a:spcPts val="0"/>
               </a:spcAft>
-              <a:buFont typeface="Arial" panose="020B0604020202020204" pitchFamily="34" charset="0"/>
-              <a:buChar char="•"/>
+              <a:buFont typeface="Wingdings" panose="05000000000000000000" charset="0"/>
+              <a:buChar char="§"/>
             </a:pPr>
             <a:r>
               <a:rPr lang="hu-HU" altLang="en-GB" sz="2400">
@@ -13150,9 +15936,663 @@
   <p:clrMapOvr>
     <a:masterClrMapping/>
   </p:clrMapOvr>
-  <p:transition spd="slow">
-    <p:push dir="u"/>
-  </p:transition>
+  <mc:AlternateContent xmlns:mc="http://schemas.openxmlformats.org/markup-compatibility/2006">
+    <mc:Choice xmlns:p14="http://schemas.microsoft.com/office/powerpoint/2010/main" Requires="p14">
+      <p:transition spd="med" p14:dur="600">
+        <p:push dir="u"/>
+      </p:transition>
+    </mc:Choice>
+    <mc:Fallback>
+      <p:transition spd="med">
+        <p:push dir="u"/>
+      </p:transition>
+    </mc:Fallback>
+  </mc:AlternateContent>
+  <p:timing>
+    <p:tnLst>
+      <p:par>
+        <p:cTn id="1" dur="indefinite" restart="never" nodeType="tmRoot">
+          <p:childTnLst>
+            <p:seq concurrent="1" nextAc="seek">
+              <p:cTn id="2" dur="indefinite" nodeType="mainSeq">
+                <p:childTnLst>
+                  <p:par>
+                    <p:cTn id="3" fill="hold">
+                      <p:stCondLst>
+                        <p:cond delay="indefinite"/>
+                        <p:cond evt="onBegin" delay="0">
+                          <p:tn val="2"/>
+                        </p:cond>
+                      </p:stCondLst>
+                      <p:childTnLst>
+                        <p:par>
+                          <p:cTn id="4" fill="hold">
+                            <p:stCondLst>
+                              <p:cond delay="0"/>
+                            </p:stCondLst>
+                            <p:childTnLst>
+                              <p:par>
+                                <p:cTn id="5" presetID="4" presetClass="entr" presetSubtype="32" fill="hold" grpId="0" nodeType="afterEffect">
+                                  <p:stCondLst>
+                                    <p:cond delay="0"/>
+                                  </p:stCondLst>
+                                  <p:childTnLst>
+                                    <p:set>
+                                      <p:cBhvr>
+                                        <p:cTn id="6" dur="750" fill="hold">
+                                          <p:stCondLst>
+                                            <p:cond delay="0"/>
+                                          </p:stCondLst>
+                                        </p:cTn>
+                                        <p:tgtEl>
+                                          <p:spTgt spid="10"/>
+                                        </p:tgtEl>
+                                        <p:attrNameLst>
+                                          <p:attrName>style.visibility</p:attrName>
+                                        </p:attrNameLst>
+                                      </p:cBhvr>
+                                      <p:to>
+                                        <p:strVal val="visible"/>
+                                      </p:to>
+                                    </p:set>
+                                    <p:animEffect transition="in" filter="box(out)">
+                                      <p:cBhvr>
+                                        <p:cTn id="7" dur="750"/>
+                                        <p:tgtEl>
+                                          <p:spTgt spid="10"/>
+                                        </p:tgtEl>
+                                      </p:cBhvr>
+                                    </p:animEffect>
+                                  </p:childTnLst>
+                                </p:cTn>
+                              </p:par>
+                            </p:childTnLst>
+                          </p:cTn>
+                        </p:par>
+                        <p:par>
+                          <p:cTn id="8" fill="hold">
+                            <p:stCondLst>
+                              <p:cond delay="1000"/>
+                            </p:stCondLst>
+                            <p:childTnLst>
+                              <p:par>
+                                <p:cTn id="9" presetID="4" presetClass="entr" presetSubtype="32" fill="hold" grpId="0" nodeType="afterEffect">
+                                  <p:stCondLst>
+                                    <p:cond delay="0"/>
+                                  </p:stCondLst>
+                                  <p:childTnLst>
+                                    <p:set>
+                                      <p:cBhvr>
+                                        <p:cTn id="10" dur="500" fill="hold">
+                                          <p:stCondLst>
+                                            <p:cond delay="0"/>
+                                          </p:stCondLst>
+                                        </p:cTn>
+                                        <p:tgtEl>
+                                          <p:spTgt spid="2"/>
+                                        </p:tgtEl>
+                                        <p:attrNameLst>
+                                          <p:attrName>style.visibility</p:attrName>
+                                        </p:attrNameLst>
+                                      </p:cBhvr>
+                                      <p:to>
+                                        <p:strVal val="visible"/>
+                                      </p:to>
+                                    </p:set>
+                                    <p:animEffect transition="in" filter="box(out)">
+                                      <p:cBhvr>
+                                        <p:cTn id="11" dur="500"/>
+                                        <p:tgtEl>
+                                          <p:spTgt spid="2"/>
+                                        </p:tgtEl>
+                                      </p:cBhvr>
+                                    </p:animEffect>
+                                  </p:childTnLst>
+                                </p:cTn>
+                              </p:par>
+                            </p:childTnLst>
+                          </p:cTn>
+                        </p:par>
+                        <p:par>
+                          <p:cTn id="12" fill="hold">
+                            <p:stCondLst>
+                              <p:cond delay="1500"/>
+                            </p:stCondLst>
+                            <p:childTnLst>
+                              <p:par>
+                                <p:cTn id="13" presetID="42" presetClass="entr" presetSubtype="0" fill="hold" nodeType="afterEffect">
+                                  <p:stCondLst>
+                                    <p:cond delay="0"/>
+                                  </p:stCondLst>
+                                  <p:iterate type="lt">
+                                    <p:tmPct val="20000"/>
+                                  </p:iterate>
+                                  <p:childTnLst>
+                                    <p:set>
+                                      <p:cBhvr>
+                                        <p:cTn id="14" dur="200" fill="hold">
+                                          <p:stCondLst>
+                                            <p:cond delay="0"/>
+                                          </p:stCondLst>
+                                        </p:cTn>
+                                        <p:tgtEl>
+                                          <p:spTgt spid="4">
+                                            <p:txEl>
+                                              <p:pRg st="0" end="0"/>
+                                            </p:txEl>
+                                          </p:spTgt>
+                                        </p:tgtEl>
+                                        <p:attrNameLst>
+                                          <p:attrName>style.visibility</p:attrName>
+                                        </p:attrNameLst>
+                                      </p:cBhvr>
+                                      <p:to>
+                                        <p:strVal val="visible"/>
+                                      </p:to>
+                                    </p:set>
+                                    <p:animEffect transition="in" filter="fade">
+                                      <p:cBhvr>
+                                        <p:cTn id="15" dur="200"/>
+                                        <p:tgtEl>
+                                          <p:spTgt spid="4">
+                                            <p:txEl>
+                                              <p:pRg st="0" end="0"/>
+                                            </p:txEl>
+                                          </p:spTgt>
+                                        </p:tgtEl>
+                                      </p:cBhvr>
+                                    </p:animEffect>
+                                    <p:anim calcmode="lin" valueType="num">
+                                      <p:cBhvr>
+                                        <p:cTn id="16" dur="200" fill="hold"/>
+                                        <p:tgtEl>
+                                          <p:spTgt spid="4">
+                                            <p:txEl>
+                                              <p:pRg st="0" end="0"/>
+                                            </p:txEl>
+                                          </p:spTgt>
+                                        </p:tgtEl>
+                                        <p:attrNameLst>
+                                          <p:attrName>ppt_x</p:attrName>
+                                        </p:attrNameLst>
+                                      </p:cBhvr>
+                                      <p:tavLst>
+                                        <p:tav tm="0">
+                                          <p:val>
+                                            <p:strVal val="#ppt_x"/>
+                                          </p:val>
+                                        </p:tav>
+                                        <p:tav tm="100000">
+                                          <p:val>
+                                            <p:strVal val="#ppt_x"/>
+                                          </p:val>
+                                        </p:tav>
+                                      </p:tavLst>
+                                    </p:anim>
+                                    <p:anim calcmode="lin" valueType="num">
+                                      <p:cBhvr>
+                                        <p:cTn id="17" dur="200" fill="hold"/>
+                                        <p:tgtEl>
+                                          <p:spTgt spid="4">
+                                            <p:txEl>
+                                              <p:pRg st="0" end="0"/>
+                                            </p:txEl>
+                                          </p:spTgt>
+                                        </p:tgtEl>
+                                        <p:attrNameLst>
+                                          <p:attrName>ppt_y</p:attrName>
+                                        </p:attrNameLst>
+                                      </p:cBhvr>
+                                      <p:tavLst>
+                                        <p:tav tm="0">
+                                          <p:val>
+                                            <p:strVal val="#ppt_y+.1"/>
+                                          </p:val>
+                                        </p:tav>
+                                        <p:tav tm="100000">
+                                          <p:val>
+                                            <p:strVal val="#ppt_y"/>
+                                          </p:val>
+                                        </p:tav>
+                                      </p:tavLst>
+                                    </p:anim>
+                                  </p:childTnLst>
+                                </p:cTn>
+                              </p:par>
+                              <p:par>
+                                <p:cTn id="18" presetID="42" presetClass="entr" presetSubtype="0" fill="hold" nodeType="withEffect">
+                                  <p:stCondLst>
+                                    <p:cond delay="0"/>
+                                  </p:stCondLst>
+                                  <p:iterate type="lt">
+                                    <p:tmPct val="20000"/>
+                                  </p:iterate>
+                                  <p:childTnLst>
+                                    <p:set>
+                                      <p:cBhvr>
+                                        <p:cTn id="19" dur="200" fill="hold">
+                                          <p:stCondLst>
+                                            <p:cond delay="0"/>
+                                          </p:stCondLst>
+                                        </p:cTn>
+                                        <p:tgtEl>
+                                          <p:spTgt spid="4">
+                                            <p:txEl>
+                                              <p:pRg st="1" end="1"/>
+                                            </p:txEl>
+                                          </p:spTgt>
+                                        </p:tgtEl>
+                                        <p:attrNameLst>
+                                          <p:attrName>style.visibility</p:attrName>
+                                        </p:attrNameLst>
+                                      </p:cBhvr>
+                                      <p:to>
+                                        <p:strVal val="visible"/>
+                                      </p:to>
+                                    </p:set>
+                                    <p:animEffect transition="in" filter="fade">
+                                      <p:cBhvr>
+                                        <p:cTn id="20" dur="200"/>
+                                        <p:tgtEl>
+                                          <p:spTgt spid="4">
+                                            <p:txEl>
+                                              <p:pRg st="1" end="1"/>
+                                            </p:txEl>
+                                          </p:spTgt>
+                                        </p:tgtEl>
+                                      </p:cBhvr>
+                                    </p:animEffect>
+                                    <p:anim calcmode="lin" valueType="num">
+                                      <p:cBhvr>
+                                        <p:cTn id="21" dur="200" fill="hold"/>
+                                        <p:tgtEl>
+                                          <p:spTgt spid="4">
+                                            <p:txEl>
+                                              <p:pRg st="1" end="1"/>
+                                            </p:txEl>
+                                          </p:spTgt>
+                                        </p:tgtEl>
+                                        <p:attrNameLst>
+                                          <p:attrName>ppt_x</p:attrName>
+                                        </p:attrNameLst>
+                                      </p:cBhvr>
+                                      <p:tavLst>
+                                        <p:tav tm="0">
+                                          <p:val>
+                                            <p:strVal val="#ppt_x"/>
+                                          </p:val>
+                                        </p:tav>
+                                        <p:tav tm="100000">
+                                          <p:val>
+                                            <p:strVal val="#ppt_x"/>
+                                          </p:val>
+                                        </p:tav>
+                                      </p:tavLst>
+                                    </p:anim>
+                                    <p:anim calcmode="lin" valueType="num">
+                                      <p:cBhvr>
+                                        <p:cTn id="22" dur="200" fill="hold"/>
+                                        <p:tgtEl>
+                                          <p:spTgt spid="4">
+                                            <p:txEl>
+                                              <p:pRg st="1" end="1"/>
+                                            </p:txEl>
+                                          </p:spTgt>
+                                        </p:tgtEl>
+                                        <p:attrNameLst>
+                                          <p:attrName>ppt_y</p:attrName>
+                                        </p:attrNameLst>
+                                      </p:cBhvr>
+                                      <p:tavLst>
+                                        <p:tav tm="0">
+                                          <p:val>
+                                            <p:strVal val="#ppt_y+.1"/>
+                                          </p:val>
+                                        </p:tav>
+                                        <p:tav tm="100000">
+                                          <p:val>
+                                            <p:strVal val="#ppt_y"/>
+                                          </p:val>
+                                        </p:tav>
+                                      </p:tavLst>
+                                    </p:anim>
+                                  </p:childTnLst>
+                                </p:cTn>
+                              </p:par>
+                              <p:par>
+                                <p:cTn id="23" presetID="42" presetClass="entr" presetSubtype="0" fill="hold" nodeType="withEffect">
+                                  <p:stCondLst>
+                                    <p:cond delay="0"/>
+                                  </p:stCondLst>
+                                  <p:iterate type="lt">
+                                    <p:tmPct val="20000"/>
+                                  </p:iterate>
+                                  <p:childTnLst>
+                                    <p:set>
+                                      <p:cBhvr>
+                                        <p:cTn id="24" dur="200" fill="hold">
+                                          <p:stCondLst>
+                                            <p:cond delay="0"/>
+                                          </p:stCondLst>
+                                        </p:cTn>
+                                        <p:tgtEl>
+                                          <p:spTgt spid="4">
+                                            <p:txEl>
+                                              <p:pRg st="2" end="2"/>
+                                            </p:txEl>
+                                          </p:spTgt>
+                                        </p:tgtEl>
+                                        <p:attrNameLst>
+                                          <p:attrName>style.visibility</p:attrName>
+                                        </p:attrNameLst>
+                                      </p:cBhvr>
+                                      <p:to>
+                                        <p:strVal val="visible"/>
+                                      </p:to>
+                                    </p:set>
+                                    <p:animEffect transition="in" filter="fade">
+                                      <p:cBhvr>
+                                        <p:cTn id="25" dur="200"/>
+                                        <p:tgtEl>
+                                          <p:spTgt spid="4">
+                                            <p:txEl>
+                                              <p:pRg st="2" end="2"/>
+                                            </p:txEl>
+                                          </p:spTgt>
+                                        </p:tgtEl>
+                                      </p:cBhvr>
+                                    </p:animEffect>
+                                    <p:anim calcmode="lin" valueType="num">
+                                      <p:cBhvr>
+                                        <p:cTn id="26" dur="200" fill="hold"/>
+                                        <p:tgtEl>
+                                          <p:spTgt spid="4">
+                                            <p:txEl>
+                                              <p:pRg st="2" end="2"/>
+                                            </p:txEl>
+                                          </p:spTgt>
+                                        </p:tgtEl>
+                                        <p:attrNameLst>
+                                          <p:attrName>ppt_x</p:attrName>
+                                        </p:attrNameLst>
+                                      </p:cBhvr>
+                                      <p:tavLst>
+                                        <p:tav tm="0">
+                                          <p:val>
+                                            <p:strVal val="#ppt_x"/>
+                                          </p:val>
+                                        </p:tav>
+                                        <p:tav tm="100000">
+                                          <p:val>
+                                            <p:strVal val="#ppt_x"/>
+                                          </p:val>
+                                        </p:tav>
+                                      </p:tavLst>
+                                    </p:anim>
+                                    <p:anim calcmode="lin" valueType="num">
+                                      <p:cBhvr>
+                                        <p:cTn id="27" dur="200" fill="hold"/>
+                                        <p:tgtEl>
+                                          <p:spTgt spid="4">
+                                            <p:txEl>
+                                              <p:pRg st="2" end="2"/>
+                                            </p:txEl>
+                                          </p:spTgt>
+                                        </p:tgtEl>
+                                        <p:attrNameLst>
+                                          <p:attrName>ppt_y</p:attrName>
+                                        </p:attrNameLst>
+                                      </p:cBhvr>
+                                      <p:tavLst>
+                                        <p:tav tm="0">
+                                          <p:val>
+                                            <p:strVal val="#ppt_y+.1"/>
+                                          </p:val>
+                                        </p:tav>
+                                        <p:tav tm="100000">
+                                          <p:val>
+                                            <p:strVal val="#ppt_y"/>
+                                          </p:val>
+                                        </p:tav>
+                                      </p:tavLst>
+                                    </p:anim>
+                                  </p:childTnLst>
+                                </p:cTn>
+                              </p:par>
+                              <p:par>
+                                <p:cTn id="28" presetID="42" presetClass="entr" presetSubtype="0" fill="hold" nodeType="withEffect">
+                                  <p:stCondLst>
+                                    <p:cond delay="0"/>
+                                  </p:stCondLst>
+                                  <p:iterate type="lt">
+                                    <p:tmPct val="20000"/>
+                                  </p:iterate>
+                                  <p:childTnLst>
+                                    <p:set>
+                                      <p:cBhvr>
+                                        <p:cTn id="29" dur="200" fill="hold">
+                                          <p:stCondLst>
+                                            <p:cond delay="0"/>
+                                          </p:stCondLst>
+                                        </p:cTn>
+                                        <p:tgtEl>
+                                          <p:spTgt spid="4">
+                                            <p:txEl>
+                                              <p:pRg st="3" end="3"/>
+                                            </p:txEl>
+                                          </p:spTgt>
+                                        </p:tgtEl>
+                                        <p:attrNameLst>
+                                          <p:attrName>style.visibility</p:attrName>
+                                        </p:attrNameLst>
+                                      </p:cBhvr>
+                                      <p:to>
+                                        <p:strVal val="visible"/>
+                                      </p:to>
+                                    </p:set>
+                                    <p:animEffect transition="in" filter="fade">
+                                      <p:cBhvr>
+                                        <p:cTn id="30" dur="200"/>
+                                        <p:tgtEl>
+                                          <p:spTgt spid="4">
+                                            <p:txEl>
+                                              <p:pRg st="3" end="3"/>
+                                            </p:txEl>
+                                          </p:spTgt>
+                                        </p:tgtEl>
+                                      </p:cBhvr>
+                                    </p:animEffect>
+                                    <p:anim calcmode="lin" valueType="num">
+                                      <p:cBhvr>
+                                        <p:cTn id="31" dur="200" fill="hold"/>
+                                        <p:tgtEl>
+                                          <p:spTgt spid="4">
+                                            <p:txEl>
+                                              <p:pRg st="3" end="3"/>
+                                            </p:txEl>
+                                          </p:spTgt>
+                                        </p:tgtEl>
+                                        <p:attrNameLst>
+                                          <p:attrName>ppt_x</p:attrName>
+                                        </p:attrNameLst>
+                                      </p:cBhvr>
+                                      <p:tavLst>
+                                        <p:tav tm="0">
+                                          <p:val>
+                                            <p:strVal val="#ppt_x"/>
+                                          </p:val>
+                                        </p:tav>
+                                        <p:tav tm="100000">
+                                          <p:val>
+                                            <p:strVal val="#ppt_x"/>
+                                          </p:val>
+                                        </p:tav>
+                                      </p:tavLst>
+                                    </p:anim>
+                                    <p:anim calcmode="lin" valueType="num">
+                                      <p:cBhvr>
+                                        <p:cTn id="32" dur="200" fill="hold"/>
+                                        <p:tgtEl>
+                                          <p:spTgt spid="4">
+                                            <p:txEl>
+                                              <p:pRg st="3" end="3"/>
+                                            </p:txEl>
+                                          </p:spTgt>
+                                        </p:tgtEl>
+                                        <p:attrNameLst>
+                                          <p:attrName>ppt_y</p:attrName>
+                                        </p:attrNameLst>
+                                      </p:cBhvr>
+                                      <p:tavLst>
+                                        <p:tav tm="0">
+                                          <p:val>
+                                            <p:strVal val="#ppt_y+.1"/>
+                                          </p:val>
+                                        </p:tav>
+                                        <p:tav tm="100000">
+                                          <p:val>
+                                            <p:strVal val="#ppt_y"/>
+                                          </p:val>
+                                        </p:tav>
+                                      </p:tavLst>
+                                    </p:anim>
+                                  </p:childTnLst>
+                                </p:cTn>
+                              </p:par>
+                              <p:par>
+                                <p:cTn id="33" presetID="42" presetClass="entr" presetSubtype="0" fill="hold" nodeType="withEffect">
+                                  <p:stCondLst>
+                                    <p:cond delay="0"/>
+                                  </p:stCondLst>
+                                  <p:iterate type="lt">
+                                    <p:tmPct val="20000"/>
+                                  </p:iterate>
+                                  <p:childTnLst>
+                                    <p:set>
+                                      <p:cBhvr>
+                                        <p:cTn id="34" dur="200" fill="hold">
+                                          <p:stCondLst>
+                                            <p:cond delay="0"/>
+                                          </p:stCondLst>
+                                        </p:cTn>
+                                        <p:tgtEl>
+                                          <p:spTgt spid="4">
+                                            <p:txEl>
+                                              <p:pRg st="4" end="4"/>
+                                            </p:txEl>
+                                          </p:spTgt>
+                                        </p:tgtEl>
+                                        <p:attrNameLst>
+                                          <p:attrName>style.visibility</p:attrName>
+                                        </p:attrNameLst>
+                                      </p:cBhvr>
+                                      <p:to>
+                                        <p:strVal val="visible"/>
+                                      </p:to>
+                                    </p:set>
+                                    <p:animEffect transition="in" filter="fade">
+                                      <p:cBhvr>
+                                        <p:cTn id="35" dur="200"/>
+                                        <p:tgtEl>
+                                          <p:spTgt spid="4">
+                                            <p:txEl>
+                                              <p:pRg st="4" end="4"/>
+                                            </p:txEl>
+                                          </p:spTgt>
+                                        </p:tgtEl>
+                                      </p:cBhvr>
+                                    </p:animEffect>
+                                    <p:anim calcmode="lin" valueType="num">
+                                      <p:cBhvr>
+                                        <p:cTn id="36" dur="200" fill="hold"/>
+                                        <p:tgtEl>
+                                          <p:spTgt spid="4">
+                                            <p:txEl>
+                                              <p:pRg st="4" end="4"/>
+                                            </p:txEl>
+                                          </p:spTgt>
+                                        </p:tgtEl>
+                                        <p:attrNameLst>
+                                          <p:attrName>ppt_x</p:attrName>
+                                        </p:attrNameLst>
+                                      </p:cBhvr>
+                                      <p:tavLst>
+                                        <p:tav tm="0">
+                                          <p:val>
+                                            <p:strVal val="#ppt_x"/>
+                                          </p:val>
+                                        </p:tav>
+                                        <p:tav tm="100000">
+                                          <p:val>
+                                            <p:strVal val="#ppt_x"/>
+                                          </p:val>
+                                        </p:tav>
+                                      </p:tavLst>
+                                    </p:anim>
+                                    <p:anim calcmode="lin" valueType="num">
+                                      <p:cBhvr>
+                                        <p:cTn id="37" dur="200" fill="hold"/>
+                                        <p:tgtEl>
+                                          <p:spTgt spid="4">
+                                            <p:txEl>
+                                              <p:pRg st="4" end="4"/>
+                                            </p:txEl>
+                                          </p:spTgt>
+                                        </p:tgtEl>
+                                        <p:attrNameLst>
+                                          <p:attrName>ppt_y</p:attrName>
+                                        </p:attrNameLst>
+                                      </p:cBhvr>
+                                      <p:tavLst>
+                                        <p:tav tm="0">
+                                          <p:val>
+                                            <p:strVal val="#ppt_y+.1"/>
+                                          </p:val>
+                                        </p:tav>
+                                        <p:tav tm="100000">
+                                          <p:val>
+                                            <p:strVal val="#ppt_y"/>
+                                          </p:val>
+                                        </p:tav>
+                                      </p:tavLst>
+                                    </p:anim>
+                                  </p:childTnLst>
+                                </p:cTn>
+                              </p:par>
+                            </p:childTnLst>
+                          </p:cTn>
+                        </p:par>
+                      </p:childTnLst>
+                    </p:cTn>
+                  </p:par>
+                </p:childTnLst>
+              </p:cTn>
+              <p:prevCondLst>
+                <p:cond evt="onPrev" delay="0">
+                  <p:tgtEl>
+                    <p:sldTgt/>
+                  </p:tgtEl>
+                </p:cond>
+              </p:prevCondLst>
+              <p:nextCondLst>
+                <p:cond evt="onNext" delay="0">
+                  <p:tgtEl>
+                    <p:sldTgt/>
+                  </p:tgtEl>
+                </p:cond>
+              </p:nextCondLst>
+            </p:seq>
+          </p:childTnLst>
+        </p:cTn>
+      </p:par>
+    </p:tnLst>
+    <p:bldLst>
+      <p:bldP spid="10" grpId="0" animBg="1"/>
+      <p:bldP spid="2" grpId="0"/>
+      <p:bldP spid="10" grpId="1" animBg="1"/>
+      <p:bldP spid="2" grpId="1"/>
+    </p:bldLst>
+  </p:timing>
 </p:sld>
 </file>
 
@@ -13669,9 +17109,781 @@
   <p:clrMapOvr>
     <a:masterClrMapping/>
   </p:clrMapOvr>
-  <p:transition spd="slow">
-    <p:push dir="u"/>
-  </p:transition>
+  <mc:AlternateContent xmlns:mc="http://schemas.openxmlformats.org/markup-compatibility/2006">
+    <mc:Choice xmlns:p14="http://schemas.microsoft.com/office/powerpoint/2010/main" Requires="p14">
+      <p:transition spd="slow" p14:dur="1000">
+        <p:push/>
+      </p:transition>
+    </mc:Choice>
+    <mc:Fallback>
+      <p:transition spd="slow">
+        <p:push/>
+      </p:transition>
+    </mc:Fallback>
+  </mc:AlternateContent>
+  <p:timing>
+    <p:tnLst>
+      <p:par>
+        <p:cTn id="1" dur="indefinite" restart="never" nodeType="tmRoot">
+          <p:childTnLst>
+            <p:seq concurrent="1" nextAc="seek">
+              <p:cTn id="2" dur="indefinite" nodeType="mainSeq">
+                <p:childTnLst>
+                  <p:par>
+                    <p:cTn id="3" fill="hold">
+                      <p:stCondLst>
+                        <p:cond delay="indefinite"/>
+                        <p:cond evt="onBegin" delay="0">
+                          <p:tn val="2"/>
+                        </p:cond>
+                      </p:stCondLst>
+                      <p:childTnLst>
+                        <p:par>
+                          <p:cTn id="4" fill="hold">
+                            <p:stCondLst>
+                              <p:cond delay="0"/>
+                            </p:stCondLst>
+                            <p:childTnLst>
+                              <p:par>
+                                <p:cTn id="5" presetID="2" presetClass="entr" presetSubtype="8" fill="hold" grpId="0" nodeType="withEffect">
+                                  <p:stCondLst>
+                                    <p:cond delay="0"/>
+                                  </p:stCondLst>
+                                  <p:childTnLst>
+                                    <p:set>
+                                      <p:cBhvr>
+                                        <p:cTn id="6" dur="750" fill="hold">
+                                          <p:stCondLst>
+                                            <p:cond delay="0"/>
+                                          </p:stCondLst>
+                                        </p:cTn>
+                                        <p:tgtEl>
+                                          <p:spTgt spid="2"/>
+                                        </p:tgtEl>
+                                        <p:attrNameLst>
+                                          <p:attrName>style.visibility</p:attrName>
+                                        </p:attrNameLst>
+                                      </p:cBhvr>
+                                      <p:to>
+                                        <p:strVal val="visible"/>
+                                      </p:to>
+                                    </p:set>
+                                    <p:anim calcmode="lin" valueType="num">
+                                      <p:cBhvr additive="base">
+                                        <p:cTn id="7" dur="750" fill="hold"/>
+                                        <p:tgtEl>
+                                          <p:spTgt spid="2"/>
+                                        </p:tgtEl>
+                                        <p:attrNameLst>
+                                          <p:attrName>ppt_x</p:attrName>
+                                        </p:attrNameLst>
+                                      </p:cBhvr>
+                                      <p:tavLst>
+                                        <p:tav tm="0">
+                                          <p:val>
+                                            <p:strVal val="0-#ppt_w/2"/>
+                                          </p:val>
+                                        </p:tav>
+                                        <p:tav tm="100000">
+                                          <p:val>
+                                            <p:strVal val="#ppt_x"/>
+                                          </p:val>
+                                        </p:tav>
+                                      </p:tavLst>
+                                    </p:anim>
+                                    <p:anim calcmode="lin" valueType="num">
+                                      <p:cBhvr additive="base">
+                                        <p:cTn id="8" dur="750" fill="hold"/>
+                                        <p:tgtEl>
+                                          <p:spTgt spid="2"/>
+                                        </p:tgtEl>
+                                        <p:attrNameLst>
+                                          <p:attrName>ppt_y</p:attrName>
+                                        </p:attrNameLst>
+                                      </p:cBhvr>
+                                      <p:tavLst>
+                                        <p:tav tm="0">
+                                          <p:val>
+                                            <p:strVal val="#ppt_y"/>
+                                          </p:val>
+                                        </p:tav>
+                                        <p:tav tm="100000">
+                                          <p:val>
+                                            <p:strVal val="#ppt_y"/>
+                                          </p:val>
+                                        </p:tav>
+                                      </p:tavLst>
+                                    </p:anim>
+                                  </p:childTnLst>
+                                </p:cTn>
+                              </p:par>
+                              <p:par>
+                                <p:cTn id="9" presetID="2" presetClass="entr" presetSubtype="8" fill="hold" grpId="0" nodeType="withEffect">
+                                  <p:stCondLst>
+                                    <p:cond delay="0"/>
+                                  </p:stCondLst>
+                                  <p:childTnLst>
+                                    <p:set>
+                                      <p:cBhvr>
+                                        <p:cTn id="10" dur="750" fill="hold">
+                                          <p:stCondLst>
+                                            <p:cond delay="0"/>
+                                          </p:stCondLst>
+                                        </p:cTn>
+                                        <p:tgtEl>
+                                          <p:spTgt spid="10"/>
+                                        </p:tgtEl>
+                                        <p:attrNameLst>
+                                          <p:attrName>style.visibility</p:attrName>
+                                        </p:attrNameLst>
+                                      </p:cBhvr>
+                                      <p:to>
+                                        <p:strVal val="visible"/>
+                                      </p:to>
+                                    </p:set>
+                                    <p:anim calcmode="lin" valueType="num">
+                                      <p:cBhvr additive="base">
+                                        <p:cTn id="11" dur="750" fill="hold"/>
+                                        <p:tgtEl>
+                                          <p:spTgt spid="10"/>
+                                        </p:tgtEl>
+                                        <p:attrNameLst>
+                                          <p:attrName>ppt_x</p:attrName>
+                                        </p:attrNameLst>
+                                      </p:cBhvr>
+                                      <p:tavLst>
+                                        <p:tav tm="0">
+                                          <p:val>
+                                            <p:strVal val="0-#ppt_w/2"/>
+                                          </p:val>
+                                        </p:tav>
+                                        <p:tav tm="100000">
+                                          <p:val>
+                                            <p:strVal val="#ppt_x"/>
+                                          </p:val>
+                                        </p:tav>
+                                      </p:tavLst>
+                                    </p:anim>
+                                    <p:anim calcmode="lin" valueType="num">
+                                      <p:cBhvr additive="base">
+                                        <p:cTn id="12" dur="750" fill="hold"/>
+                                        <p:tgtEl>
+                                          <p:spTgt spid="10"/>
+                                        </p:tgtEl>
+                                        <p:attrNameLst>
+                                          <p:attrName>ppt_y</p:attrName>
+                                        </p:attrNameLst>
+                                      </p:cBhvr>
+                                      <p:tavLst>
+                                        <p:tav tm="0">
+                                          <p:val>
+                                            <p:strVal val="#ppt_y"/>
+                                          </p:val>
+                                        </p:tav>
+                                        <p:tav tm="100000">
+                                          <p:val>
+                                            <p:strVal val="#ppt_y"/>
+                                          </p:val>
+                                        </p:tav>
+                                      </p:tavLst>
+                                    </p:anim>
+                                  </p:childTnLst>
+                                </p:cTn>
+                              </p:par>
+                              <p:par>
+                                <p:cTn id="13" presetID="2" presetClass="entr" presetSubtype="2" fill="hold" nodeType="withEffect">
+                                  <p:stCondLst>
+                                    <p:cond delay="0"/>
+                                  </p:stCondLst>
+                                  <p:childTnLst>
+                                    <p:set>
+                                      <p:cBhvr>
+                                        <p:cTn id="14" dur="750" fill="hold">
+                                          <p:stCondLst>
+                                            <p:cond delay="0"/>
+                                          </p:stCondLst>
+                                        </p:cTn>
+                                        <p:tgtEl>
+                                          <p:spTgt spid="5"/>
+                                        </p:tgtEl>
+                                        <p:attrNameLst>
+                                          <p:attrName>style.visibility</p:attrName>
+                                        </p:attrNameLst>
+                                      </p:cBhvr>
+                                      <p:to>
+                                        <p:strVal val="visible"/>
+                                      </p:to>
+                                    </p:set>
+                                    <p:anim calcmode="lin" valueType="num">
+                                      <p:cBhvr additive="base">
+                                        <p:cTn id="15" dur="750" fill="hold"/>
+                                        <p:tgtEl>
+                                          <p:spTgt spid="5"/>
+                                        </p:tgtEl>
+                                        <p:attrNameLst>
+                                          <p:attrName>ppt_x</p:attrName>
+                                        </p:attrNameLst>
+                                      </p:cBhvr>
+                                      <p:tavLst>
+                                        <p:tav tm="0">
+                                          <p:val>
+                                            <p:strVal val="1+#ppt_w/2"/>
+                                          </p:val>
+                                        </p:tav>
+                                        <p:tav tm="100000">
+                                          <p:val>
+                                            <p:strVal val="#ppt_x"/>
+                                          </p:val>
+                                        </p:tav>
+                                      </p:tavLst>
+                                    </p:anim>
+                                    <p:anim calcmode="lin" valueType="num">
+                                      <p:cBhvr additive="base">
+                                        <p:cTn id="16" dur="750" fill="hold"/>
+                                        <p:tgtEl>
+                                          <p:spTgt spid="5"/>
+                                        </p:tgtEl>
+                                        <p:attrNameLst>
+                                          <p:attrName>ppt_y</p:attrName>
+                                        </p:attrNameLst>
+                                      </p:cBhvr>
+                                      <p:tavLst>
+                                        <p:tav tm="0">
+                                          <p:val>
+                                            <p:strVal val="#ppt_y"/>
+                                          </p:val>
+                                        </p:tav>
+                                        <p:tav tm="100000">
+                                          <p:val>
+                                            <p:strVal val="#ppt_y"/>
+                                          </p:val>
+                                        </p:tav>
+                                      </p:tavLst>
+                                    </p:anim>
+                                  </p:childTnLst>
+                                </p:cTn>
+                              </p:par>
+                              <p:par>
+                                <p:cTn id="17" presetID="42" presetClass="entr" presetSubtype="0" fill="hold" grpId="0" nodeType="withEffect">
+                                  <p:stCondLst>
+                                    <p:cond delay="0"/>
+                                  </p:stCondLst>
+                                  <p:childTnLst>
+                                    <p:set>
+                                      <p:cBhvr>
+                                        <p:cTn id="18" dur="750" fill="hold">
+                                          <p:stCondLst>
+                                            <p:cond delay="0"/>
+                                          </p:stCondLst>
+                                        </p:cTn>
+                                        <p:tgtEl>
+                                          <p:spTgt spid="6">
+                                            <p:txEl>
+                                              <p:pRg st="0" end="0"/>
+                                            </p:txEl>
+                                          </p:spTgt>
+                                        </p:tgtEl>
+                                        <p:attrNameLst>
+                                          <p:attrName>style.visibility</p:attrName>
+                                        </p:attrNameLst>
+                                      </p:cBhvr>
+                                      <p:to>
+                                        <p:strVal val="visible"/>
+                                      </p:to>
+                                    </p:set>
+                                    <p:animEffect transition="in" filter="fade">
+                                      <p:cBhvr>
+                                        <p:cTn id="19" dur="750"/>
+                                        <p:tgtEl>
+                                          <p:spTgt spid="6">
+                                            <p:txEl>
+                                              <p:pRg st="0" end="0"/>
+                                            </p:txEl>
+                                          </p:spTgt>
+                                        </p:tgtEl>
+                                      </p:cBhvr>
+                                    </p:animEffect>
+                                    <p:anim calcmode="lin" valueType="num">
+                                      <p:cBhvr>
+                                        <p:cTn id="20" dur="750" fill="hold"/>
+                                        <p:tgtEl>
+                                          <p:spTgt spid="6">
+                                            <p:txEl>
+                                              <p:pRg st="0" end="0"/>
+                                            </p:txEl>
+                                          </p:spTgt>
+                                        </p:tgtEl>
+                                        <p:attrNameLst>
+                                          <p:attrName>ppt_x</p:attrName>
+                                        </p:attrNameLst>
+                                      </p:cBhvr>
+                                      <p:tavLst>
+                                        <p:tav tm="0">
+                                          <p:val>
+                                            <p:strVal val="#ppt_x"/>
+                                          </p:val>
+                                        </p:tav>
+                                        <p:tav tm="100000">
+                                          <p:val>
+                                            <p:strVal val="#ppt_x"/>
+                                          </p:val>
+                                        </p:tav>
+                                      </p:tavLst>
+                                    </p:anim>
+                                    <p:anim calcmode="lin" valueType="num">
+                                      <p:cBhvr>
+                                        <p:cTn id="21" dur="750" fill="hold"/>
+                                        <p:tgtEl>
+                                          <p:spTgt spid="6">
+                                            <p:txEl>
+                                              <p:pRg st="0" end="0"/>
+                                            </p:txEl>
+                                          </p:spTgt>
+                                        </p:tgtEl>
+                                        <p:attrNameLst>
+                                          <p:attrName>ppt_y</p:attrName>
+                                        </p:attrNameLst>
+                                      </p:cBhvr>
+                                      <p:tavLst>
+                                        <p:tav tm="0">
+                                          <p:val>
+                                            <p:strVal val="#ppt_y+.1"/>
+                                          </p:val>
+                                        </p:tav>
+                                        <p:tav tm="100000">
+                                          <p:val>
+                                            <p:strVal val="#ppt_y"/>
+                                          </p:val>
+                                        </p:tav>
+                                      </p:tavLst>
+                                    </p:anim>
+                                  </p:childTnLst>
+                                </p:cTn>
+                              </p:par>
+                              <p:par>
+                                <p:cTn id="22" presetID="42" presetClass="entr" presetSubtype="0" fill="hold" grpId="0" nodeType="withEffect">
+                                  <p:stCondLst>
+                                    <p:cond delay="0"/>
+                                  </p:stCondLst>
+                                  <p:childTnLst>
+                                    <p:set>
+                                      <p:cBhvr>
+                                        <p:cTn id="23" dur="750" fill="hold">
+                                          <p:stCondLst>
+                                            <p:cond delay="0"/>
+                                          </p:stCondLst>
+                                        </p:cTn>
+                                        <p:tgtEl>
+                                          <p:spTgt spid="6">
+                                            <p:txEl>
+                                              <p:pRg st="1" end="1"/>
+                                            </p:txEl>
+                                          </p:spTgt>
+                                        </p:tgtEl>
+                                        <p:attrNameLst>
+                                          <p:attrName>style.visibility</p:attrName>
+                                        </p:attrNameLst>
+                                      </p:cBhvr>
+                                      <p:to>
+                                        <p:strVal val="visible"/>
+                                      </p:to>
+                                    </p:set>
+                                    <p:animEffect transition="in" filter="fade">
+                                      <p:cBhvr>
+                                        <p:cTn id="24" dur="750"/>
+                                        <p:tgtEl>
+                                          <p:spTgt spid="6">
+                                            <p:txEl>
+                                              <p:pRg st="1" end="1"/>
+                                            </p:txEl>
+                                          </p:spTgt>
+                                        </p:tgtEl>
+                                      </p:cBhvr>
+                                    </p:animEffect>
+                                    <p:anim calcmode="lin" valueType="num">
+                                      <p:cBhvr>
+                                        <p:cTn id="25" dur="750" fill="hold"/>
+                                        <p:tgtEl>
+                                          <p:spTgt spid="6">
+                                            <p:txEl>
+                                              <p:pRg st="1" end="1"/>
+                                            </p:txEl>
+                                          </p:spTgt>
+                                        </p:tgtEl>
+                                        <p:attrNameLst>
+                                          <p:attrName>ppt_x</p:attrName>
+                                        </p:attrNameLst>
+                                      </p:cBhvr>
+                                      <p:tavLst>
+                                        <p:tav tm="0">
+                                          <p:val>
+                                            <p:strVal val="#ppt_x"/>
+                                          </p:val>
+                                        </p:tav>
+                                        <p:tav tm="100000">
+                                          <p:val>
+                                            <p:strVal val="#ppt_x"/>
+                                          </p:val>
+                                        </p:tav>
+                                      </p:tavLst>
+                                    </p:anim>
+                                    <p:anim calcmode="lin" valueType="num">
+                                      <p:cBhvr>
+                                        <p:cTn id="26" dur="750" fill="hold"/>
+                                        <p:tgtEl>
+                                          <p:spTgt spid="6">
+                                            <p:txEl>
+                                              <p:pRg st="1" end="1"/>
+                                            </p:txEl>
+                                          </p:spTgt>
+                                        </p:tgtEl>
+                                        <p:attrNameLst>
+                                          <p:attrName>ppt_y</p:attrName>
+                                        </p:attrNameLst>
+                                      </p:cBhvr>
+                                      <p:tavLst>
+                                        <p:tav tm="0">
+                                          <p:val>
+                                            <p:strVal val="#ppt_y+.1"/>
+                                          </p:val>
+                                        </p:tav>
+                                        <p:tav tm="100000">
+                                          <p:val>
+                                            <p:strVal val="#ppt_y"/>
+                                          </p:val>
+                                        </p:tav>
+                                      </p:tavLst>
+                                    </p:anim>
+                                  </p:childTnLst>
+                                </p:cTn>
+                              </p:par>
+                              <p:par>
+                                <p:cTn id="27" presetID="42" presetClass="entr" presetSubtype="0" fill="hold" grpId="0" nodeType="withEffect">
+                                  <p:stCondLst>
+                                    <p:cond delay="0"/>
+                                  </p:stCondLst>
+                                  <p:childTnLst>
+                                    <p:set>
+                                      <p:cBhvr>
+                                        <p:cTn id="28" dur="750" fill="hold">
+                                          <p:stCondLst>
+                                            <p:cond delay="0"/>
+                                          </p:stCondLst>
+                                        </p:cTn>
+                                        <p:tgtEl>
+                                          <p:spTgt spid="6">
+                                            <p:txEl>
+                                              <p:pRg st="2" end="2"/>
+                                            </p:txEl>
+                                          </p:spTgt>
+                                        </p:tgtEl>
+                                        <p:attrNameLst>
+                                          <p:attrName>style.visibility</p:attrName>
+                                        </p:attrNameLst>
+                                      </p:cBhvr>
+                                      <p:to>
+                                        <p:strVal val="visible"/>
+                                      </p:to>
+                                    </p:set>
+                                    <p:animEffect transition="in" filter="fade">
+                                      <p:cBhvr>
+                                        <p:cTn id="29" dur="750"/>
+                                        <p:tgtEl>
+                                          <p:spTgt spid="6">
+                                            <p:txEl>
+                                              <p:pRg st="2" end="2"/>
+                                            </p:txEl>
+                                          </p:spTgt>
+                                        </p:tgtEl>
+                                      </p:cBhvr>
+                                    </p:animEffect>
+                                    <p:anim calcmode="lin" valueType="num">
+                                      <p:cBhvr>
+                                        <p:cTn id="30" dur="750" fill="hold"/>
+                                        <p:tgtEl>
+                                          <p:spTgt spid="6">
+                                            <p:txEl>
+                                              <p:pRg st="2" end="2"/>
+                                            </p:txEl>
+                                          </p:spTgt>
+                                        </p:tgtEl>
+                                        <p:attrNameLst>
+                                          <p:attrName>ppt_x</p:attrName>
+                                        </p:attrNameLst>
+                                      </p:cBhvr>
+                                      <p:tavLst>
+                                        <p:tav tm="0">
+                                          <p:val>
+                                            <p:strVal val="#ppt_x"/>
+                                          </p:val>
+                                        </p:tav>
+                                        <p:tav tm="100000">
+                                          <p:val>
+                                            <p:strVal val="#ppt_x"/>
+                                          </p:val>
+                                        </p:tav>
+                                      </p:tavLst>
+                                    </p:anim>
+                                    <p:anim calcmode="lin" valueType="num">
+                                      <p:cBhvr>
+                                        <p:cTn id="31" dur="750" fill="hold"/>
+                                        <p:tgtEl>
+                                          <p:spTgt spid="6">
+                                            <p:txEl>
+                                              <p:pRg st="2" end="2"/>
+                                            </p:txEl>
+                                          </p:spTgt>
+                                        </p:tgtEl>
+                                        <p:attrNameLst>
+                                          <p:attrName>ppt_y</p:attrName>
+                                        </p:attrNameLst>
+                                      </p:cBhvr>
+                                      <p:tavLst>
+                                        <p:tav tm="0">
+                                          <p:val>
+                                            <p:strVal val="#ppt_y+.1"/>
+                                          </p:val>
+                                        </p:tav>
+                                        <p:tav tm="100000">
+                                          <p:val>
+                                            <p:strVal val="#ppt_y"/>
+                                          </p:val>
+                                        </p:tav>
+                                      </p:tavLst>
+                                    </p:anim>
+                                  </p:childTnLst>
+                                </p:cTn>
+                              </p:par>
+                              <p:par>
+                                <p:cTn id="32" presetID="42" presetClass="entr" presetSubtype="0" fill="hold" grpId="0" nodeType="withEffect">
+                                  <p:stCondLst>
+                                    <p:cond delay="0"/>
+                                  </p:stCondLst>
+                                  <p:childTnLst>
+                                    <p:set>
+                                      <p:cBhvr>
+                                        <p:cTn id="33" dur="750" fill="hold">
+                                          <p:stCondLst>
+                                            <p:cond delay="0"/>
+                                          </p:stCondLst>
+                                        </p:cTn>
+                                        <p:tgtEl>
+                                          <p:spTgt spid="6">
+                                            <p:txEl>
+                                              <p:pRg st="3" end="3"/>
+                                            </p:txEl>
+                                          </p:spTgt>
+                                        </p:tgtEl>
+                                        <p:attrNameLst>
+                                          <p:attrName>style.visibility</p:attrName>
+                                        </p:attrNameLst>
+                                      </p:cBhvr>
+                                      <p:to>
+                                        <p:strVal val="visible"/>
+                                      </p:to>
+                                    </p:set>
+                                    <p:animEffect transition="in" filter="fade">
+                                      <p:cBhvr>
+                                        <p:cTn id="34" dur="750"/>
+                                        <p:tgtEl>
+                                          <p:spTgt spid="6">
+                                            <p:txEl>
+                                              <p:pRg st="3" end="3"/>
+                                            </p:txEl>
+                                          </p:spTgt>
+                                        </p:tgtEl>
+                                      </p:cBhvr>
+                                    </p:animEffect>
+                                    <p:anim calcmode="lin" valueType="num">
+                                      <p:cBhvr>
+                                        <p:cTn id="35" dur="750" fill="hold"/>
+                                        <p:tgtEl>
+                                          <p:spTgt spid="6">
+                                            <p:txEl>
+                                              <p:pRg st="3" end="3"/>
+                                            </p:txEl>
+                                          </p:spTgt>
+                                        </p:tgtEl>
+                                        <p:attrNameLst>
+                                          <p:attrName>ppt_x</p:attrName>
+                                        </p:attrNameLst>
+                                      </p:cBhvr>
+                                      <p:tavLst>
+                                        <p:tav tm="0">
+                                          <p:val>
+                                            <p:strVal val="#ppt_x"/>
+                                          </p:val>
+                                        </p:tav>
+                                        <p:tav tm="100000">
+                                          <p:val>
+                                            <p:strVal val="#ppt_x"/>
+                                          </p:val>
+                                        </p:tav>
+                                      </p:tavLst>
+                                    </p:anim>
+                                    <p:anim calcmode="lin" valueType="num">
+                                      <p:cBhvr>
+                                        <p:cTn id="36" dur="750" fill="hold"/>
+                                        <p:tgtEl>
+                                          <p:spTgt spid="6">
+                                            <p:txEl>
+                                              <p:pRg st="3" end="3"/>
+                                            </p:txEl>
+                                          </p:spTgt>
+                                        </p:tgtEl>
+                                        <p:attrNameLst>
+                                          <p:attrName>ppt_y</p:attrName>
+                                        </p:attrNameLst>
+                                      </p:cBhvr>
+                                      <p:tavLst>
+                                        <p:tav tm="0">
+                                          <p:val>
+                                            <p:strVal val="#ppt_y+.1"/>
+                                          </p:val>
+                                        </p:tav>
+                                        <p:tav tm="100000">
+                                          <p:val>
+                                            <p:strVal val="#ppt_y"/>
+                                          </p:val>
+                                        </p:tav>
+                                      </p:tavLst>
+                                    </p:anim>
+                                  </p:childTnLst>
+                                </p:cTn>
+                              </p:par>
+                              <p:par>
+                                <p:cTn id="37" presetID="42" presetClass="entr" presetSubtype="0" fill="hold" grpId="0" nodeType="withEffect">
+                                  <p:stCondLst>
+                                    <p:cond delay="0"/>
+                                  </p:stCondLst>
+                                  <p:childTnLst>
+                                    <p:set>
+                                      <p:cBhvr>
+                                        <p:cTn id="38" dur="750" fill="hold">
+                                          <p:stCondLst>
+                                            <p:cond delay="0"/>
+                                          </p:stCondLst>
+                                        </p:cTn>
+                                        <p:tgtEl>
+                                          <p:spTgt spid="6">
+                                            <p:txEl>
+                                              <p:pRg st="4" end="4"/>
+                                            </p:txEl>
+                                          </p:spTgt>
+                                        </p:tgtEl>
+                                        <p:attrNameLst>
+                                          <p:attrName>style.visibility</p:attrName>
+                                        </p:attrNameLst>
+                                      </p:cBhvr>
+                                      <p:to>
+                                        <p:strVal val="visible"/>
+                                      </p:to>
+                                    </p:set>
+                                    <p:animEffect transition="in" filter="fade">
+                                      <p:cBhvr>
+                                        <p:cTn id="39" dur="750"/>
+                                        <p:tgtEl>
+                                          <p:spTgt spid="6">
+                                            <p:txEl>
+                                              <p:pRg st="4" end="4"/>
+                                            </p:txEl>
+                                          </p:spTgt>
+                                        </p:tgtEl>
+                                      </p:cBhvr>
+                                    </p:animEffect>
+                                    <p:anim calcmode="lin" valueType="num">
+                                      <p:cBhvr>
+                                        <p:cTn id="40" dur="750" fill="hold"/>
+                                        <p:tgtEl>
+                                          <p:spTgt spid="6">
+                                            <p:txEl>
+                                              <p:pRg st="4" end="4"/>
+                                            </p:txEl>
+                                          </p:spTgt>
+                                        </p:tgtEl>
+                                        <p:attrNameLst>
+                                          <p:attrName>ppt_x</p:attrName>
+                                        </p:attrNameLst>
+                                      </p:cBhvr>
+                                      <p:tavLst>
+                                        <p:tav tm="0">
+                                          <p:val>
+                                            <p:strVal val="#ppt_x"/>
+                                          </p:val>
+                                        </p:tav>
+                                        <p:tav tm="100000">
+                                          <p:val>
+                                            <p:strVal val="#ppt_x"/>
+                                          </p:val>
+                                        </p:tav>
+                                      </p:tavLst>
+                                    </p:anim>
+                                    <p:anim calcmode="lin" valueType="num">
+                                      <p:cBhvr>
+                                        <p:cTn id="41" dur="750" fill="hold"/>
+                                        <p:tgtEl>
+                                          <p:spTgt spid="6">
+                                            <p:txEl>
+                                              <p:pRg st="4" end="4"/>
+                                            </p:txEl>
+                                          </p:spTgt>
+                                        </p:tgtEl>
+                                        <p:attrNameLst>
+                                          <p:attrName>ppt_y</p:attrName>
+                                        </p:attrNameLst>
+                                      </p:cBhvr>
+                                      <p:tavLst>
+                                        <p:tav tm="0">
+                                          <p:val>
+                                            <p:strVal val="#ppt_y+.1"/>
+                                          </p:val>
+                                        </p:tav>
+                                        <p:tav tm="100000">
+                                          <p:val>
+                                            <p:strVal val="#ppt_y"/>
+                                          </p:val>
+                                        </p:tav>
+                                      </p:tavLst>
+                                    </p:anim>
+                                  </p:childTnLst>
+                                </p:cTn>
+                              </p:par>
+                            </p:childTnLst>
+                          </p:cTn>
+                        </p:par>
+                      </p:childTnLst>
+                    </p:cTn>
+                  </p:par>
+                </p:childTnLst>
+              </p:cTn>
+              <p:prevCondLst>
+                <p:cond evt="onPrev" delay="0">
+                  <p:tgtEl>
+                    <p:sldTgt/>
+                  </p:tgtEl>
+                </p:cond>
+              </p:prevCondLst>
+              <p:nextCondLst>
+                <p:cond evt="onNext" delay="0">
+                  <p:tgtEl>
+                    <p:sldTgt/>
+                  </p:tgtEl>
+                </p:cond>
+              </p:nextCondLst>
+            </p:seq>
+          </p:childTnLst>
+        </p:cTn>
+      </p:par>
+    </p:tnLst>
+    <p:bldLst>
+      <p:bldP spid="2" grpId="0"/>
+      <p:bldP spid="10" grpId="0" animBg="1"/>
+      <p:bldP spid="2" grpId="1"/>
+      <p:bldP spid="10" grpId="1" animBg="1"/>
+      <p:bldP spid="6" grpId="0" uiExpand="1" build="p"/>
+      <p:bldP spid="6" grpId="1"/>
+    </p:bldLst>
+  </p:timing>
 </p:sld>
 </file>
 
@@ -14382,9 +18594,1044 @@
   <p:clrMapOvr>
     <a:masterClrMapping/>
   </p:clrMapOvr>
-  <p:transition spd="slow">
-    <p:push dir="u"/>
-  </p:transition>
+  <mc:AlternateContent xmlns:mc="http://schemas.openxmlformats.org/markup-compatibility/2006">
+    <mc:Choice xmlns:p14="http://schemas.microsoft.com/office/powerpoint/2010/main" Requires="p14">
+      <p:transition spd="med" p14:dur="649">
+        <p14:prism dir="u"/>
+      </p:transition>
+    </mc:Choice>
+    <mc:Fallback>
+      <p:transition spd="med">
+        <p:fade/>
+      </p:transition>
+    </mc:Fallback>
+  </mc:AlternateContent>
+  <p:timing>
+    <p:tnLst>
+      <p:par>
+        <p:cTn id="1" dur="indefinite" restart="never" nodeType="tmRoot">
+          <p:childTnLst>
+            <p:seq concurrent="1" nextAc="seek">
+              <p:cTn id="2" dur="indefinite" nodeType="mainSeq">
+                <p:childTnLst>
+                  <p:par>
+                    <p:cTn id="3" fill="hold">
+                      <p:stCondLst>
+                        <p:cond delay="indefinite"/>
+                        <p:cond evt="onBegin" delay="0">
+                          <p:tn val="2"/>
+                        </p:cond>
+                      </p:stCondLst>
+                      <p:childTnLst>
+                        <p:par>
+                          <p:cTn id="4" fill="hold">
+                            <p:stCondLst>
+                              <p:cond delay="0"/>
+                            </p:stCondLst>
+                            <p:childTnLst>
+                              <p:par>
+                                <p:cTn id="5" presetID="2" presetClass="entr" presetSubtype="2" fill="hold" nodeType="afterEffect">
+                                  <p:stCondLst>
+                                    <p:cond delay="0"/>
+                                  </p:stCondLst>
+                                  <p:childTnLst>
+                                    <p:set>
+                                      <p:cBhvr>
+                                        <p:cTn id="6" dur="250" fill="hold">
+                                          <p:stCondLst>
+                                            <p:cond delay="0"/>
+                                          </p:stCondLst>
+                                        </p:cTn>
+                                        <p:tgtEl>
+                                          <p:spTgt spid="6">
+                                            <p:txEl>
+                                              <p:pRg st="0" end="0"/>
+                                            </p:txEl>
+                                          </p:spTgt>
+                                        </p:tgtEl>
+                                        <p:attrNameLst>
+                                          <p:attrName>style.visibility</p:attrName>
+                                        </p:attrNameLst>
+                                      </p:cBhvr>
+                                      <p:to>
+                                        <p:strVal val="visible"/>
+                                      </p:to>
+                                    </p:set>
+                                    <p:anim calcmode="lin" valueType="num">
+                                      <p:cBhvr additive="base">
+                                        <p:cTn id="7" dur="250" fill="hold"/>
+                                        <p:tgtEl>
+                                          <p:spTgt spid="6">
+                                            <p:txEl>
+                                              <p:pRg st="0" end="0"/>
+                                            </p:txEl>
+                                          </p:spTgt>
+                                        </p:tgtEl>
+                                        <p:attrNameLst>
+                                          <p:attrName>ppt_x</p:attrName>
+                                        </p:attrNameLst>
+                                      </p:cBhvr>
+                                      <p:tavLst>
+                                        <p:tav tm="0">
+                                          <p:val>
+                                            <p:strVal val="1+#ppt_w/2"/>
+                                          </p:val>
+                                        </p:tav>
+                                        <p:tav tm="100000">
+                                          <p:val>
+                                            <p:strVal val="#ppt_x"/>
+                                          </p:val>
+                                        </p:tav>
+                                      </p:tavLst>
+                                    </p:anim>
+                                    <p:anim calcmode="lin" valueType="num">
+                                      <p:cBhvr additive="base">
+                                        <p:cTn id="8" dur="250" fill="hold"/>
+                                        <p:tgtEl>
+                                          <p:spTgt spid="6">
+                                            <p:txEl>
+                                              <p:pRg st="0" end="0"/>
+                                            </p:txEl>
+                                          </p:spTgt>
+                                        </p:tgtEl>
+                                        <p:attrNameLst>
+                                          <p:attrName>ppt_y</p:attrName>
+                                        </p:attrNameLst>
+                                      </p:cBhvr>
+                                      <p:tavLst>
+                                        <p:tav tm="0">
+                                          <p:val>
+                                            <p:strVal val="#ppt_y"/>
+                                          </p:val>
+                                        </p:tav>
+                                        <p:tav tm="100000">
+                                          <p:val>
+                                            <p:strVal val="#ppt_y"/>
+                                          </p:val>
+                                        </p:tav>
+                                      </p:tavLst>
+                                    </p:anim>
+                                  </p:childTnLst>
+                                </p:cTn>
+                              </p:par>
+                            </p:childTnLst>
+                          </p:cTn>
+                        </p:par>
+                        <p:par>
+                          <p:cTn id="9" fill="hold">
+                            <p:stCondLst>
+                              <p:cond delay="500"/>
+                            </p:stCondLst>
+                            <p:childTnLst>
+                              <p:par>
+                                <p:cTn id="10" presetID="2" presetClass="entr" presetSubtype="2" fill="hold" nodeType="afterEffect">
+                                  <p:stCondLst>
+                                    <p:cond delay="0"/>
+                                  </p:stCondLst>
+                                  <p:childTnLst>
+                                    <p:set>
+                                      <p:cBhvr>
+                                        <p:cTn id="11" dur="250" fill="hold">
+                                          <p:stCondLst>
+                                            <p:cond delay="0"/>
+                                          </p:stCondLst>
+                                        </p:cTn>
+                                        <p:tgtEl>
+                                          <p:spTgt spid="6">
+                                            <p:txEl>
+                                              <p:pRg st="1" end="1"/>
+                                            </p:txEl>
+                                          </p:spTgt>
+                                        </p:tgtEl>
+                                        <p:attrNameLst>
+                                          <p:attrName>style.visibility</p:attrName>
+                                        </p:attrNameLst>
+                                      </p:cBhvr>
+                                      <p:to>
+                                        <p:strVal val="visible"/>
+                                      </p:to>
+                                    </p:set>
+                                    <p:anim calcmode="lin" valueType="num">
+                                      <p:cBhvr additive="base">
+                                        <p:cTn id="12" dur="250" fill="hold"/>
+                                        <p:tgtEl>
+                                          <p:spTgt spid="6">
+                                            <p:txEl>
+                                              <p:pRg st="1" end="1"/>
+                                            </p:txEl>
+                                          </p:spTgt>
+                                        </p:tgtEl>
+                                        <p:attrNameLst>
+                                          <p:attrName>ppt_x</p:attrName>
+                                        </p:attrNameLst>
+                                      </p:cBhvr>
+                                      <p:tavLst>
+                                        <p:tav tm="0">
+                                          <p:val>
+                                            <p:strVal val="1+#ppt_w/2"/>
+                                          </p:val>
+                                        </p:tav>
+                                        <p:tav tm="100000">
+                                          <p:val>
+                                            <p:strVal val="#ppt_x"/>
+                                          </p:val>
+                                        </p:tav>
+                                      </p:tavLst>
+                                    </p:anim>
+                                    <p:anim calcmode="lin" valueType="num">
+                                      <p:cBhvr additive="base">
+                                        <p:cTn id="13" dur="250" fill="hold"/>
+                                        <p:tgtEl>
+                                          <p:spTgt spid="6">
+                                            <p:txEl>
+                                              <p:pRg st="1" end="1"/>
+                                            </p:txEl>
+                                          </p:spTgt>
+                                        </p:tgtEl>
+                                        <p:attrNameLst>
+                                          <p:attrName>ppt_y</p:attrName>
+                                        </p:attrNameLst>
+                                      </p:cBhvr>
+                                      <p:tavLst>
+                                        <p:tav tm="0">
+                                          <p:val>
+                                            <p:strVal val="#ppt_y"/>
+                                          </p:val>
+                                        </p:tav>
+                                        <p:tav tm="100000">
+                                          <p:val>
+                                            <p:strVal val="#ppt_y"/>
+                                          </p:val>
+                                        </p:tav>
+                                      </p:tavLst>
+                                    </p:anim>
+                                  </p:childTnLst>
+                                </p:cTn>
+                              </p:par>
+                            </p:childTnLst>
+                          </p:cTn>
+                        </p:par>
+                        <p:par>
+                          <p:cTn id="14" fill="hold">
+                            <p:stCondLst>
+                              <p:cond delay="1000"/>
+                            </p:stCondLst>
+                            <p:childTnLst>
+                              <p:par>
+                                <p:cTn id="15" presetID="2" presetClass="entr" presetSubtype="2" fill="hold" nodeType="afterEffect">
+                                  <p:stCondLst>
+                                    <p:cond delay="0"/>
+                                  </p:stCondLst>
+                                  <p:childTnLst>
+                                    <p:set>
+                                      <p:cBhvr>
+                                        <p:cTn id="16" dur="250" fill="hold">
+                                          <p:stCondLst>
+                                            <p:cond delay="0"/>
+                                          </p:stCondLst>
+                                        </p:cTn>
+                                        <p:tgtEl>
+                                          <p:spTgt spid="6">
+                                            <p:txEl>
+                                              <p:pRg st="2" end="2"/>
+                                            </p:txEl>
+                                          </p:spTgt>
+                                        </p:tgtEl>
+                                        <p:attrNameLst>
+                                          <p:attrName>style.visibility</p:attrName>
+                                        </p:attrNameLst>
+                                      </p:cBhvr>
+                                      <p:to>
+                                        <p:strVal val="visible"/>
+                                      </p:to>
+                                    </p:set>
+                                    <p:anim calcmode="lin" valueType="num">
+                                      <p:cBhvr additive="base">
+                                        <p:cTn id="17" dur="250" fill="hold"/>
+                                        <p:tgtEl>
+                                          <p:spTgt spid="6">
+                                            <p:txEl>
+                                              <p:pRg st="2" end="2"/>
+                                            </p:txEl>
+                                          </p:spTgt>
+                                        </p:tgtEl>
+                                        <p:attrNameLst>
+                                          <p:attrName>ppt_x</p:attrName>
+                                        </p:attrNameLst>
+                                      </p:cBhvr>
+                                      <p:tavLst>
+                                        <p:tav tm="0">
+                                          <p:val>
+                                            <p:strVal val="1+#ppt_w/2"/>
+                                          </p:val>
+                                        </p:tav>
+                                        <p:tav tm="100000">
+                                          <p:val>
+                                            <p:strVal val="#ppt_x"/>
+                                          </p:val>
+                                        </p:tav>
+                                      </p:tavLst>
+                                    </p:anim>
+                                    <p:anim calcmode="lin" valueType="num">
+                                      <p:cBhvr additive="base">
+                                        <p:cTn id="18" dur="250" fill="hold"/>
+                                        <p:tgtEl>
+                                          <p:spTgt spid="6">
+                                            <p:txEl>
+                                              <p:pRg st="2" end="2"/>
+                                            </p:txEl>
+                                          </p:spTgt>
+                                        </p:tgtEl>
+                                        <p:attrNameLst>
+                                          <p:attrName>ppt_y</p:attrName>
+                                        </p:attrNameLst>
+                                      </p:cBhvr>
+                                      <p:tavLst>
+                                        <p:tav tm="0">
+                                          <p:val>
+                                            <p:strVal val="#ppt_y"/>
+                                          </p:val>
+                                        </p:tav>
+                                        <p:tav tm="100000">
+                                          <p:val>
+                                            <p:strVal val="#ppt_y"/>
+                                          </p:val>
+                                        </p:tav>
+                                      </p:tavLst>
+                                    </p:anim>
+                                  </p:childTnLst>
+                                </p:cTn>
+                              </p:par>
+                            </p:childTnLst>
+                          </p:cTn>
+                        </p:par>
+                        <p:par>
+                          <p:cTn id="19" fill="hold">
+                            <p:stCondLst>
+                              <p:cond delay="1500"/>
+                            </p:stCondLst>
+                            <p:childTnLst>
+                              <p:par>
+                                <p:cTn id="20" presetID="2" presetClass="entr" presetSubtype="2" fill="hold" nodeType="afterEffect">
+                                  <p:stCondLst>
+                                    <p:cond delay="0"/>
+                                  </p:stCondLst>
+                                  <p:childTnLst>
+                                    <p:set>
+                                      <p:cBhvr>
+                                        <p:cTn id="21" dur="250" fill="hold">
+                                          <p:stCondLst>
+                                            <p:cond delay="0"/>
+                                          </p:stCondLst>
+                                        </p:cTn>
+                                        <p:tgtEl>
+                                          <p:spTgt spid="6">
+                                            <p:txEl>
+                                              <p:pRg st="3" end="3"/>
+                                            </p:txEl>
+                                          </p:spTgt>
+                                        </p:tgtEl>
+                                        <p:attrNameLst>
+                                          <p:attrName>style.visibility</p:attrName>
+                                        </p:attrNameLst>
+                                      </p:cBhvr>
+                                      <p:to>
+                                        <p:strVal val="visible"/>
+                                      </p:to>
+                                    </p:set>
+                                    <p:anim calcmode="lin" valueType="num">
+                                      <p:cBhvr additive="base">
+                                        <p:cTn id="22" dur="250" fill="hold"/>
+                                        <p:tgtEl>
+                                          <p:spTgt spid="6">
+                                            <p:txEl>
+                                              <p:pRg st="3" end="3"/>
+                                            </p:txEl>
+                                          </p:spTgt>
+                                        </p:tgtEl>
+                                        <p:attrNameLst>
+                                          <p:attrName>ppt_x</p:attrName>
+                                        </p:attrNameLst>
+                                      </p:cBhvr>
+                                      <p:tavLst>
+                                        <p:tav tm="0">
+                                          <p:val>
+                                            <p:strVal val="1+#ppt_w/2"/>
+                                          </p:val>
+                                        </p:tav>
+                                        <p:tav tm="100000">
+                                          <p:val>
+                                            <p:strVal val="#ppt_x"/>
+                                          </p:val>
+                                        </p:tav>
+                                      </p:tavLst>
+                                    </p:anim>
+                                    <p:anim calcmode="lin" valueType="num">
+                                      <p:cBhvr additive="base">
+                                        <p:cTn id="23" dur="250" fill="hold"/>
+                                        <p:tgtEl>
+                                          <p:spTgt spid="6">
+                                            <p:txEl>
+                                              <p:pRg st="3" end="3"/>
+                                            </p:txEl>
+                                          </p:spTgt>
+                                        </p:tgtEl>
+                                        <p:attrNameLst>
+                                          <p:attrName>ppt_y</p:attrName>
+                                        </p:attrNameLst>
+                                      </p:cBhvr>
+                                      <p:tavLst>
+                                        <p:tav tm="0">
+                                          <p:val>
+                                            <p:strVal val="#ppt_y"/>
+                                          </p:val>
+                                        </p:tav>
+                                        <p:tav tm="100000">
+                                          <p:val>
+                                            <p:strVal val="#ppt_y"/>
+                                          </p:val>
+                                        </p:tav>
+                                      </p:tavLst>
+                                    </p:anim>
+                                  </p:childTnLst>
+                                </p:cTn>
+                              </p:par>
+                            </p:childTnLst>
+                          </p:cTn>
+                        </p:par>
+                        <p:par>
+                          <p:cTn id="24" fill="hold">
+                            <p:stCondLst>
+                              <p:cond delay="2000"/>
+                            </p:stCondLst>
+                            <p:childTnLst>
+                              <p:par>
+                                <p:cTn id="25" presetID="2" presetClass="entr" presetSubtype="2" fill="hold" nodeType="afterEffect">
+                                  <p:stCondLst>
+                                    <p:cond delay="0"/>
+                                  </p:stCondLst>
+                                  <p:childTnLst>
+                                    <p:set>
+                                      <p:cBhvr>
+                                        <p:cTn id="26" dur="250" fill="hold">
+                                          <p:stCondLst>
+                                            <p:cond delay="0"/>
+                                          </p:stCondLst>
+                                        </p:cTn>
+                                        <p:tgtEl>
+                                          <p:spTgt spid="6">
+                                            <p:txEl>
+                                              <p:pRg st="4" end="4"/>
+                                            </p:txEl>
+                                          </p:spTgt>
+                                        </p:tgtEl>
+                                        <p:attrNameLst>
+                                          <p:attrName>style.visibility</p:attrName>
+                                        </p:attrNameLst>
+                                      </p:cBhvr>
+                                      <p:to>
+                                        <p:strVal val="visible"/>
+                                      </p:to>
+                                    </p:set>
+                                    <p:anim calcmode="lin" valueType="num">
+                                      <p:cBhvr additive="base">
+                                        <p:cTn id="27" dur="250" fill="hold"/>
+                                        <p:tgtEl>
+                                          <p:spTgt spid="6">
+                                            <p:txEl>
+                                              <p:pRg st="4" end="4"/>
+                                            </p:txEl>
+                                          </p:spTgt>
+                                        </p:tgtEl>
+                                        <p:attrNameLst>
+                                          <p:attrName>ppt_x</p:attrName>
+                                        </p:attrNameLst>
+                                      </p:cBhvr>
+                                      <p:tavLst>
+                                        <p:tav tm="0">
+                                          <p:val>
+                                            <p:strVal val="1+#ppt_w/2"/>
+                                          </p:val>
+                                        </p:tav>
+                                        <p:tav tm="100000">
+                                          <p:val>
+                                            <p:strVal val="#ppt_x"/>
+                                          </p:val>
+                                        </p:tav>
+                                      </p:tavLst>
+                                    </p:anim>
+                                    <p:anim calcmode="lin" valueType="num">
+                                      <p:cBhvr additive="base">
+                                        <p:cTn id="28" dur="250" fill="hold"/>
+                                        <p:tgtEl>
+                                          <p:spTgt spid="6">
+                                            <p:txEl>
+                                              <p:pRg st="4" end="4"/>
+                                            </p:txEl>
+                                          </p:spTgt>
+                                        </p:tgtEl>
+                                        <p:attrNameLst>
+                                          <p:attrName>ppt_y</p:attrName>
+                                        </p:attrNameLst>
+                                      </p:cBhvr>
+                                      <p:tavLst>
+                                        <p:tav tm="0">
+                                          <p:val>
+                                            <p:strVal val="#ppt_y"/>
+                                          </p:val>
+                                        </p:tav>
+                                        <p:tav tm="100000">
+                                          <p:val>
+                                            <p:strVal val="#ppt_y"/>
+                                          </p:val>
+                                        </p:tav>
+                                      </p:tavLst>
+                                    </p:anim>
+                                  </p:childTnLst>
+                                </p:cTn>
+                              </p:par>
+                            </p:childTnLst>
+                          </p:cTn>
+                        </p:par>
+                        <p:par>
+                          <p:cTn id="29" fill="hold">
+                            <p:stCondLst>
+                              <p:cond delay="2500"/>
+                            </p:stCondLst>
+                            <p:childTnLst>
+                              <p:par>
+                                <p:cTn id="30" presetID="2" presetClass="entr" presetSubtype="2" fill="hold" nodeType="afterEffect">
+                                  <p:stCondLst>
+                                    <p:cond delay="0"/>
+                                  </p:stCondLst>
+                                  <p:childTnLst>
+                                    <p:set>
+                                      <p:cBhvr>
+                                        <p:cTn id="31" dur="250" fill="hold">
+                                          <p:stCondLst>
+                                            <p:cond delay="0"/>
+                                          </p:stCondLst>
+                                        </p:cTn>
+                                        <p:tgtEl>
+                                          <p:spTgt spid="6">
+                                            <p:txEl>
+                                              <p:pRg st="5" end="5"/>
+                                            </p:txEl>
+                                          </p:spTgt>
+                                        </p:tgtEl>
+                                        <p:attrNameLst>
+                                          <p:attrName>style.visibility</p:attrName>
+                                        </p:attrNameLst>
+                                      </p:cBhvr>
+                                      <p:to>
+                                        <p:strVal val="visible"/>
+                                      </p:to>
+                                    </p:set>
+                                    <p:anim calcmode="lin" valueType="num">
+                                      <p:cBhvr additive="base">
+                                        <p:cTn id="32" dur="250" fill="hold"/>
+                                        <p:tgtEl>
+                                          <p:spTgt spid="6">
+                                            <p:txEl>
+                                              <p:pRg st="5" end="5"/>
+                                            </p:txEl>
+                                          </p:spTgt>
+                                        </p:tgtEl>
+                                        <p:attrNameLst>
+                                          <p:attrName>ppt_x</p:attrName>
+                                        </p:attrNameLst>
+                                      </p:cBhvr>
+                                      <p:tavLst>
+                                        <p:tav tm="0">
+                                          <p:val>
+                                            <p:strVal val="1+#ppt_w/2"/>
+                                          </p:val>
+                                        </p:tav>
+                                        <p:tav tm="100000">
+                                          <p:val>
+                                            <p:strVal val="#ppt_x"/>
+                                          </p:val>
+                                        </p:tav>
+                                      </p:tavLst>
+                                    </p:anim>
+                                    <p:anim calcmode="lin" valueType="num">
+                                      <p:cBhvr additive="base">
+                                        <p:cTn id="33" dur="250" fill="hold"/>
+                                        <p:tgtEl>
+                                          <p:spTgt spid="6">
+                                            <p:txEl>
+                                              <p:pRg st="5" end="5"/>
+                                            </p:txEl>
+                                          </p:spTgt>
+                                        </p:tgtEl>
+                                        <p:attrNameLst>
+                                          <p:attrName>ppt_y</p:attrName>
+                                        </p:attrNameLst>
+                                      </p:cBhvr>
+                                      <p:tavLst>
+                                        <p:tav tm="0">
+                                          <p:val>
+                                            <p:strVal val="#ppt_y"/>
+                                          </p:val>
+                                        </p:tav>
+                                        <p:tav tm="100000">
+                                          <p:val>
+                                            <p:strVal val="#ppt_y"/>
+                                          </p:val>
+                                        </p:tav>
+                                      </p:tavLst>
+                                    </p:anim>
+                                  </p:childTnLst>
+                                </p:cTn>
+                              </p:par>
+                            </p:childTnLst>
+                          </p:cTn>
+                        </p:par>
+                        <p:par>
+                          <p:cTn id="34" fill="hold">
+                            <p:stCondLst>
+                              <p:cond delay="3000"/>
+                            </p:stCondLst>
+                            <p:childTnLst>
+                              <p:par>
+                                <p:cTn id="35" presetID="2" presetClass="entr" presetSubtype="2" fill="hold" nodeType="afterEffect">
+                                  <p:stCondLst>
+                                    <p:cond delay="0"/>
+                                  </p:stCondLst>
+                                  <p:childTnLst>
+                                    <p:set>
+                                      <p:cBhvr>
+                                        <p:cTn id="36" dur="250" fill="hold">
+                                          <p:stCondLst>
+                                            <p:cond delay="0"/>
+                                          </p:stCondLst>
+                                        </p:cTn>
+                                        <p:tgtEl>
+                                          <p:spTgt spid="6">
+                                            <p:txEl>
+                                              <p:pRg st="6" end="6"/>
+                                            </p:txEl>
+                                          </p:spTgt>
+                                        </p:tgtEl>
+                                        <p:attrNameLst>
+                                          <p:attrName>style.visibility</p:attrName>
+                                        </p:attrNameLst>
+                                      </p:cBhvr>
+                                      <p:to>
+                                        <p:strVal val="visible"/>
+                                      </p:to>
+                                    </p:set>
+                                    <p:anim calcmode="lin" valueType="num">
+                                      <p:cBhvr additive="base">
+                                        <p:cTn id="37" dur="250" fill="hold"/>
+                                        <p:tgtEl>
+                                          <p:spTgt spid="6">
+                                            <p:txEl>
+                                              <p:pRg st="6" end="6"/>
+                                            </p:txEl>
+                                          </p:spTgt>
+                                        </p:tgtEl>
+                                        <p:attrNameLst>
+                                          <p:attrName>ppt_x</p:attrName>
+                                        </p:attrNameLst>
+                                      </p:cBhvr>
+                                      <p:tavLst>
+                                        <p:tav tm="0">
+                                          <p:val>
+                                            <p:strVal val="1+#ppt_w/2"/>
+                                          </p:val>
+                                        </p:tav>
+                                        <p:tav tm="100000">
+                                          <p:val>
+                                            <p:strVal val="#ppt_x"/>
+                                          </p:val>
+                                        </p:tav>
+                                      </p:tavLst>
+                                    </p:anim>
+                                    <p:anim calcmode="lin" valueType="num">
+                                      <p:cBhvr additive="base">
+                                        <p:cTn id="38" dur="250" fill="hold"/>
+                                        <p:tgtEl>
+                                          <p:spTgt spid="6">
+                                            <p:txEl>
+                                              <p:pRg st="6" end="6"/>
+                                            </p:txEl>
+                                          </p:spTgt>
+                                        </p:tgtEl>
+                                        <p:attrNameLst>
+                                          <p:attrName>ppt_y</p:attrName>
+                                        </p:attrNameLst>
+                                      </p:cBhvr>
+                                      <p:tavLst>
+                                        <p:tav tm="0">
+                                          <p:val>
+                                            <p:strVal val="#ppt_y"/>
+                                          </p:val>
+                                        </p:tav>
+                                        <p:tav tm="100000">
+                                          <p:val>
+                                            <p:strVal val="#ppt_y"/>
+                                          </p:val>
+                                        </p:tav>
+                                      </p:tavLst>
+                                    </p:anim>
+                                  </p:childTnLst>
+                                </p:cTn>
+                              </p:par>
+                            </p:childTnLst>
+                          </p:cTn>
+                        </p:par>
+                        <p:par>
+                          <p:cTn id="39" fill="hold">
+                            <p:stCondLst>
+                              <p:cond delay="3500"/>
+                            </p:stCondLst>
+                            <p:childTnLst>
+                              <p:par>
+                                <p:cTn id="40" presetID="2" presetClass="entr" presetSubtype="2" fill="hold" nodeType="afterEffect">
+                                  <p:stCondLst>
+                                    <p:cond delay="0"/>
+                                  </p:stCondLst>
+                                  <p:childTnLst>
+                                    <p:set>
+                                      <p:cBhvr>
+                                        <p:cTn id="41" dur="250" fill="hold">
+                                          <p:stCondLst>
+                                            <p:cond delay="0"/>
+                                          </p:stCondLst>
+                                        </p:cTn>
+                                        <p:tgtEl>
+                                          <p:spTgt spid="6">
+                                            <p:txEl>
+                                              <p:pRg st="7" end="7"/>
+                                            </p:txEl>
+                                          </p:spTgt>
+                                        </p:tgtEl>
+                                        <p:attrNameLst>
+                                          <p:attrName>style.visibility</p:attrName>
+                                        </p:attrNameLst>
+                                      </p:cBhvr>
+                                      <p:to>
+                                        <p:strVal val="visible"/>
+                                      </p:to>
+                                    </p:set>
+                                    <p:anim calcmode="lin" valueType="num">
+                                      <p:cBhvr additive="base">
+                                        <p:cTn id="42" dur="250" fill="hold"/>
+                                        <p:tgtEl>
+                                          <p:spTgt spid="6">
+                                            <p:txEl>
+                                              <p:pRg st="7" end="7"/>
+                                            </p:txEl>
+                                          </p:spTgt>
+                                        </p:tgtEl>
+                                        <p:attrNameLst>
+                                          <p:attrName>ppt_x</p:attrName>
+                                        </p:attrNameLst>
+                                      </p:cBhvr>
+                                      <p:tavLst>
+                                        <p:tav tm="0">
+                                          <p:val>
+                                            <p:strVal val="1+#ppt_w/2"/>
+                                          </p:val>
+                                        </p:tav>
+                                        <p:tav tm="100000">
+                                          <p:val>
+                                            <p:strVal val="#ppt_x"/>
+                                          </p:val>
+                                        </p:tav>
+                                      </p:tavLst>
+                                    </p:anim>
+                                    <p:anim calcmode="lin" valueType="num">
+                                      <p:cBhvr additive="base">
+                                        <p:cTn id="43" dur="250" fill="hold"/>
+                                        <p:tgtEl>
+                                          <p:spTgt spid="6">
+                                            <p:txEl>
+                                              <p:pRg st="7" end="7"/>
+                                            </p:txEl>
+                                          </p:spTgt>
+                                        </p:tgtEl>
+                                        <p:attrNameLst>
+                                          <p:attrName>ppt_y</p:attrName>
+                                        </p:attrNameLst>
+                                      </p:cBhvr>
+                                      <p:tavLst>
+                                        <p:tav tm="0">
+                                          <p:val>
+                                            <p:strVal val="#ppt_y"/>
+                                          </p:val>
+                                        </p:tav>
+                                        <p:tav tm="100000">
+                                          <p:val>
+                                            <p:strVal val="#ppt_y"/>
+                                          </p:val>
+                                        </p:tav>
+                                      </p:tavLst>
+                                    </p:anim>
+                                  </p:childTnLst>
+                                </p:cTn>
+                              </p:par>
+                            </p:childTnLst>
+                          </p:cTn>
+                        </p:par>
+                        <p:par>
+                          <p:cTn id="44" fill="hold">
+                            <p:stCondLst>
+                              <p:cond delay="4000"/>
+                            </p:stCondLst>
+                            <p:childTnLst>
+                              <p:par>
+                                <p:cTn id="45" presetID="2" presetClass="entr" presetSubtype="4" fill="hold" grpId="0" nodeType="afterEffect">
+                                  <p:stCondLst>
+                                    <p:cond delay="0"/>
+                                  </p:stCondLst>
+                                  <p:childTnLst>
+                                    <p:set>
+                                      <p:cBhvr>
+                                        <p:cTn id="46" dur="1" fill="hold">
+                                          <p:stCondLst>
+                                            <p:cond delay="0"/>
+                                          </p:stCondLst>
+                                        </p:cTn>
+                                        <p:tgtEl>
+                                          <p:spTgt spid="12"/>
+                                        </p:tgtEl>
+                                        <p:attrNameLst>
+                                          <p:attrName>style.visibility</p:attrName>
+                                        </p:attrNameLst>
+                                      </p:cBhvr>
+                                      <p:to>
+                                        <p:strVal val="visible"/>
+                                      </p:to>
+                                    </p:set>
+                                    <p:anim calcmode="lin" valueType="num">
+                                      <p:cBhvr additive="base">
+                                        <p:cTn id="47" dur="500" fill="hold"/>
+                                        <p:tgtEl>
+                                          <p:spTgt spid="12"/>
+                                        </p:tgtEl>
+                                        <p:attrNameLst>
+                                          <p:attrName>ppt_x</p:attrName>
+                                        </p:attrNameLst>
+                                      </p:cBhvr>
+                                      <p:tavLst>
+                                        <p:tav tm="0">
+                                          <p:val>
+                                            <p:strVal val="#ppt_x"/>
+                                          </p:val>
+                                        </p:tav>
+                                        <p:tav tm="100000">
+                                          <p:val>
+                                            <p:strVal val="#ppt_x"/>
+                                          </p:val>
+                                        </p:tav>
+                                      </p:tavLst>
+                                    </p:anim>
+                                    <p:anim calcmode="lin" valueType="num">
+                                      <p:cBhvr additive="base">
+                                        <p:cTn id="48" dur="500" fill="hold"/>
+                                        <p:tgtEl>
+                                          <p:spTgt spid="12"/>
+                                        </p:tgtEl>
+                                        <p:attrNameLst>
+                                          <p:attrName>ppt_y</p:attrName>
+                                        </p:attrNameLst>
+                                      </p:cBhvr>
+                                      <p:tavLst>
+                                        <p:tav tm="0">
+                                          <p:val>
+                                            <p:strVal val="1+#ppt_h/2"/>
+                                          </p:val>
+                                        </p:tav>
+                                        <p:tav tm="100000">
+                                          <p:val>
+                                            <p:strVal val="#ppt_y"/>
+                                          </p:val>
+                                        </p:tav>
+                                      </p:tavLst>
+                                    </p:anim>
+                                  </p:childTnLst>
+                                </p:cTn>
+                              </p:par>
+                              <p:par>
+                                <p:cTn id="49" presetID="2" presetClass="entr" presetSubtype="1" fill="hold" grpId="0" nodeType="withEffect">
+                                  <p:stCondLst>
+                                    <p:cond delay="0"/>
+                                  </p:stCondLst>
+                                  <p:childTnLst>
+                                    <p:set>
+                                      <p:cBhvr>
+                                        <p:cTn id="50" dur="1" fill="hold">
+                                          <p:stCondLst>
+                                            <p:cond delay="0"/>
+                                          </p:stCondLst>
+                                        </p:cTn>
+                                        <p:tgtEl>
+                                          <p:spTgt spid="4"/>
+                                        </p:tgtEl>
+                                        <p:attrNameLst>
+                                          <p:attrName>style.visibility</p:attrName>
+                                        </p:attrNameLst>
+                                      </p:cBhvr>
+                                      <p:to>
+                                        <p:strVal val="visible"/>
+                                      </p:to>
+                                    </p:set>
+                                    <p:anim calcmode="lin" valueType="num">
+                                      <p:cBhvr additive="base">
+                                        <p:cTn id="51" dur="500" fill="hold"/>
+                                        <p:tgtEl>
+                                          <p:spTgt spid="4"/>
+                                        </p:tgtEl>
+                                        <p:attrNameLst>
+                                          <p:attrName>ppt_x</p:attrName>
+                                        </p:attrNameLst>
+                                      </p:cBhvr>
+                                      <p:tavLst>
+                                        <p:tav tm="0">
+                                          <p:val>
+                                            <p:strVal val="#ppt_x"/>
+                                          </p:val>
+                                        </p:tav>
+                                        <p:tav tm="100000">
+                                          <p:val>
+                                            <p:strVal val="#ppt_x"/>
+                                          </p:val>
+                                        </p:tav>
+                                      </p:tavLst>
+                                    </p:anim>
+                                    <p:anim calcmode="lin" valueType="num">
+                                      <p:cBhvr additive="base">
+                                        <p:cTn id="52" dur="500" fill="hold"/>
+                                        <p:tgtEl>
+                                          <p:spTgt spid="4"/>
+                                        </p:tgtEl>
+                                        <p:attrNameLst>
+                                          <p:attrName>ppt_y</p:attrName>
+                                        </p:attrNameLst>
+                                      </p:cBhvr>
+                                      <p:tavLst>
+                                        <p:tav tm="0">
+                                          <p:val>
+                                            <p:strVal val="0-#ppt_h/2"/>
+                                          </p:val>
+                                        </p:tav>
+                                        <p:tav tm="100000">
+                                          <p:val>
+                                            <p:strVal val="#ppt_y"/>
+                                          </p:val>
+                                        </p:tav>
+                                      </p:tavLst>
+                                    </p:anim>
+                                  </p:childTnLst>
+                                </p:cTn>
+                              </p:par>
+                              <p:par>
+                                <p:cTn id="53" presetID="2" presetClass="entr" presetSubtype="2" fill="hold" nodeType="withEffect">
+                                  <p:stCondLst>
+                                    <p:cond delay="0"/>
+                                  </p:stCondLst>
+                                  <p:childTnLst>
+                                    <p:set>
+                                      <p:cBhvr>
+                                        <p:cTn id="54" dur="1" fill="hold">
+                                          <p:stCondLst>
+                                            <p:cond delay="0"/>
+                                          </p:stCondLst>
+                                        </p:cTn>
+                                        <p:tgtEl>
+                                          <p:spTgt spid="102"/>
+                                        </p:tgtEl>
+                                        <p:attrNameLst>
+                                          <p:attrName>style.visibility</p:attrName>
+                                        </p:attrNameLst>
+                                      </p:cBhvr>
+                                      <p:to>
+                                        <p:strVal val="visible"/>
+                                      </p:to>
+                                    </p:set>
+                                    <p:anim calcmode="lin" valueType="num">
+                                      <p:cBhvr additive="base">
+                                        <p:cTn id="55" dur="500" fill="hold"/>
+                                        <p:tgtEl>
+                                          <p:spTgt spid="102"/>
+                                        </p:tgtEl>
+                                        <p:attrNameLst>
+                                          <p:attrName>ppt_x</p:attrName>
+                                        </p:attrNameLst>
+                                      </p:cBhvr>
+                                      <p:tavLst>
+                                        <p:tav tm="0">
+                                          <p:val>
+                                            <p:strVal val="1+#ppt_w/2"/>
+                                          </p:val>
+                                        </p:tav>
+                                        <p:tav tm="100000">
+                                          <p:val>
+                                            <p:strVal val="#ppt_x"/>
+                                          </p:val>
+                                        </p:tav>
+                                      </p:tavLst>
+                                    </p:anim>
+                                    <p:anim calcmode="lin" valueType="num">
+                                      <p:cBhvr additive="base">
+                                        <p:cTn id="56" dur="500" fill="hold"/>
+                                        <p:tgtEl>
+                                          <p:spTgt spid="102"/>
+                                        </p:tgtEl>
+                                        <p:attrNameLst>
+                                          <p:attrName>ppt_y</p:attrName>
+                                        </p:attrNameLst>
+                                      </p:cBhvr>
+                                      <p:tavLst>
+                                        <p:tav tm="0">
+                                          <p:val>
+                                            <p:strVal val="#ppt_y"/>
+                                          </p:val>
+                                        </p:tav>
+                                        <p:tav tm="100000">
+                                          <p:val>
+                                            <p:strVal val="#ppt_y"/>
+                                          </p:val>
+                                        </p:tav>
+                                      </p:tavLst>
+                                    </p:anim>
+                                  </p:childTnLst>
+                                </p:cTn>
+                              </p:par>
+                            </p:childTnLst>
+                          </p:cTn>
+                        </p:par>
+                      </p:childTnLst>
+                    </p:cTn>
+                  </p:par>
+                </p:childTnLst>
+              </p:cTn>
+              <p:prevCondLst>
+                <p:cond evt="onPrev" delay="0">
+                  <p:tgtEl>
+                    <p:sldTgt/>
+                  </p:tgtEl>
+                </p:cond>
+              </p:prevCondLst>
+              <p:nextCondLst>
+                <p:cond evt="onNext" delay="0">
+                  <p:tgtEl>
+                    <p:sldTgt/>
+                  </p:tgtEl>
+                </p:cond>
+              </p:nextCondLst>
+            </p:seq>
+          </p:childTnLst>
+        </p:cTn>
+      </p:par>
+    </p:tnLst>
+    <p:bldLst>
+      <p:bldP spid="12" grpId="0" animBg="1"/>
+      <p:bldP spid="4" grpId="0" animBg="1"/>
+    </p:bldLst>
+  </p:timing>
 </p:sld>
 </file>
 
@@ -15131,9 +20378,951 @@
   <p:clrMapOvr>
     <a:masterClrMapping/>
   </p:clrMapOvr>
-  <p:transition spd="slow">
-    <p:push dir="u"/>
-  </p:transition>
+  <mc:AlternateContent xmlns:mc="http://schemas.openxmlformats.org/markup-compatibility/2006">
+    <mc:Choice xmlns:p14="http://schemas.microsoft.com/office/powerpoint/2010/main" Requires="p14">
+      <p:transition spd="med" p14:dur="649">
+        <p14:prism dir="u"/>
+      </p:transition>
+    </mc:Choice>
+    <mc:Fallback>
+      <p:transition spd="med">
+        <p:fade/>
+      </p:transition>
+    </mc:Fallback>
+  </mc:AlternateContent>
+  <p:timing>
+    <p:tnLst>
+      <p:par>
+        <p:cTn id="1" dur="indefinite" restart="never" nodeType="tmRoot">
+          <p:childTnLst>
+            <p:seq concurrent="1" nextAc="seek">
+              <p:cTn id="2" dur="indefinite" nodeType="mainSeq">
+                <p:childTnLst>
+                  <p:par>
+                    <p:cTn id="3" fill="hold">
+                      <p:stCondLst>
+                        <p:cond delay="indefinite"/>
+                        <p:cond evt="onBegin" delay="0">
+                          <p:tn val="2"/>
+                        </p:cond>
+                      </p:stCondLst>
+                      <p:childTnLst>
+                        <p:par>
+                          <p:cTn id="4" fill="hold">
+                            <p:stCondLst>
+                              <p:cond delay="0"/>
+                            </p:stCondLst>
+                            <p:childTnLst>
+                              <p:par>
+                                <p:cTn id="5" presetID="2" presetClass="entr" presetSubtype="2" fill="hold" grpId="0" nodeType="afterEffect">
+                                  <p:stCondLst>
+                                    <p:cond delay="0"/>
+                                  </p:stCondLst>
+                                  <p:childTnLst>
+                                    <p:set>
+                                      <p:cBhvr>
+                                        <p:cTn id="6" dur="250" fill="hold">
+                                          <p:stCondLst>
+                                            <p:cond delay="0"/>
+                                          </p:stCondLst>
+                                        </p:cTn>
+                                        <p:tgtEl>
+                                          <p:spTgt spid="6">
+                                            <p:txEl>
+                                              <p:pRg st="0" end="0"/>
+                                            </p:txEl>
+                                          </p:spTgt>
+                                        </p:tgtEl>
+                                        <p:attrNameLst>
+                                          <p:attrName>style.visibility</p:attrName>
+                                        </p:attrNameLst>
+                                      </p:cBhvr>
+                                      <p:to>
+                                        <p:strVal val="visible"/>
+                                      </p:to>
+                                    </p:set>
+                                    <p:anim calcmode="lin" valueType="num">
+                                      <p:cBhvr additive="base">
+                                        <p:cTn id="7" dur="250" fill="hold"/>
+                                        <p:tgtEl>
+                                          <p:spTgt spid="6">
+                                            <p:txEl>
+                                              <p:pRg st="0" end="0"/>
+                                            </p:txEl>
+                                          </p:spTgt>
+                                        </p:tgtEl>
+                                        <p:attrNameLst>
+                                          <p:attrName>ppt_x</p:attrName>
+                                        </p:attrNameLst>
+                                      </p:cBhvr>
+                                      <p:tavLst>
+                                        <p:tav tm="0">
+                                          <p:val>
+                                            <p:strVal val="1+#ppt_w/2"/>
+                                          </p:val>
+                                        </p:tav>
+                                        <p:tav tm="100000">
+                                          <p:val>
+                                            <p:strVal val="#ppt_x"/>
+                                          </p:val>
+                                        </p:tav>
+                                      </p:tavLst>
+                                    </p:anim>
+                                    <p:anim calcmode="lin" valueType="num">
+                                      <p:cBhvr additive="base">
+                                        <p:cTn id="8" dur="250" fill="hold"/>
+                                        <p:tgtEl>
+                                          <p:spTgt spid="6">
+                                            <p:txEl>
+                                              <p:pRg st="0" end="0"/>
+                                            </p:txEl>
+                                          </p:spTgt>
+                                        </p:tgtEl>
+                                        <p:attrNameLst>
+                                          <p:attrName>ppt_y</p:attrName>
+                                        </p:attrNameLst>
+                                      </p:cBhvr>
+                                      <p:tavLst>
+                                        <p:tav tm="0">
+                                          <p:val>
+                                            <p:strVal val="#ppt_y"/>
+                                          </p:val>
+                                        </p:tav>
+                                        <p:tav tm="100000">
+                                          <p:val>
+                                            <p:strVal val="#ppt_y"/>
+                                          </p:val>
+                                        </p:tav>
+                                      </p:tavLst>
+                                    </p:anim>
+                                  </p:childTnLst>
+                                </p:cTn>
+                              </p:par>
+                            </p:childTnLst>
+                          </p:cTn>
+                        </p:par>
+                        <p:par>
+                          <p:cTn id="9" fill="hold">
+                            <p:stCondLst>
+                              <p:cond delay="500"/>
+                            </p:stCondLst>
+                            <p:childTnLst>
+                              <p:par>
+                                <p:cTn id="10" presetID="2" presetClass="entr" presetSubtype="2" fill="hold" grpId="0" nodeType="afterEffect">
+                                  <p:stCondLst>
+                                    <p:cond delay="0"/>
+                                  </p:stCondLst>
+                                  <p:childTnLst>
+                                    <p:set>
+                                      <p:cBhvr>
+                                        <p:cTn id="11" dur="250" fill="hold">
+                                          <p:stCondLst>
+                                            <p:cond delay="0"/>
+                                          </p:stCondLst>
+                                        </p:cTn>
+                                        <p:tgtEl>
+                                          <p:spTgt spid="6">
+                                            <p:txEl>
+                                              <p:pRg st="1" end="1"/>
+                                            </p:txEl>
+                                          </p:spTgt>
+                                        </p:tgtEl>
+                                        <p:attrNameLst>
+                                          <p:attrName>style.visibility</p:attrName>
+                                        </p:attrNameLst>
+                                      </p:cBhvr>
+                                      <p:to>
+                                        <p:strVal val="visible"/>
+                                      </p:to>
+                                    </p:set>
+                                    <p:anim calcmode="lin" valueType="num">
+                                      <p:cBhvr additive="base">
+                                        <p:cTn id="12" dur="250" fill="hold"/>
+                                        <p:tgtEl>
+                                          <p:spTgt spid="6">
+                                            <p:txEl>
+                                              <p:pRg st="1" end="1"/>
+                                            </p:txEl>
+                                          </p:spTgt>
+                                        </p:tgtEl>
+                                        <p:attrNameLst>
+                                          <p:attrName>ppt_x</p:attrName>
+                                        </p:attrNameLst>
+                                      </p:cBhvr>
+                                      <p:tavLst>
+                                        <p:tav tm="0">
+                                          <p:val>
+                                            <p:strVal val="1+#ppt_w/2"/>
+                                          </p:val>
+                                        </p:tav>
+                                        <p:tav tm="100000">
+                                          <p:val>
+                                            <p:strVal val="#ppt_x"/>
+                                          </p:val>
+                                        </p:tav>
+                                      </p:tavLst>
+                                    </p:anim>
+                                    <p:anim calcmode="lin" valueType="num">
+                                      <p:cBhvr additive="base">
+                                        <p:cTn id="13" dur="250" fill="hold"/>
+                                        <p:tgtEl>
+                                          <p:spTgt spid="6">
+                                            <p:txEl>
+                                              <p:pRg st="1" end="1"/>
+                                            </p:txEl>
+                                          </p:spTgt>
+                                        </p:tgtEl>
+                                        <p:attrNameLst>
+                                          <p:attrName>ppt_y</p:attrName>
+                                        </p:attrNameLst>
+                                      </p:cBhvr>
+                                      <p:tavLst>
+                                        <p:tav tm="0">
+                                          <p:val>
+                                            <p:strVal val="#ppt_y"/>
+                                          </p:val>
+                                        </p:tav>
+                                        <p:tav tm="100000">
+                                          <p:val>
+                                            <p:strVal val="#ppt_y"/>
+                                          </p:val>
+                                        </p:tav>
+                                      </p:tavLst>
+                                    </p:anim>
+                                  </p:childTnLst>
+                                </p:cTn>
+                              </p:par>
+                            </p:childTnLst>
+                          </p:cTn>
+                        </p:par>
+                        <p:par>
+                          <p:cTn id="14" fill="hold">
+                            <p:stCondLst>
+                              <p:cond delay="1000"/>
+                            </p:stCondLst>
+                            <p:childTnLst>
+                              <p:par>
+                                <p:cTn id="15" presetID="2" presetClass="entr" presetSubtype="2" fill="hold" grpId="0" nodeType="afterEffect">
+                                  <p:stCondLst>
+                                    <p:cond delay="0"/>
+                                  </p:stCondLst>
+                                  <p:childTnLst>
+                                    <p:set>
+                                      <p:cBhvr>
+                                        <p:cTn id="16" dur="250" fill="hold">
+                                          <p:stCondLst>
+                                            <p:cond delay="0"/>
+                                          </p:stCondLst>
+                                        </p:cTn>
+                                        <p:tgtEl>
+                                          <p:spTgt spid="6">
+                                            <p:txEl>
+                                              <p:pRg st="2" end="2"/>
+                                            </p:txEl>
+                                          </p:spTgt>
+                                        </p:tgtEl>
+                                        <p:attrNameLst>
+                                          <p:attrName>style.visibility</p:attrName>
+                                        </p:attrNameLst>
+                                      </p:cBhvr>
+                                      <p:to>
+                                        <p:strVal val="visible"/>
+                                      </p:to>
+                                    </p:set>
+                                    <p:anim calcmode="lin" valueType="num">
+                                      <p:cBhvr additive="base">
+                                        <p:cTn id="17" dur="250" fill="hold"/>
+                                        <p:tgtEl>
+                                          <p:spTgt spid="6">
+                                            <p:txEl>
+                                              <p:pRg st="2" end="2"/>
+                                            </p:txEl>
+                                          </p:spTgt>
+                                        </p:tgtEl>
+                                        <p:attrNameLst>
+                                          <p:attrName>ppt_x</p:attrName>
+                                        </p:attrNameLst>
+                                      </p:cBhvr>
+                                      <p:tavLst>
+                                        <p:tav tm="0">
+                                          <p:val>
+                                            <p:strVal val="1+#ppt_w/2"/>
+                                          </p:val>
+                                        </p:tav>
+                                        <p:tav tm="100000">
+                                          <p:val>
+                                            <p:strVal val="#ppt_x"/>
+                                          </p:val>
+                                        </p:tav>
+                                      </p:tavLst>
+                                    </p:anim>
+                                    <p:anim calcmode="lin" valueType="num">
+                                      <p:cBhvr additive="base">
+                                        <p:cTn id="18" dur="250" fill="hold"/>
+                                        <p:tgtEl>
+                                          <p:spTgt spid="6">
+                                            <p:txEl>
+                                              <p:pRg st="2" end="2"/>
+                                            </p:txEl>
+                                          </p:spTgt>
+                                        </p:tgtEl>
+                                        <p:attrNameLst>
+                                          <p:attrName>ppt_y</p:attrName>
+                                        </p:attrNameLst>
+                                      </p:cBhvr>
+                                      <p:tavLst>
+                                        <p:tav tm="0">
+                                          <p:val>
+                                            <p:strVal val="#ppt_y"/>
+                                          </p:val>
+                                        </p:tav>
+                                        <p:tav tm="100000">
+                                          <p:val>
+                                            <p:strVal val="#ppt_y"/>
+                                          </p:val>
+                                        </p:tav>
+                                      </p:tavLst>
+                                    </p:anim>
+                                  </p:childTnLst>
+                                </p:cTn>
+                              </p:par>
+                            </p:childTnLst>
+                          </p:cTn>
+                        </p:par>
+                        <p:par>
+                          <p:cTn id="19" fill="hold">
+                            <p:stCondLst>
+                              <p:cond delay="1500"/>
+                            </p:stCondLst>
+                            <p:childTnLst>
+                              <p:par>
+                                <p:cTn id="20" presetID="2" presetClass="entr" presetSubtype="2" fill="hold" grpId="0" nodeType="afterEffect">
+                                  <p:stCondLst>
+                                    <p:cond delay="0"/>
+                                  </p:stCondLst>
+                                  <p:childTnLst>
+                                    <p:set>
+                                      <p:cBhvr>
+                                        <p:cTn id="21" dur="250" fill="hold">
+                                          <p:stCondLst>
+                                            <p:cond delay="0"/>
+                                          </p:stCondLst>
+                                        </p:cTn>
+                                        <p:tgtEl>
+                                          <p:spTgt spid="6">
+                                            <p:txEl>
+                                              <p:pRg st="3" end="3"/>
+                                            </p:txEl>
+                                          </p:spTgt>
+                                        </p:tgtEl>
+                                        <p:attrNameLst>
+                                          <p:attrName>style.visibility</p:attrName>
+                                        </p:attrNameLst>
+                                      </p:cBhvr>
+                                      <p:to>
+                                        <p:strVal val="visible"/>
+                                      </p:to>
+                                    </p:set>
+                                    <p:anim calcmode="lin" valueType="num">
+                                      <p:cBhvr additive="base">
+                                        <p:cTn id="22" dur="250" fill="hold"/>
+                                        <p:tgtEl>
+                                          <p:spTgt spid="6">
+                                            <p:txEl>
+                                              <p:pRg st="3" end="3"/>
+                                            </p:txEl>
+                                          </p:spTgt>
+                                        </p:tgtEl>
+                                        <p:attrNameLst>
+                                          <p:attrName>ppt_x</p:attrName>
+                                        </p:attrNameLst>
+                                      </p:cBhvr>
+                                      <p:tavLst>
+                                        <p:tav tm="0">
+                                          <p:val>
+                                            <p:strVal val="1+#ppt_w/2"/>
+                                          </p:val>
+                                        </p:tav>
+                                        <p:tav tm="100000">
+                                          <p:val>
+                                            <p:strVal val="#ppt_x"/>
+                                          </p:val>
+                                        </p:tav>
+                                      </p:tavLst>
+                                    </p:anim>
+                                    <p:anim calcmode="lin" valueType="num">
+                                      <p:cBhvr additive="base">
+                                        <p:cTn id="23" dur="250" fill="hold"/>
+                                        <p:tgtEl>
+                                          <p:spTgt spid="6">
+                                            <p:txEl>
+                                              <p:pRg st="3" end="3"/>
+                                            </p:txEl>
+                                          </p:spTgt>
+                                        </p:tgtEl>
+                                        <p:attrNameLst>
+                                          <p:attrName>ppt_y</p:attrName>
+                                        </p:attrNameLst>
+                                      </p:cBhvr>
+                                      <p:tavLst>
+                                        <p:tav tm="0">
+                                          <p:val>
+                                            <p:strVal val="#ppt_y"/>
+                                          </p:val>
+                                        </p:tav>
+                                        <p:tav tm="100000">
+                                          <p:val>
+                                            <p:strVal val="#ppt_y"/>
+                                          </p:val>
+                                        </p:tav>
+                                      </p:tavLst>
+                                    </p:anim>
+                                  </p:childTnLst>
+                                </p:cTn>
+                              </p:par>
+                            </p:childTnLst>
+                          </p:cTn>
+                        </p:par>
+                        <p:par>
+                          <p:cTn id="24" fill="hold">
+                            <p:stCondLst>
+                              <p:cond delay="2000"/>
+                            </p:stCondLst>
+                            <p:childTnLst>
+                              <p:par>
+                                <p:cTn id="25" presetID="2" presetClass="entr" presetSubtype="2" fill="hold" grpId="0" nodeType="afterEffect">
+                                  <p:stCondLst>
+                                    <p:cond delay="0"/>
+                                  </p:stCondLst>
+                                  <p:childTnLst>
+                                    <p:set>
+                                      <p:cBhvr>
+                                        <p:cTn id="26" dur="250" fill="hold">
+                                          <p:stCondLst>
+                                            <p:cond delay="0"/>
+                                          </p:stCondLst>
+                                        </p:cTn>
+                                        <p:tgtEl>
+                                          <p:spTgt spid="6">
+                                            <p:txEl>
+                                              <p:pRg st="4" end="4"/>
+                                            </p:txEl>
+                                          </p:spTgt>
+                                        </p:tgtEl>
+                                        <p:attrNameLst>
+                                          <p:attrName>style.visibility</p:attrName>
+                                        </p:attrNameLst>
+                                      </p:cBhvr>
+                                      <p:to>
+                                        <p:strVal val="visible"/>
+                                      </p:to>
+                                    </p:set>
+                                    <p:anim calcmode="lin" valueType="num">
+                                      <p:cBhvr additive="base">
+                                        <p:cTn id="27" dur="250" fill="hold"/>
+                                        <p:tgtEl>
+                                          <p:spTgt spid="6">
+                                            <p:txEl>
+                                              <p:pRg st="4" end="4"/>
+                                            </p:txEl>
+                                          </p:spTgt>
+                                        </p:tgtEl>
+                                        <p:attrNameLst>
+                                          <p:attrName>ppt_x</p:attrName>
+                                        </p:attrNameLst>
+                                      </p:cBhvr>
+                                      <p:tavLst>
+                                        <p:tav tm="0">
+                                          <p:val>
+                                            <p:strVal val="1+#ppt_w/2"/>
+                                          </p:val>
+                                        </p:tav>
+                                        <p:tav tm="100000">
+                                          <p:val>
+                                            <p:strVal val="#ppt_x"/>
+                                          </p:val>
+                                        </p:tav>
+                                      </p:tavLst>
+                                    </p:anim>
+                                    <p:anim calcmode="lin" valueType="num">
+                                      <p:cBhvr additive="base">
+                                        <p:cTn id="28" dur="250" fill="hold"/>
+                                        <p:tgtEl>
+                                          <p:spTgt spid="6">
+                                            <p:txEl>
+                                              <p:pRg st="4" end="4"/>
+                                            </p:txEl>
+                                          </p:spTgt>
+                                        </p:tgtEl>
+                                        <p:attrNameLst>
+                                          <p:attrName>ppt_y</p:attrName>
+                                        </p:attrNameLst>
+                                      </p:cBhvr>
+                                      <p:tavLst>
+                                        <p:tav tm="0">
+                                          <p:val>
+                                            <p:strVal val="#ppt_y"/>
+                                          </p:val>
+                                        </p:tav>
+                                        <p:tav tm="100000">
+                                          <p:val>
+                                            <p:strVal val="#ppt_y"/>
+                                          </p:val>
+                                        </p:tav>
+                                      </p:tavLst>
+                                    </p:anim>
+                                  </p:childTnLst>
+                                </p:cTn>
+                              </p:par>
+                            </p:childTnLst>
+                          </p:cTn>
+                        </p:par>
+                        <p:par>
+                          <p:cTn id="29" fill="hold">
+                            <p:stCondLst>
+                              <p:cond delay="2500"/>
+                            </p:stCondLst>
+                            <p:childTnLst>
+                              <p:par>
+                                <p:cTn id="30" presetID="2" presetClass="entr" presetSubtype="2" fill="hold" grpId="0" nodeType="afterEffect">
+                                  <p:stCondLst>
+                                    <p:cond delay="0"/>
+                                  </p:stCondLst>
+                                  <p:childTnLst>
+                                    <p:set>
+                                      <p:cBhvr>
+                                        <p:cTn id="31" dur="250" fill="hold">
+                                          <p:stCondLst>
+                                            <p:cond delay="0"/>
+                                          </p:stCondLst>
+                                        </p:cTn>
+                                        <p:tgtEl>
+                                          <p:spTgt spid="6">
+                                            <p:txEl>
+                                              <p:pRg st="5" end="5"/>
+                                            </p:txEl>
+                                          </p:spTgt>
+                                        </p:tgtEl>
+                                        <p:attrNameLst>
+                                          <p:attrName>style.visibility</p:attrName>
+                                        </p:attrNameLst>
+                                      </p:cBhvr>
+                                      <p:to>
+                                        <p:strVal val="visible"/>
+                                      </p:to>
+                                    </p:set>
+                                    <p:anim calcmode="lin" valueType="num">
+                                      <p:cBhvr additive="base">
+                                        <p:cTn id="32" dur="250" fill="hold"/>
+                                        <p:tgtEl>
+                                          <p:spTgt spid="6">
+                                            <p:txEl>
+                                              <p:pRg st="5" end="5"/>
+                                            </p:txEl>
+                                          </p:spTgt>
+                                        </p:tgtEl>
+                                        <p:attrNameLst>
+                                          <p:attrName>ppt_x</p:attrName>
+                                        </p:attrNameLst>
+                                      </p:cBhvr>
+                                      <p:tavLst>
+                                        <p:tav tm="0">
+                                          <p:val>
+                                            <p:strVal val="1+#ppt_w/2"/>
+                                          </p:val>
+                                        </p:tav>
+                                        <p:tav tm="100000">
+                                          <p:val>
+                                            <p:strVal val="#ppt_x"/>
+                                          </p:val>
+                                        </p:tav>
+                                      </p:tavLst>
+                                    </p:anim>
+                                    <p:anim calcmode="lin" valueType="num">
+                                      <p:cBhvr additive="base">
+                                        <p:cTn id="33" dur="250" fill="hold"/>
+                                        <p:tgtEl>
+                                          <p:spTgt spid="6">
+                                            <p:txEl>
+                                              <p:pRg st="5" end="5"/>
+                                            </p:txEl>
+                                          </p:spTgt>
+                                        </p:tgtEl>
+                                        <p:attrNameLst>
+                                          <p:attrName>ppt_y</p:attrName>
+                                        </p:attrNameLst>
+                                      </p:cBhvr>
+                                      <p:tavLst>
+                                        <p:tav tm="0">
+                                          <p:val>
+                                            <p:strVal val="#ppt_y"/>
+                                          </p:val>
+                                        </p:tav>
+                                        <p:tav tm="100000">
+                                          <p:val>
+                                            <p:strVal val="#ppt_y"/>
+                                          </p:val>
+                                        </p:tav>
+                                      </p:tavLst>
+                                    </p:anim>
+                                  </p:childTnLst>
+                                </p:cTn>
+                              </p:par>
+                            </p:childTnLst>
+                          </p:cTn>
+                        </p:par>
+                        <p:par>
+                          <p:cTn id="34" fill="hold">
+                            <p:stCondLst>
+                              <p:cond delay="3000"/>
+                            </p:stCondLst>
+                            <p:childTnLst>
+                              <p:par>
+                                <p:cTn id="35" presetID="2" presetClass="entr" presetSubtype="2" fill="hold" grpId="0" nodeType="afterEffect">
+                                  <p:stCondLst>
+                                    <p:cond delay="0"/>
+                                  </p:stCondLst>
+                                  <p:childTnLst>
+                                    <p:set>
+                                      <p:cBhvr>
+                                        <p:cTn id="36" dur="250" fill="hold">
+                                          <p:stCondLst>
+                                            <p:cond delay="0"/>
+                                          </p:stCondLst>
+                                        </p:cTn>
+                                        <p:tgtEl>
+                                          <p:spTgt spid="6">
+                                            <p:txEl>
+                                              <p:pRg st="6" end="6"/>
+                                            </p:txEl>
+                                          </p:spTgt>
+                                        </p:tgtEl>
+                                        <p:attrNameLst>
+                                          <p:attrName>style.visibility</p:attrName>
+                                        </p:attrNameLst>
+                                      </p:cBhvr>
+                                      <p:to>
+                                        <p:strVal val="visible"/>
+                                      </p:to>
+                                    </p:set>
+                                    <p:anim calcmode="lin" valueType="num">
+                                      <p:cBhvr additive="base">
+                                        <p:cTn id="37" dur="250" fill="hold"/>
+                                        <p:tgtEl>
+                                          <p:spTgt spid="6">
+                                            <p:txEl>
+                                              <p:pRg st="6" end="6"/>
+                                            </p:txEl>
+                                          </p:spTgt>
+                                        </p:tgtEl>
+                                        <p:attrNameLst>
+                                          <p:attrName>ppt_x</p:attrName>
+                                        </p:attrNameLst>
+                                      </p:cBhvr>
+                                      <p:tavLst>
+                                        <p:tav tm="0">
+                                          <p:val>
+                                            <p:strVal val="1+#ppt_w/2"/>
+                                          </p:val>
+                                        </p:tav>
+                                        <p:tav tm="100000">
+                                          <p:val>
+                                            <p:strVal val="#ppt_x"/>
+                                          </p:val>
+                                        </p:tav>
+                                      </p:tavLst>
+                                    </p:anim>
+                                    <p:anim calcmode="lin" valueType="num">
+                                      <p:cBhvr additive="base">
+                                        <p:cTn id="38" dur="250" fill="hold"/>
+                                        <p:tgtEl>
+                                          <p:spTgt spid="6">
+                                            <p:txEl>
+                                              <p:pRg st="6" end="6"/>
+                                            </p:txEl>
+                                          </p:spTgt>
+                                        </p:tgtEl>
+                                        <p:attrNameLst>
+                                          <p:attrName>ppt_y</p:attrName>
+                                        </p:attrNameLst>
+                                      </p:cBhvr>
+                                      <p:tavLst>
+                                        <p:tav tm="0">
+                                          <p:val>
+                                            <p:strVal val="#ppt_y"/>
+                                          </p:val>
+                                        </p:tav>
+                                        <p:tav tm="100000">
+                                          <p:val>
+                                            <p:strVal val="#ppt_y"/>
+                                          </p:val>
+                                        </p:tav>
+                                      </p:tavLst>
+                                    </p:anim>
+                                  </p:childTnLst>
+                                </p:cTn>
+                              </p:par>
+                            </p:childTnLst>
+                          </p:cTn>
+                        </p:par>
+                        <p:par>
+                          <p:cTn id="39" fill="hold">
+                            <p:stCondLst>
+                              <p:cond delay="3500"/>
+                            </p:stCondLst>
+                            <p:childTnLst>
+                              <p:par>
+                                <p:cTn id="40" presetID="2" presetClass="entr" presetSubtype="4" fill="hold" grpId="0" nodeType="afterEffect">
+                                  <p:stCondLst>
+                                    <p:cond delay="0"/>
+                                  </p:stCondLst>
+                                  <p:childTnLst>
+                                    <p:set>
+                                      <p:cBhvr>
+                                        <p:cTn id="41" dur="1" fill="hold">
+                                          <p:stCondLst>
+                                            <p:cond delay="0"/>
+                                          </p:stCondLst>
+                                        </p:cTn>
+                                        <p:tgtEl>
+                                          <p:spTgt spid="12"/>
+                                        </p:tgtEl>
+                                        <p:attrNameLst>
+                                          <p:attrName>style.visibility</p:attrName>
+                                        </p:attrNameLst>
+                                      </p:cBhvr>
+                                      <p:to>
+                                        <p:strVal val="visible"/>
+                                      </p:to>
+                                    </p:set>
+                                    <p:anim calcmode="lin" valueType="num">
+                                      <p:cBhvr additive="base">
+                                        <p:cTn id="42" dur="500" fill="hold"/>
+                                        <p:tgtEl>
+                                          <p:spTgt spid="12"/>
+                                        </p:tgtEl>
+                                        <p:attrNameLst>
+                                          <p:attrName>ppt_x</p:attrName>
+                                        </p:attrNameLst>
+                                      </p:cBhvr>
+                                      <p:tavLst>
+                                        <p:tav tm="0">
+                                          <p:val>
+                                            <p:strVal val="#ppt_x"/>
+                                          </p:val>
+                                        </p:tav>
+                                        <p:tav tm="100000">
+                                          <p:val>
+                                            <p:strVal val="#ppt_x"/>
+                                          </p:val>
+                                        </p:tav>
+                                      </p:tavLst>
+                                    </p:anim>
+                                    <p:anim calcmode="lin" valueType="num">
+                                      <p:cBhvr additive="base">
+                                        <p:cTn id="43" dur="500" fill="hold"/>
+                                        <p:tgtEl>
+                                          <p:spTgt spid="12"/>
+                                        </p:tgtEl>
+                                        <p:attrNameLst>
+                                          <p:attrName>ppt_y</p:attrName>
+                                        </p:attrNameLst>
+                                      </p:cBhvr>
+                                      <p:tavLst>
+                                        <p:tav tm="0">
+                                          <p:val>
+                                            <p:strVal val="1+#ppt_h/2"/>
+                                          </p:val>
+                                        </p:tav>
+                                        <p:tav tm="100000">
+                                          <p:val>
+                                            <p:strVal val="#ppt_y"/>
+                                          </p:val>
+                                        </p:tav>
+                                      </p:tavLst>
+                                    </p:anim>
+                                  </p:childTnLst>
+                                </p:cTn>
+                              </p:par>
+                              <p:par>
+                                <p:cTn id="44" presetID="2" presetClass="entr" presetSubtype="1" fill="hold" grpId="0" nodeType="withEffect">
+                                  <p:stCondLst>
+                                    <p:cond delay="0"/>
+                                  </p:stCondLst>
+                                  <p:childTnLst>
+                                    <p:set>
+                                      <p:cBhvr>
+                                        <p:cTn id="45" dur="1" fill="hold">
+                                          <p:stCondLst>
+                                            <p:cond delay="0"/>
+                                          </p:stCondLst>
+                                        </p:cTn>
+                                        <p:tgtEl>
+                                          <p:spTgt spid="4"/>
+                                        </p:tgtEl>
+                                        <p:attrNameLst>
+                                          <p:attrName>style.visibility</p:attrName>
+                                        </p:attrNameLst>
+                                      </p:cBhvr>
+                                      <p:to>
+                                        <p:strVal val="visible"/>
+                                      </p:to>
+                                    </p:set>
+                                    <p:anim calcmode="lin" valueType="num">
+                                      <p:cBhvr additive="base">
+                                        <p:cTn id="46" dur="500" fill="hold"/>
+                                        <p:tgtEl>
+                                          <p:spTgt spid="4"/>
+                                        </p:tgtEl>
+                                        <p:attrNameLst>
+                                          <p:attrName>ppt_x</p:attrName>
+                                        </p:attrNameLst>
+                                      </p:cBhvr>
+                                      <p:tavLst>
+                                        <p:tav tm="0">
+                                          <p:val>
+                                            <p:strVal val="#ppt_x"/>
+                                          </p:val>
+                                        </p:tav>
+                                        <p:tav tm="100000">
+                                          <p:val>
+                                            <p:strVal val="#ppt_x"/>
+                                          </p:val>
+                                        </p:tav>
+                                      </p:tavLst>
+                                    </p:anim>
+                                    <p:anim calcmode="lin" valueType="num">
+                                      <p:cBhvr additive="base">
+                                        <p:cTn id="47" dur="500" fill="hold"/>
+                                        <p:tgtEl>
+                                          <p:spTgt spid="4"/>
+                                        </p:tgtEl>
+                                        <p:attrNameLst>
+                                          <p:attrName>ppt_y</p:attrName>
+                                        </p:attrNameLst>
+                                      </p:cBhvr>
+                                      <p:tavLst>
+                                        <p:tav tm="0">
+                                          <p:val>
+                                            <p:strVal val="0-#ppt_h/2"/>
+                                          </p:val>
+                                        </p:tav>
+                                        <p:tav tm="100000">
+                                          <p:val>
+                                            <p:strVal val="#ppt_y"/>
+                                          </p:val>
+                                        </p:tav>
+                                      </p:tavLst>
+                                    </p:anim>
+                                  </p:childTnLst>
+                                </p:cTn>
+                              </p:par>
+                              <p:par>
+                                <p:cTn id="48" presetID="2" presetClass="entr" presetSubtype="2" fill="hold" nodeType="withEffect">
+                                  <p:stCondLst>
+                                    <p:cond delay="0"/>
+                                  </p:stCondLst>
+                                  <p:childTnLst>
+                                    <p:set>
+                                      <p:cBhvr>
+                                        <p:cTn id="49" dur="1" fill="hold">
+                                          <p:stCondLst>
+                                            <p:cond delay="0"/>
+                                          </p:stCondLst>
+                                        </p:cTn>
+                                        <p:tgtEl>
+                                          <p:spTgt spid="104"/>
+                                        </p:tgtEl>
+                                        <p:attrNameLst>
+                                          <p:attrName>style.visibility</p:attrName>
+                                        </p:attrNameLst>
+                                      </p:cBhvr>
+                                      <p:to>
+                                        <p:strVal val="visible"/>
+                                      </p:to>
+                                    </p:set>
+                                    <p:anim calcmode="lin" valueType="num">
+                                      <p:cBhvr additive="base">
+                                        <p:cTn id="50" dur="500" fill="hold"/>
+                                        <p:tgtEl>
+                                          <p:spTgt spid="104"/>
+                                        </p:tgtEl>
+                                        <p:attrNameLst>
+                                          <p:attrName>ppt_x</p:attrName>
+                                        </p:attrNameLst>
+                                      </p:cBhvr>
+                                      <p:tavLst>
+                                        <p:tav tm="0">
+                                          <p:val>
+                                            <p:strVal val="1+#ppt_w/2"/>
+                                          </p:val>
+                                        </p:tav>
+                                        <p:tav tm="100000">
+                                          <p:val>
+                                            <p:strVal val="#ppt_x"/>
+                                          </p:val>
+                                        </p:tav>
+                                      </p:tavLst>
+                                    </p:anim>
+                                    <p:anim calcmode="lin" valueType="num">
+                                      <p:cBhvr additive="base">
+                                        <p:cTn id="51" dur="500" fill="hold"/>
+                                        <p:tgtEl>
+                                          <p:spTgt spid="104"/>
+                                        </p:tgtEl>
+                                        <p:attrNameLst>
+                                          <p:attrName>ppt_y</p:attrName>
+                                        </p:attrNameLst>
+                                      </p:cBhvr>
+                                      <p:tavLst>
+                                        <p:tav tm="0">
+                                          <p:val>
+                                            <p:strVal val="#ppt_y"/>
+                                          </p:val>
+                                        </p:tav>
+                                        <p:tav tm="100000">
+                                          <p:val>
+                                            <p:strVal val="#ppt_y"/>
+                                          </p:val>
+                                        </p:tav>
+                                      </p:tavLst>
+                                    </p:anim>
+                                  </p:childTnLst>
+                                </p:cTn>
+                              </p:par>
+                            </p:childTnLst>
+                          </p:cTn>
+                        </p:par>
+                      </p:childTnLst>
+                    </p:cTn>
+                  </p:par>
+                </p:childTnLst>
+              </p:cTn>
+              <p:prevCondLst>
+                <p:cond evt="onPrev" delay="0">
+                  <p:tgtEl>
+                    <p:sldTgt/>
+                  </p:tgtEl>
+                </p:cond>
+              </p:prevCondLst>
+              <p:nextCondLst>
+                <p:cond evt="onNext" delay="0">
+                  <p:tgtEl>
+                    <p:sldTgt/>
+                  </p:tgtEl>
+                </p:cond>
+              </p:nextCondLst>
+            </p:seq>
+          </p:childTnLst>
+        </p:cTn>
+      </p:par>
+    </p:tnLst>
+    <p:bldLst>
+      <p:bldP spid="6" grpId="0" uiExpand="1" build="p"/>
+      <p:bldP spid="12" grpId="0" animBg="1"/>
+      <p:bldP spid="4" grpId="0" animBg="1"/>
+    </p:bldLst>
+  </p:timing>
 </p:sld>
 </file>
 
@@ -18679,9 +24868,18 @@
   <p:clrMapOvr>
     <a:masterClrMapping/>
   </p:clrMapOvr>
-  <p:transition spd="slow">
-    <p:push dir="u"/>
-  </p:transition>
+  <mc:AlternateContent xmlns:mc="http://schemas.openxmlformats.org/markup-compatibility/2006">
+    <mc:Choice xmlns:p14="http://schemas.microsoft.com/office/powerpoint/2010/main" Requires="p14">
+      <p:transition spd="med" p14:dur="750">
+        <p:wipe/>
+      </p:transition>
+    </mc:Choice>
+    <mc:Fallback>
+      <p:transition spd="med">
+        <p:wipe/>
+      </p:transition>
+    </mc:Fallback>
+  </mc:AlternateContent>
 </p:sld>
 </file>
 
@@ -19447,9 +25645,953 @@
   <p:clrMapOvr>
     <a:masterClrMapping/>
   </p:clrMapOvr>
-  <p:transition spd="slow">
-    <p:push dir="u"/>
-  </p:transition>
+  <mc:AlternateContent xmlns:mc="http://schemas.openxmlformats.org/markup-compatibility/2006">
+    <mc:Choice xmlns:p14="http://schemas.microsoft.com/office/powerpoint/2010/main" Requires="p14">
+      <p:transition spd="med" p14:dur="750">
+        <p:wipe dir="r"/>
+      </p:transition>
+    </mc:Choice>
+    <mc:Fallback>
+      <p:transition spd="med">
+        <p:wipe dir="r"/>
+      </p:transition>
+    </mc:Fallback>
+  </mc:AlternateContent>
+  <p:timing>
+    <p:tnLst>
+      <p:par>
+        <p:cTn id="1" dur="indefinite" restart="never" nodeType="tmRoot">
+          <p:childTnLst>
+            <p:seq concurrent="1" nextAc="seek">
+              <p:cTn id="2" dur="indefinite" nodeType="mainSeq">
+                <p:childTnLst>
+                  <p:par>
+                    <p:cTn id="3" fill="hold">
+                      <p:stCondLst>
+                        <p:cond delay="indefinite"/>
+                        <p:cond evt="onBegin" delay="0">
+                          <p:tn val="2"/>
+                        </p:cond>
+                      </p:stCondLst>
+                      <p:childTnLst>
+                        <p:par>
+                          <p:cTn id="4" fill="hold">
+                            <p:stCondLst>
+                              <p:cond delay="0"/>
+                            </p:stCondLst>
+                            <p:childTnLst>
+                              <p:par>
+                                <p:cTn id="5" presetID="2" presetClass="entr" presetSubtype="2" fill="hold" grpId="0" nodeType="afterEffect">
+                                  <p:stCondLst>
+                                    <p:cond delay="0"/>
+                                  </p:stCondLst>
+                                  <p:childTnLst>
+                                    <p:set>
+                                      <p:cBhvr>
+                                        <p:cTn id="6" dur="250" fill="hold">
+                                          <p:stCondLst>
+                                            <p:cond delay="0"/>
+                                          </p:stCondLst>
+                                        </p:cTn>
+                                        <p:tgtEl>
+                                          <p:spTgt spid="6">
+                                            <p:txEl>
+                                              <p:pRg st="0" end="0"/>
+                                            </p:txEl>
+                                          </p:spTgt>
+                                        </p:tgtEl>
+                                        <p:attrNameLst>
+                                          <p:attrName>style.visibility</p:attrName>
+                                        </p:attrNameLst>
+                                      </p:cBhvr>
+                                      <p:to>
+                                        <p:strVal val="visible"/>
+                                      </p:to>
+                                    </p:set>
+                                    <p:anim calcmode="lin" valueType="num">
+                                      <p:cBhvr additive="base">
+                                        <p:cTn id="7" dur="250" fill="hold"/>
+                                        <p:tgtEl>
+                                          <p:spTgt spid="6">
+                                            <p:txEl>
+                                              <p:pRg st="0" end="0"/>
+                                            </p:txEl>
+                                          </p:spTgt>
+                                        </p:tgtEl>
+                                        <p:attrNameLst>
+                                          <p:attrName>ppt_x</p:attrName>
+                                        </p:attrNameLst>
+                                      </p:cBhvr>
+                                      <p:tavLst>
+                                        <p:tav tm="0">
+                                          <p:val>
+                                            <p:strVal val="1+#ppt_w/2"/>
+                                          </p:val>
+                                        </p:tav>
+                                        <p:tav tm="100000">
+                                          <p:val>
+                                            <p:strVal val="#ppt_x"/>
+                                          </p:val>
+                                        </p:tav>
+                                      </p:tavLst>
+                                    </p:anim>
+                                    <p:anim calcmode="lin" valueType="num">
+                                      <p:cBhvr additive="base">
+                                        <p:cTn id="8" dur="250" fill="hold"/>
+                                        <p:tgtEl>
+                                          <p:spTgt spid="6">
+                                            <p:txEl>
+                                              <p:pRg st="0" end="0"/>
+                                            </p:txEl>
+                                          </p:spTgt>
+                                        </p:tgtEl>
+                                        <p:attrNameLst>
+                                          <p:attrName>ppt_y</p:attrName>
+                                        </p:attrNameLst>
+                                      </p:cBhvr>
+                                      <p:tavLst>
+                                        <p:tav tm="0">
+                                          <p:val>
+                                            <p:strVal val="#ppt_y"/>
+                                          </p:val>
+                                        </p:tav>
+                                        <p:tav tm="100000">
+                                          <p:val>
+                                            <p:strVal val="#ppt_y"/>
+                                          </p:val>
+                                        </p:tav>
+                                      </p:tavLst>
+                                    </p:anim>
+                                  </p:childTnLst>
+                                </p:cTn>
+                              </p:par>
+                            </p:childTnLst>
+                          </p:cTn>
+                        </p:par>
+                        <p:par>
+                          <p:cTn id="9" fill="hold">
+                            <p:stCondLst>
+                              <p:cond delay="500"/>
+                            </p:stCondLst>
+                            <p:childTnLst>
+                              <p:par>
+                                <p:cTn id="10" presetID="2" presetClass="entr" presetSubtype="2" fill="hold" grpId="0" nodeType="afterEffect">
+                                  <p:stCondLst>
+                                    <p:cond delay="0"/>
+                                  </p:stCondLst>
+                                  <p:childTnLst>
+                                    <p:set>
+                                      <p:cBhvr>
+                                        <p:cTn id="11" dur="250" fill="hold">
+                                          <p:stCondLst>
+                                            <p:cond delay="0"/>
+                                          </p:stCondLst>
+                                        </p:cTn>
+                                        <p:tgtEl>
+                                          <p:spTgt spid="6">
+                                            <p:txEl>
+                                              <p:pRg st="1" end="1"/>
+                                            </p:txEl>
+                                          </p:spTgt>
+                                        </p:tgtEl>
+                                        <p:attrNameLst>
+                                          <p:attrName>style.visibility</p:attrName>
+                                        </p:attrNameLst>
+                                      </p:cBhvr>
+                                      <p:to>
+                                        <p:strVal val="visible"/>
+                                      </p:to>
+                                    </p:set>
+                                    <p:anim calcmode="lin" valueType="num">
+                                      <p:cBhvr additive="base">
+                                        <p:cTn id="12" dur="250" fill="hold"/>
+                                        <p:tgtEl>
+                                          <p:spTgt spid="6">
+                                            <p:txEl>
+                                              <p:pRg st="1" end="1"/>
+                                            </p:txEl>
+                                          </p:spTgt>
+                                        </p:tgtEl>
+                                        <p:attrNameLst>
+                                          <p:attrName>ppt_x</p:attrName>
+                                        </p:attrNameLst>
+                                      </p:cBhvr>
+                                      <p:tavLst>
+                                        <p:tav tm="0">
+                                          <p:val>
+                                            <p:strVal val="1+#ppt_w/2"/>
+                                          </p:val>
+                                        </p:tav>
+                                        <p:tav tm="100000">
+                                          <p:val>
+                                            <p:strVal val="#ppt_x"/>
+                                          </p:val>
+                                        </p:tav>
+                                      </p:tavLst>
+                                    </p:anim>
+                                    <p:anim calcmode="lin" valueType="num">
+                                      <p:cBhvr additive="base">
+                                        <p:cTn id="13" dur="250" fill="hold"/>
+                                        <p:tgtEl>
+                                          <p:spTgt spid="6">
+                                            <p:txEl>
+                                              <p:pRg st="1" end="1"/>
+                                            </p:txEl>
+                                          </p:spTgt>
+                                        </p:tgtEl>
+                                        <p:attrNameLst>
+                                          <p:attrName>ppt_y</p:attrName>
+                                        </p:attrNameLst>
+                                      </p:cBhvr>
+                                      <p:tavLst>
+                                        <p:tav tm="0">
+                                          <p:val>
+                                            <p:strVal val="#ppt_y"/>
+                                          </p:val>
+                                        </p:tav>
+                                        <p:tav tm="100000">
+                                          <p:val>
+                                            <p:strVal val="#ppt_y"/>
+                                          </p:val>
+                                        </p:tav>
+                                      </p:tavLst>
+                                    </p:anim>
+                                  </p:childTnLst>
+                                </p:cTn>
+                              </p:par>
+                            </p:childTnLst>
+                          </p:cTn>
+                        </p:par>
+                        <p:par>
+                          <p:cTn id="14" fill="hold">
+                            <p:stCondLst>
+                              <p:cond delay="1000"/>
+                            </p:stCondLst>
+                            <p:childTnLst>
+                              <p:par>
+                                <p:cTn id="15" presetID="2" presetClass="entr" presetSubtype="2" fill="hold" grpId="0" nodeType="afterEffect">
+                                  <p:stCondLst>
+                                    <p:cond delay="0"/>
+                                  </p:stCondLst>
+                                  <p:childTnLst>
+                                    <p:set>
+                                      <p:cBhvr>
+                                        <p:cTn id="16" dur="250" fill="hold">
+                                          <p:stCondLst>
+                                            <p:cond delay="0"/>
+                                          </p:stCondLst>
+                                        </p:cTn>
+                                        <p:tgtEl>
+                                          <p:spTgt spid="6">
+                                            <p:txEl>
+                                              <p:pRg st="2" end="2"/>
+                                            </p:txEl>
+                                          </p:spTgt>
+                                        </p:tgtEl>
+                                        <p:attrNameLst>
+                                          <p:attrName>style.visibility</p:attrName>
+                                        </p:attrNameLst>
+                                      </p:cBhvr>
+                                      <p:to>
+                                        <p:strVal val="visible"/>
+                                      </p:to>
+                                    </p:set>
+                                    <p:anim calcmode="lin" valueType="num">
+                                      <p:cBhvr additive="base">
+                                        <p:cTn id="17" dur="250" fill="hold"/>
+                                        <p:tgtEl>
+                                          <p:spTgt spid="6">
+                                            <p:txEl>
+                                              <p:pRg st="2" end="2"/>
+                                            </p:txEl>
+                                          </p:spTgt>
+                                        </p:tgtEl>
+                                        <p:attrNameLst>
+                                          <p:attrName>ppt_x</p:attrName>
+                                        </p:attrNameLst>
+                                      </p:cBhvr>
+                                      <p:tavLst>
+                                        <p:tav tm="0">
+                                          <p:val>
+                                            <p:strVal val="1+#ppt_w/2"/>
+                                          </p:val>
+                                        </p:tav>
+                                        <p:tav tm="100000">
+                                          <p:val>
+                                            <p:strVal val="#ppt_x"/>
+                                          </p:val>
+                                        </p:tav>
+                                      </p:tavLst>
+                                    </p:anim>
+                                    <p:anim calcmode="lin" valueType="num">
+                                      <p:cBhvr additive="base">
+                                        <p:cTn id="18" dur="250" fill="hold"/>
+                                        <p:tgtEl>
+                                          <p:spTgt spid="6">
+                                            <p:txEl>
+                                              <p:pRg st="2" end="2"/>
+                                            </p:txEl>
+                                          </p:spTgt>
+                                        </p:tgtEl>
+                                        <p:attrNameLst>
+                                          <p:attrName>ppt_y</p:attrName>
+                                        </p:attrNameLst>
+                                      </p:cBhvr>
+                                      <p:tavLst>
+                                        <p:tav tm="0">
+                                          <p:val>
+                                            <p:strVal val="#ppt_y"/>
+                                          </p:val>
+                                        </p:tav>
+                                        <p:tav tm="100000">
+                                          <p:val>
+                                            <p:strVal val="#ppt_y"/>
+                                          </p:val>
+                                        </p:tav>
+                                      </p:tavLst>
+                                    </p:anim>
+                                  </p:childTnLst>
+                                </p:cTn>
+                              </p:par>
+                            </p:childTnLst>
+                          </p:cTn>
+                        </p:par>
+                        <p:par>
+                          <p:cTn id="19" fill="hold">
+                            <p:stCondLst>
+                              <p:cond delay="1500"/>
+                            </p:stCondLst>
+                            <p:childTnLst>
+                              <p:par>
+                                <p:cTn id="20" presetID="2" presetClass="entr" presetSubtype="2" fill="hold" grpId="0" nodeType="afterEffect">
+                                  <p:stCondLst>
+                                    <p:cond delay="0"/>
+                                  </p:stCondLst>
+                                  <p:childTnLst>
+                                    <p:set>
+                                      <p:cBhvr>
+                                        <p:cTn id="21" dur="250" fill="hold">
+                                          <p:stCondLst>
+                                            <p:cond delay="0"/>
+                                          </p:stCondLst>
+                                        </p:cTn>
+                                        <p:tgtEl>
+                                          <p:spTgt spid="6">
+                                            <p:txEl>
+                                              <p:pRg st="3" end="3"/>
+                                            </p:txEl>
+                                          </p:spTgt>
+                                        </p:tgtEl>
+                                        <p:attrNameLst>
+                                          <p:attrName>style.visibility</p:attrName>
+                                        </p:attrNameLst>
+                                      </p:cBhvr>
+                                      <p:to>
+                                        <p:strVal val="visible"/>
+                                      </p:to>
+                                    </p:set>
+                                    <p:anim calcmode="lin" valueType="num">
+                                      <p:cBhvr additive="base">
+                                        <p:cTn id="22" dur="250" fill="hold"/>
+                                        <p:tgtEl>
+                                          <p:spTgt spid="6">
+                                            <p:txEl>
+                                              <p:pRg st="3" end="3"/>
+                                            </p:txEl>
+                                          </p:spTgt>
+                                        </p:tgtEl>
+                                        <p:attrNameLst>
+                                          <p:attrName>ppt_x</p:attrName>
+                                        </p:attrNameLst>
+                                      </p:cBhvr>
+                                      <p:tavLst>
+                                        <p:tav tm="0">
+                                          <p:val>
+                                            <p:strVal val="1+#ppt_w/2"/>
+                                          </p:val>
+                                        </p:tav>
+                                        <p:tav tm="100000">
+                                          <p:val>
+                                            <p:strVal val="#ppt_x"/>
+                                          </p:val>
+                                        </p:tav>
+                                      </p:tavLst>
+                                    </p:anim>
+                                    <p:anim calcmode="lin" valueType="num">
+                                      <p:cBhvr additive="base">
+                                        <p:cTn id="23" dur="250" fill="hold"/>
+                                        <p:tgtEl>
+                                          <p:spTgt spid="6">
+                                            <p:txEl>
+                                              <p:pRg st="3" end="3"/>
+                                            </p:txEl>
+                                          </p:spTgt>
+                                        </p:tgtEl>
+                                        <p:attrNameLst>
+                                          <p:attrName>ppt_y</p:attrName>
+                                        </p:attrNameLst>
+                                      </p:cBhvr>
+                                      <p:tavLst>
+                                        <p:tav tm="0">
+                                          <p:val>
+                                            <p:strVal val="#ppt_y"/>
+                                          </p:val>
+                                        </p:tav>
+                                        <p:tav tm="100000">
+                                          <p:val>
+                                            <p:strVal val="#ppt_y"/>
+                                          </p:val>
+                                        </p:tav>
+                                      </p:tavLst>
+                                    </p:anim>
+                                  </p:childTnLst>
+                                </p:cTn>
+                              </p:par>
+                            </p:childTnLst>
+                          </p:cTn>
+                        </p:par>
+                        <p:par>
+                          <p:cTn id="24" fill="hold">
+                            <p:stCondLst>
+                              <p:cond delay="2000"/>
+                            </p:stCondLst>
+                            <p:childTnLst>
+                              <p:par>
+                                <p:cTn id="25" presetID="2" presetClass="entr" presetSubtype="2" fill="hold" grpId="0" nodeType="afterEffect">
+                                  <p:stCondLst>
+                                    <p:cond delay="0"/>
+                                  </p:stCondLst>
+                                  <p:childTnLst>
+                                    <p:set>
+                                      <p:cBhvr>
+                                        <p:cTn id="26" dur="250" fill="hold">
+                                          <p:stCondLst>
+                                            <p:cond delay="0"/>
+                                          </p:stCondLst>
+                                        </p:cTn>
+                                        <p:tgtEl>
+                                          <p:spTgt spid="6">
+                                            <p:txEl>
+                                              <p:pRg st="4" end="4"/>
+                                            </p:txEl>
+                                          </p:spTgt>
+                                        </p:tgtEl>
+                                        <p:attrNameLst>
+                                          <p:attrName>style.visibility</p:attrName>
+                                        </p:attrNameLst>
+                                      </p:cBhvr>
+                                      <p:to>
+                                        <p:strVal val="visible"/>
+                                      </p:to>
+                                    </p:set>
+                                    <p:anim calcmode="lin" valueType="num">
+                                      <p:cBhvr additive="base">
+                                        <p:cTn id="27" dur="250" fill="hold"/>
+                                        <p:tgtEl>
+                                          <p:spTgt spid="6">
+                                            <p:txEl>
+                                              <p:pRg st="4" end="4"/>
+                                            </p:txEl>
+                                          </p:spTgt>
+                                        </p:tgtEl>
+                                        <p:attrNameLst>
+                                          <p:attrName>ppt_x</p:attrName>
+                                        </p:attrNameLst>
+                                      </p:cBhvr>
+                                      <p:tavLst>
+                                        <p:tav tm="0">
+                                          <p:val>
+                                            <p:strVal val="1+#ppt_w/2"/>
+                                          </p:val>
+                                        </p:tav>
+                                        <p:tav tm="100000">
+                                          <p:val>
+                                            <p:strVal val="#ppt_x"/>
+                                          </p:val>
+                                        </p:tav>
+                                      </p:tavLst>
+                                    </p:anim>
+                                    <p:anim calcmode="lin" valueType="num">
+                                      <p:cBhvr additive="base">
+                                        <p:cTn id="28" dur="250" fill="hold"/>
+                                        <p:tgtEl>
+                                          <p:spTgt spid="6">
+                                            <p:txEl>
+                                              <p:pRg st="4" end="4"/>
+                                            </p:txEl>
+                                          </p:spTgt>
+                                        </p:tgtEl>
+                                        <p:attrNameLst>
+                                          <p:attrName>ppt_y</p:attrName>
+                                        </p:attrNameLst>
+                                      </p:cBhvr>
+                                      <p:tavLst>
+                                        <p:tav tm="0">
+                                          <p:val>
+                                            <p:strVal val="#ppt_y"/>
+                                          </p:val>
+                                        </p:tav>
+                                        <p:tav tm="100000">
+                                          <p:val>
+                                            <p:strVal val="#ppt_y"/>
+                                          </p:val>
+                                        </p:tav>
+                                      </p:tavLst>
+                                    </p:anim>
+                                  </p:childTnLst>
+                                </p:cTn>
+                              </p:par>
+                            </p:childTnLst>
+                          </p:cTn>
+                        </p:par>
+                        <p:par>
+                          <p:cTn id="29" fill="hold">
+                            <p:stCondLst>
+                              <p:cond delay="2500"/>
+                            </p:stCondLst>
+                            <p:childTnLst>
+                              <p:par>
+                                <p:cTn id="30" presetID="2" presetClass="entr" presetSubtype="2" fill="hold" grpId="0" nodeType="afterEffect">
+                                  <p:stCondLst>
+                                    <p:cond delay="0"/>
+                                  </p:stCondLst>
+                                  <p:childTnLst>
+                                    <p:set>
+                                      <p:cBhvr>
+                                        <p:cTn id="31" dur="250" fill="hold">
+                                          <p:stCondLst>
+                                            <p:cond delay="0"/>
+                                          </p:stCondLst>
+                                        </p:cTn>
+                                        <p:tgtEl>
+                                          <p:spTgt spid="6">
+                                            <p:txEl>
+                                              <p:pRg st="5" end="5"/>
+                                            </p:txEl>
+                                          </p:spTgt>
+                                        </p:tgtEl>
+                                        <p:attrNameLst>
+                                          <p:attrName>style.visibility</p:attrName>
+                                        </p:attrNameLst>
+                                      </p:cBhvr>
+                                      <p:to>
+                                        <p:strVal val="visible"/>
+                                      </p:to>
+                                    </p:set>
+                                    <p:anim calcmode="lin" valueType="num">
+                                      <p:cBhvr additive="base">
+                                        <p:cTn id="32" dur="250" fill="hold"/>
+                                        <p:tgtEl>
+                                          <p:spTgt spid="6">
+                                            <p:txEl>
+                                              <p:pRg st="5" end="5"/>
+                                            </p:txEl>
+                                          </p:spTgt>
+                                        </p:tgtEl>
+                                        <p:attrNameLst>
+                                          <p:attrName>ppt_x</p:attrName>
+                                        </p:attrNameLst>
+                                      </p:cBhvr>
+                                      <p:tavLst>
+                                        <p:tav tm="0">
+                                          <p:val>
+                                            <p:strVal val="1+#ppt_w/2"/>
+                                          </p:val>
+                                        </p:tav>
+                                        <p:tav tm="100000">
+                                          <p:val>
+                                            <p:strVal val="#ppt_x"/>
+                                          </p:val>
+                                        </p:tav>
+                                      </p:tavLst>
+                                    </p:anim>
+                                    <p:anim calcmode="lin" valueType="num">
+                                      <p:cBhvr additive="base">
+                                        <p:cTn id="33" dur="250" fill="hold"/>
+                                        <p:tgtEl>
+                                          <p:spTgt spid="6">
+                                            <p:txEl>
+                                              <p:pRg st="5" end="5"/>
+                                            </p:txEl>
+                                          </p:spTgt>
+                                        </p:tgtEl>
+                                        <p:attrNameLst>
+                                          <p:attrName>ppt_y</p:attrName>
+                                        </p:attrNameLst>
+                                      </p:cBhvr>
+                                      <p:tavLst>
+                                        <p:tav tm="0">
+                                          <p:val>
+                                            <p:strVal val="#ppt_y"/>
+                                          </p:val>
+                                        </p:tav>
+                                        <p:tav tm="100000">
+                                          <p:val>
+                                            <p:strVal val="#ppt_y"/>
+                                          </p:val>
+                                        </p:tav>
+                                      </p:tavLst>
+                                    </p:anim>
+                                  </p:childTnLst>
+                                </p:cTn>
+                              </p:par>
+                            </p:childTnLst>
+                          </p:cTn>
+                        </p:par>
+                        <p:par>
+                          <p:cTn id="34" fill="hold">
+                            <p:stCondLst>
+                              <p:cond delay="3000"/>
+                            </p:stCondLst>
+                            <p:childTnLst>
+                              <p:par>
+                                <p:cTn id="35" presetID="2" presetClass="entr" presetSubtype="2" fill="hold" grpId="0" nodeType="afterEffect">
+                                  <p:stCondLst>
+                                    <p:cond delay="0"/>
+                                  </p:stCondLst>
+                                  <p:childTnLst>
+                                    <p:set>
+                                      <p:cBhvr>
+                                        <p:cTn id="36" dur="250" fill="hold">
+                                          <p:stCondLst>
+                                            <p:cond delay="0"/>
+                                          </p:stCondLst>
+                                        </p:cTn>
+                                        <p:tgtEl>
+                                          <p:spTgt spid="6">
+                                            <p:txEl>
+                                              <p:pRg st="6" end="6"/>
+                                            </p:txEl>
+                                          </p:spTgt>
+                                        </p:tgtEl>
+                                        <p:attrNameLst>
+                                          <p:attrName>style.visibility</p:attrName>
+                                        </p:attrNameLst>
+                                      </p:cBhvr>
+                                      <p:to>
+                                        <p:strVal val="visible"/>
+                                      </p:to>
+                                    </p:set>
+                                    <p:anim calcmode="lin" valueType="num">
+                                      <p:cBhvr additive="base">
+                                        <p:cTn id="37" dur="250" fill="hold"/>
+                                        <p:tgtEl>
+                                          <p:spTgt spid="6">
+                                            <p:txEl>
+                                              <p:pRg st="6" end="6"/>
+                                            </p:txEl>
+                                          </p:spTgt>
+                                        </p:tgtEl>
+                                        <p:attrNameLst>
+                                          <p:attrName>ppt_x</p:attrName>
+                                        </p:attrNameLst>
+                                      </p:cBhvr>
+                                      <p:tavLst>
+                                        <p:tav tm="0">
+                                          <p:val>
+                                            <p:strVal val="1+#ppt_w/2"/>
+                                          </p:val>
+                                        </p:tav>
+                                        <p:tav tm="100000">
+                                          <p:val>
+                                            <p:strVal val="#ppt_x"/>
+                                          </p:val>
+                                        </p:tav>
+                                      </p:tavLst>
+                                    </p:anim>
+                                    <p:anim calcmode="lin" valueType="num">
+                                      <p:cBhvr additive="base">
+                                        <p:cTn id="38" dur="250" fill="hold"/>
+                                        <p:tgtEl>
+                                          <p:spTgt spid="6">
+                                            <p:txEl>
+                                              <p:pRg st="6" end="6"/>
+                                            </p:txEl>
+                                          </p:spTgt>
+                                        </p:tgtEl>
+                                        <p:attrNameLst>
+                                          <p:attrName>ppt_y</p:attrName>
+                                        </p:attrNameLst>
+                                      </p:cBhvr>
+                                      <p:tavLst>
+                                        <p:tav tm="0">
+                                          <p:val>
+                                            <p:strVal val="#ppt_y"/>
+                                          </p:val>
+                                        </p:tav>
+                                        <p:tav tm="100000">
+                                          <p:val>
+                                            <p:strVal val="#ppt_y"/>
+                                          </p:val>
+                                        </p:tav>
+                                      </p:tavLst>
+                                    </p:anim>
+                                  </p:childTnLst>
+                                </p:cTn>
+                              </p:par>
+                            </p:childTnLst>
+                          </p:cTn>
+                        </p:par>
+                        <p:par>
+                          <p:cTn id="39" fill="hold">
+                            <p:stCondLst>
+                              <p:cond delay="3500"/>
+                            </p:stCondLst>
+                            <p:childTnLst>
+                              <p:par>
+                                <p:cTn id="40" presetID="2" presetClass="entr" presetSubtype="4" fill="hold" grpId="0" nodeType="afterEffect">
+                                  <p:stCondLst>
+                                    <p:cond delay="0"/>
+                                  </p:stCondLst>
+                                  <p:childTnLst>
+                                    <p:set>
+                                      <p:cBhvr>
+                                        <p:cTn id="41" dur="1" fill="hold">
+                                          <p:stCondLst>
+                                            <p:cond delay="0"/>
+                                          </p:stCondLst>
+                                        </p:cTn>
+                                        <p:tgtEl>
+                                          <p:spTgt spid="12"/>
+                                        </p:tgtEl>
+                                        <p:attrNameLst>
+                                          <p:attrName>style.visibility</p:attrName>
+                                        </p:attrNameLst>
+                                      </p:cBhvr>
+                                      <p:to>
+                                        <p:strVal val="visible"/>
+                                      </p:to>
+                                    </p:set>
+                                    <p:anim calcmode="lin" valueType="num">
+                                      <p:cBhvr additive="base">
+                                        <p:cTn id="42" dur="500" fill="hold"/>
+                                        <p:tgtEl>
+                                          <p:spTgt spid="12"/>
+                                        </p:tgtEl>
+                                        <p:attrNameLst>
+                                          <p:attrName>ppt_x</p:attrName>
+                                        </p:attrNameLst>
+                                      </p:cBhvr>
+                                      <p:tavLst>
+                                        <p:tav tm="0">
+                                          <p:val>
+                                            <p:strVal val="#ppt_x"/>
+                                          </p:val>
+                                        </p:tav>
+                                        <p:tav tm="100000">
+                                          <p:val>
+                                            <p:strVal val="#ppt_x"/>
+                                          </p:val>
+                                        </p:tav>
+                                      </p:tavLst>
+                                    </p:anim>
+                                    <p:anim calcmode="lin" valueType="num">
+                                      <p:cBhvr additive="base">
+                                        <p:cTn id="43" dur="500" fill="hold"/>
+                                        <p:tgtEl>
+                                          <p:spTgt spid="12"/>
+                                        </p:tgtEl>
+                                        <p:attrNameLst>
+                                          <p:attrName>ppt_y</p:attrName>
+                                        </p:attrNameLst>
+                                      </p:cBhvr>
+                                      <p:tavLst>
+                                        <p:tav tm="0">
+                                          <p:val>
+                                            <p:strVal val="1+#ppt_h/2"/>
+                                          </p:val>
+                                        </p:tav>
+                                        <p:tav tm="100000">
+                                          <p:val>
+                                            <p:strVal val="#ppt_y"/>
+                                          </p:val>
+                                        </p:tav>
+                                      </p:tavLst>
+                                    </p:anim>
+                                  </p:childTnLst>
+                                </p:cTn>
+                              </p:par>
+                              <p:par>
+                                <p:cTn id="44" presetID="2" presetClass="entr" presetSubtype="1" fill="hold" grpId="0" nodeType="withEffect">
+                                  <p:stCondLst>
+                                    <p:cond delay="0"/>
+                                  </p:stCondLst>
+                                  <p:childTnLst>
+                                    <p:set>
+                                      <p:cBhvr>
+                                        <p:cTn id="45" dur="1" fill="hold">
+                                          <p:stCondLst>
+                                            <p:cond delay="0"/>
+                                          </p:stCondLst>
+                                        </p:cTn>
+                                        <p:tgtEl>
+                                          <p:spTgt spid="4"/>
+                                        </p:tgtEl>
+                                        <p:attrNameLst>
+                                          <p:attrName>style.visibility</p:attrName>
+                                        </p:attrNameLst>
+                                      </p:cBhvr>
+                                      <p:to>
+                                        <p:strVal val="visible"/>
+                                      </p:to>
+                                    </p:set>
+                                    <p:anim calcmode="lin" valueType="num">
+                                      <p:cBhvr additive="base">
+                                        <p:cTn id="46" dur="500" fill="hold"/>
+                                        <p:tgtEl>
+                                          <p:spTgt spid="4"/>
+                                        </p:tgtEl>
+                                        <p:attrNameLst>
+                                          <p:attrName>ppt_x</p:attrName>
+                                        </p:attrNameLst>
+                                      </p:cBhvr>
+                                      <p:tavLst>
+                                        <p:tav tm="0">
+                                          <p:val>
+                                            <p:strVal val="#ppt_x"/>
+                                          </p:val>
+                                        </p:tav>
+                                        <p:tav tm="100000">
+                                          <p:val>
+                                            <p:strVal val="#ppt_x"/>
+                                          </p:val>
+                                        </p:tav>
+                                      </p:tavLst>
+                                    </p:anim>
+                                    <p:anim calcmode="lin" valueType="num">
+                                      <p:cBhvr additive="base">
+                                        <p:cTn id="47" dur="500" fill="hold"/>
+                                        <p:tgtEl>
+                                          <p:spTgt spid="4"/>
+                                        </p:tgtEl>
+                                        <p:attrNameLst>
+                                          <p:attrName>ppt_y</p:attrName>
+                                        </p:attrNameLst>
+                                      </p:cBhvr>
+                                      <p:tavLst>
+                                        <p:tav tm="0">
+                                          <p:val>
+                                            <p:strVal val="0-#ppt_h/2"/>
+                                          </p:val>
+                                        </p:tav>
+                                        <p:tav tm="100000">
+                                          <p:val>
+                                            <p:strVal val="#ppt_y"/>
+                                          </p:val>
+                                        </p:tav>
+                                      </p:tavLst>
+                                    </p:anim>
+                                  </p:childTnLst>
+                                </p:cTn>
+                              </p:par>
+                              <p:par>
+                                <p:cTn id="48" presetID="2" presetClass="entr" presetSubtype="2" fill="hold" nodeType="withEffect">
+                                  <p:stCondLst>
+                                    <p:cond delay="0"/>
+                                  </p:stCondLst>
+                                  <p:childTnLst>
+                                    <p:set>
+                                      <p:cBhvr>
+                                        <p:cTn id="49" dur="1" fill="hold">
+                                          <p:stCondLst>
+                                            <p:cond delay="0"/>
+                                          </p:stCondLst>
+                                        </p:cTn>
+                                        <p:tgtEl>
+                                          <p:spTgt spid="108"/>
+                                        </p:tgtEl>
+                                        <p:attrNameLst>
+                                          <p:attrName>style.visibility</p:attrName>
+                                        </p:attrNameLst>
+                                      </p:cBhvr>
+                                      <p:to>
+                                        <p:strVal val="visible"/>
+                                      </p:to>
+                                    </p:set>
+                                    <p:anim calcmode="lin" valueType="num">
+                                      <p:cBhvr additive="base">
+                                        <p:cTn id="50" dur="500" fill="hold"/>
+                                        <p:tgtEl>
+                                          <p:spTgt spid="108"/>
+                                        </p:tgtEl>
+                                        <p:attrNameLst>
+                                          <p:attrName>ppt_x</p:attrName>
+                                        </p:attrNameLst>
+                                      </p:cBhvr>
+                                      <p:tavLst>
+                                        <p:tav tm="0">
+                                          <p:val>
+                                            <p:strVal val="1+#ppt_w/2"/>
+                                          </p:val>
+                                        </p:tav>
+                                        <p:tav tm="100000">
+                                          <p:val>
+                                            <p:strVal val="#ppt_x"/>
+                                          </p:val>
+                                        </p:tav>
+                                      </p:tavLst>
+                                    </p:anim>
+                                    <p:anim calcmode="lin" valueType="num">
+                                      <p:cBhvr additive="base">
+                                        <p:cTn id="51" dur="500" fill="hold"/>
+                                        <p:tgtEl>
+                                          <p:spTgt spid="108"/>
+                                        </p:tgtEl>
+                                        <p:attrNameLst>
+                                          <p:attrName>ppt_y</p:attrName>
+                                        </p:attrNameLst>
+                                      </p:cBhvr>
+                                      <p:tavLst>
+                                        <p:tav tm="0">
+                                          <p:val>
+                                            <p:strVal val="#ppt_y"/>
+                                          </p:val>
+                                        </p:tav>
+                                        <p:tav tm="100000">
+                                          <p:val>
+                                            <p:strVal val="#ppt_y"/>
+                                          </p:val>
+                                        </p:tav>
+                                      </p:tavLst>
+                                    </p:anim>
+                                  </p:childTnLst>
+                                </p:cTn>
+                              </p:par>
+                            </p:childTnLst>
+                          </p:cTn>
+                        </p:par>
+                      </p:childTnLst>
+                    </p:cTn>
+                  </p:par>
+                </p:childTnLst>
+              </p:cTn>
+              <p:prevCondLst>
+                <p:cond evt="onPrev" delay="0">
+                  <p:tgtEl>
+                    <p:sldTgt/>
+                  </p:tgtEl>
+                </p:cond>
+              </p:prevCondLst>
+              <p:nextCondLst>
+                <p:cond evt="onNext" delay="0">
+                  <p:tgtEl>
+                    <p:sldTgt/>
+                  </p:tgtEl>
+                </p:cond>
+              </p:nextCondLst>
+            </p:seq>
+          </p:childTnLst>
+        </p:cTn>
+      </p:par>
+    </p:tnLst>
+    <p:bldLst>
+      <p:bldP spid="6" grpId="0" uiExpand="1" build="p"/>
+      <p:bldP spid="12" grpId="0" animBg="1"/>
+      <p:bldP spid="4" grpId="0" animBg="1"/>
+      <p:bldP spid="12" grpId="1" animBg="1"/>
+      <p:bldP spid="4" grpId="1" animBg="1"/>
+    </p:bldLst>
+  </p:timing>
 </p:sld>
 </file>
 
